--- a/LectureFiles/cshl/2015/RNASeq_Module4_Lecture.pptx
+++ b/LectureFiles/cshl/2015/RNASeq_Module4_Lecture.pptx
@@ -5,33 +5,29 @@
     <p:sldMasterId id="2147483648" r:id="rId1"/>
   </p:sldMasterIdLst>
   <p:notesMasterIdLst>
-    <p:notesMasterId r:id="rId23"/>
+    <p:notesMasterId r:id="rId19"/>
   </p:notesMasterIdLst>
   <p:handoutMasterIdLst>
-    <p:handoutMasterId r:id="rId24"/>
+    <p:handoutMasterId r:id="rId20"/>
   </p:handoutMasterIdLst>
   <p:sldIdLst>
     <p:sldId id="341" r:id="rId2"/>
-    <p:sldId id="257" r:id="rId3"/>
-    <p:sldId id="513" r:id="rId4"/>
-    <p:sldId id="514" r:id="rId5"/>
-    <p:sldId id="515" r:id="rId6"/>
-    <p:sldId id="516" r:id="rId7"/>
-    <p:sldId id="517" r:id="rId8"/>
-    <p:sldId id="518" r:id="rId9"/>
-    <p:sldId id="519" r:id="rId10"/>
-    <p:sldId id="520" r:id="rId11"/>
-    <p:sldId id="521" r:id="rId12"/>
-    <p:sldId id="522" r:id="rId13"/>
-    <p:sldId id="523" r:id="rId14"/>
-    <p:sldId id="524" r:id="rId15"/>
-    <p:sldId id="525" r:id="rId16"/>
-    <p:sldId id="526" r:id="rId17"/>
-    <p:sldId id="527" r:id="rId18"/>
-    <p:sldId id="528" r:id="rId19"/>
-    <p:sldId id="529" r:id="rId20"/>
-    <p:sldId id="531" r:id="rId21"/>
-    <p:sldId id="512" r:id="rId22"/>
+    <p:sldId id="513" r:id="rId3"/>
+    <p:sldId id="514" r:id="rId4"/>
+    <p:sldId id="515" r:id="rId5"/>
+    <p:sldId id="516" r:id="rId6"/>
+    <p:sldId id="517" r:id="rId7"/>
+    <p:sldId id="518" r:id="rId8"/>
+    <p:sldId id="519" r:id="rId9"/>
+    <p:sldId id="520" r:id="rId10"/>
+    <p:sldId id="521" r:id="rId11"/>
+    <p:sldId id="522" r:id="rId12"/>
+    <p:sldId id="523" r:id="rId13"/>
+    <p:sldId id="524" r:id="rId14"/>
+    <p:sldId id="525" r:id="rId15"/>
+    <p:sldId id="526" r:id="rId16"/>
+    <p:sldId id="527" r:id="rId17"/>
+    <p:sldId id="512" r:id="rId18"/>
   </p:sldIdLst>
   <p:sldSz cx="9144000" cy="6858000" type="screen4x3"/>
   <p:notesSz cx="7315200" cy="9601200"/>
@@ -261,12 +257,12 @@
             <a:pPr>
               <a:defRPr/>
             </a:pPr>
-            <a:fld id="{A780FA5F-33F5-D642-9374-429442C6376D}" type="datetime1">
+            <a:fld id="{DE9121C1-E2BF-E745-B860-78422DD9843C}" type="datetime1">
               <a:rPr lang="en-US"/>
               <a:pPr>
                 <a:defRPr/>
               </a:pPr>
-              <a:t>11/18/14</a:t>
+              <a:t>11/14/15</a:t>
             </a:fld>
             <a:endParaRPr lang="en-US"/>
           </a:p>
@@ -348,7 +344,7 @@
             <a:pPr>
               <a:defRPr/>
             </a:pPr>
-            <a:fld id="{1D4961D4-ED2D-444B-9D94-1B59AC4083C4}" type="slidenum">
+            <a:fld id="{78E0C042-AF95-A94D-832D-10E1E8C542D1}" type="slidenum">
               <a:rPr lang="en-US"/>
               <a:pPr>
                 <a:defRPr/>
@@ -362,7 +358,7 @@
     </p:spTree>
     <p:extLst>
       <p:ext uri="{BB962C8B-B14F-4D97-AF65-F5344CB8AC3E}">
-        <p14:creationId xmlns:p14="http://schemas.microsoft.com/office/powerpoint/2010/main" val="2493182530"/>
+        <p14:creationId xmlns:p14="http://schemas.microsoft.com/office/powerpoint/2010/main" val="3520265413"/>
       </p:ext>
     </p:extLst>
   </p:cSld>
@@ -468,12 +464,12 @@
             <a:pPr>
               <a:defRPr/>
             </a:pPr>
-            <a:fld id="{6E616839-BE06-5A4F-98DA-16672F8C3D60}" type="datetime1">
+            <a:fld id="{35287995-21E9-BA49-A2F5-7D67D447DBDA}" type="datetime1">
               <a:rPr lang="en-US"/>
               <a:pPr>
                 <a:defRPr/>
               </a:pPr>
-              <a:t>11/18/14</a:t>
+              <a:t>11/14/15</a:t>
             </a:fld>
             <a:endParaRPr lang="en-US"/>
           </a:p>
@@ -657,7 +653,7 @@
             <a:pPr>
               <a:defRPr/>
             </a:pPr>
-            <a:fld id="{5305D27C-238F-484B-86D6-965AF200EAB3}" type="slidenum">
+            <a:fld id="{58FBEE90-0CDA-3447-B595-4F8759630F3A}" type="slidenum">
               <a:rPr lang="en-US"/>
               <a:pPr>
                 <a:defRPr/>
@@ -671,7 +667,7 @@
     </p:spTree>
     <p:extLst>
       <p:ext uri="{BB962C8B-B14F-4D97-AF65-F5344CB8AC3E}">
-        <p14:creationId xmlns:p14="http://schemas.microsoft.com/office/powerpoint/2010/main" val="4106064870"/>
+        <p14:creationId xmlns:p14="http://schemas.microsoft.com/office/powerpoint/2010/main" val="2390151617"/>
       </p:ext>
     </p:extLst>
   </p:cSld>
@@ -1047,7 +1043,7 @@
           </a:lstStyle>
           <a:p>
             <a:pPr eaLnBrk="1" hangingPunct="1"/>
-            <a:fld id="{0B3FFF4B-E412-C745-93BD-787B82CED00B}" type="slidenum">
+            <a:fld id="{047C8C39-31A5-BB46-9991-A41ACE8D4E18}" type="slidenum">
               <a:rPr lang="en-US" sz="1300">
                 <a:latin typeface="Calibri" charset="0"/>
               </a:rPr>
@@ -1197,7 +1193,7 @@
     </p:spTree>
     <p:extLst>
       <p:ext uri="{BB962C8B-B14F-4D97-AF65-F5344CB8AC3E}">
-        <p14:creationId xmlns:p14="http://schemas.microsoft.com/office/powerpoint/2010/main" val="3613804792"/>
+        <p14:creationId xmlns:p14="http://schemas.microsoft.com/office/powerpoint/2010/main" val="2169111987"/>
       </p:ext>
     </p:extLst>
   </p:cSld>
@@ -1694,7 +1690,7 @@
     </p:spTree>
     <p:extLst>
       <p:ext uri="{BB962C8B-B14F-4D97-AF65-F5344CB8AC3E}">
-        <p14:creationId xmlns:p14="http://schemas.microsoft.com/office/powerpoint/2010/main" val="77234025"/>
+        <p14:creationId xmlns:p14="http://schemas.microsoft.com/office/powerpoint/2010/main" val="3003809841"/>
       </p:ext>
     </p:extLst>
   </p:cSld>
@@ -2103,7 +2099,7 @@
     </p:spTree>
     <p:extLst>
       <p:ext uri="{BB962C8B-B14F-4D97-AF65-F5344CB8AC3E}">
-        <p14:creationId xmlns:p14="http://schemas.microsoft.com/office/powerpoint/2010/main" val="1587671505"/>
+        <p14:creationId xmlns:p14="http://schemas.microsoft.com/office/powerpoint/2010/main" val="2296454335"/>
       </p:ext>
     </p:extLst>
   </p:cSld>
@@ -2688,7 +2684,7 @@
     </p:spTree>
     <p:extLst>
       <p:ext uri="{BB962C8B-B14F-4D97-AF65-F5344CB8AC3E}">
-        <p14:creationId xmlns:p14="http://schemas.microsoft.com/office/powerpoint/2010/main" val="2356237350"/>
+        <p14:creationId xmlns:p14="http://schemas.microsoft.com/office/powerpoint/2010/main" val="1102792779"/>
       </p:ext>
     </p:extLst>
   </p:cSld>
@@ -3150,7 +3146,7 @@
     </p:spTree>
     <p:extLst>
       <p:ext uri="{BB962C8B-B14F-4D97-AF65-F5344CB8AC3E}">
-        <p14:creationId xmlns:p14="http://schemas.microsoft.com/office/powerpoint/2010/main" val="3871501772"/>
+        <p14:creationId xmlns:p14="http://schemas.microsoft.com/office/powerpoint/2010/main" val="1949620210"/>
       </p:ext>
     </p:extLst>
   </p:cSld>
@@ -3371,12 +3367,12 @@
             <a:pPr>
               <a:defRPr/>
             </a:pPr>
-            <a:fld id="{C535ABF6-7629-024A-A688-AB5CD0A2F931}" type="datetime1">
+            <a:fld id="{CF3FDDA8-DFE2-794D-9469-18250F189BBE}" type="datetime1">
               <a:rPr lang="en-US"/>
               <a:pPr>
                 <a:defRPr/>
               </a:pPr>
-              <a:t>11/18/14</a:t>
+              <a:t>11/14/15</a:t>
             </a:fld>
             <a:endParaRPr lang="en-US"/>
           </a:p>
@@ -3464,7 +3460,7 @@
             <a:pPr>
               <a:defRPr/>
             </a:pPr>
-            <a:fld id="{007B2CE0-0D83-5840-B7D8-C29F030F6B5E}" type="slidenum">
+            <a:fld id="{D133E7D2-33FF-EC4A-AE37-9A522B04AD5B}" type="slidenum">
               <a:rPr lang="en-US"/>
               <a:pPr>
                 <a:defRPr/>
@@ -4110,13 +4106,6 @@
   <p:clrMapOvr>
     <a:masterClrMapping/>
   </p:clrMapOvr>
-  <p:timing>
-    <p:tnLst>
-      <p:par>
-        <p:cTn xmlns:p14="http://schemas.microsoft.com/office/powerpoint/2010/main" id="1" dur="indefinite" restart="never" nodeType="tmRoot"/>
-      </p:par>
-    </p:tnLst>
-  </p:timing>
 </p:sld>
 </file>
 
@@ -4139,7 +4128,7 @@
       </p:grpSpPr>
       <p:sp>
         <p:nvSpPr>
-          <p:cNvPr id="36865" name="Title 1"/>
+          <p:cNvPr id="20481" name="Title 1"/>
           <p:cNvSpPr>
             <a:spLocks noGrp="1"/>
           </p:cNvSpPr>
@@ -4149,8 +4138,8 @@
         </p:nvSpPr>
         <p:spPr>
           <a:xfrm>
-            <a:off x="152400" y="44624"/>
-            <a:ext cx="8839200" cy="1143000"/>
+            <a:off x="152400" y="-26988"/>
+            <a:ext cx="8839200" cy="1143001"/>
           </a:xfrm>
         </p:spPr>
         <p:txBody>
@@ -4158,149 +4147,55 @@
           <a:lstStyle/>
           <a:p>
             <a:r>
-              <a:rPr lang="en-US" dirty="0">
+              <a:rPr lang="en-US">
                 <a:latin typeface="Calibri" charset="0"/>
                 <a:ea typeface="ＭＳ Ｐゴシック" charset="0"/>
               </a:rPr>
-              <a:t>What do we get from </a:t>
-            </a:r>
-            <a:r>
-              <a:rPr lang="en-US" dirty="0" err="1">
-                <a:latin typeface="Calibri" charset="0"/>
-                <a:ea typeface="ＭＳ Ｐゴシック" charset="0"/>
-              </a:rPr>
-              <a:t>cummeRbund</a:t>
-            </a:r>
-            <a:r>
-              <a:rPr lang="en-US" dirty="0">
-                <a:latin typeface="Calibri" charset="0"/>
-                <a:ea typeface="ＭＳ Ｐゴシック" charset="0"/>
-              </a:rPr>
-              <a:t>?</a:t>
+              <a:t>Sequencing methods for studying alternative isoforms</a:t>
             </a:r>
           </a:p>
         </p:txBody>
       </p:sp>
-      <p:sp>
-        <p:nvSpPr>
-          <p:cNvPr id="36866" name="Content Placeholder 2"/>
-          <p:cNvSpPr>
-            <a:spLocks noGrp="1"/>
-          </p:cNvSpPr>
+      <p:pic>
+        <p:nvPicPr>
+          <p:cNvPr id="20482" name="Content Placeholder 3" descr="Figure3.png"/>
+          <p:cNvPicPr>
+            <a:picLocks noGrp="1" noChangeAspect="1"/>
+          </p:cNvPicPr>
           <p:nvPr>
             <p:ph idx="1"/>
           </p:nvPr>
-        </p:nvSpPr>
+        </p:nvPicPr>
+        <p:blipFill>
+          <a:blip r:embed="rId2">
+            <a:extLst>
+              <a:ext uri="{28A0092B-C50C-407E-A947-70E740481C1C}">
+                <a14:useLocalDpi xmlns:a14="http://schemas.microsoft.com/office/drawing/2010/main" val="0"/>
+              </a:ext>
+            </a:extLst>
+          </a:blip>
+          <a:srcRect l="-2106" r="-1291"/>
+          <a:stretch>
+            <a:fillRect/>
+          </a:stretch>
+        </p:blipFill>
         <p:spPr>
           <a:xfrm>
-            <a:off x="152400" y="1340768"/>
-            <a:ext cx="8839200" cy="4724400"/>
+            <a:off x="2411413" y="1268413"/>
+            <a:ext cx="4000500" cy="4911725"/>
           </a:xfrm>
         </p:spPr>
-        <p:txBody>
-          <a:bodyPr>
-            <a:normAutofit fontScale="92500" lnSpcReduction="10000"/>
-          </a:bodyPr>
-          <a:lstStyle/>
-          <a:p>
-            <a:r>
-              <a:rPr lang="en-US" dirty="0" smtClean="0">
-                <a:latin typeface="Calibri" charset="0"/>
-                <a:ea typeface="ＭＳ Ｐゴシック" charset="0"/>
-              </a:rPr>
-              <a:t>Automatically generates many of the commonly used data visualizations</a:t>
-            </a:r>
-          </a:p>
-          <a:p>
-            <a:r>
-              <a:rPr lang="en-US" dirty="0" smtClean="0">
-                <a:latin typeface="Calibri" charset="0"/>
-                <a:ea typeface="ＭＳ Ｐゴシック" charset="0"/>
-              </a:rPr>
-              <a:t>Distribution plots</a:t>
-            </a:r>
-          </a:p>
-          <a:p>
-            <a:r>
-              <a:rPr lang="en-US" dirty="0" smtClean="0">
-                <a:latin typeface="Calibri" charset="0"/>
-                <a:ea typeface="ＭＳ Ｐゴシック" charset="0"/>
-              </a:rPr>
-              <a:t>Overall correlations plots</a:t>
-            </a:r>
-          </a:p>
-          <a:p>
-            <a:r>
-              <a:rPr lang="en-US" dirty="0" smtClean="0">
-                <a:latin typeface="Calibri" charset="0"/>
-                <a:ea typeface="ＭＳ Ｐゴシック" charset="0"/>
-              </a:rPr>
-              <a:t>MA plots</a:t>
-            </a:r>
-          </a:p>
-          <a:p>
-            <a:r>
-              <a:rPr lang="en-US" dirty="0" smtClean="0">
-                <a:latin typeface="Calibri" charset="0"/>
-                <a:ea typeface="ＭＳ Ｐゴシック" charset="0"/>
-              </a:rPr>
-              <a:t>Volcano plots</a:t>
-            </a:r>
-          </a:p>
-          <a:p>
-            <a:r>
-              <a:rPr lang="en-US" dirty="0" smtClean="0">
-                <a:latin typeface="Calibri" charset="0"/>
-                <a:ea typeface="ＭＳ Ｐゴシック" charset="0"/>
-              </a:rPr>
-              <a:t>Clustering, PCA and MDS plots to assess global relationships between conditions</a:t>
-            </a:r>
-          </a:p>
-          <a:p>
-            <a:r>
-              <a:rPr lang="en-US" dirty="0" err="1" smtClean="0">
-                <a:latin typeface="Calibri" charset="0"/>
-                <a:ea typeface="ＭＳ Ｐゴシック" charset="0"/>
-              </a:rPr>
-              <a:t>Heatmaps</a:t>
-            </a:r>
-            <a:endParaRPr lang="en-US" dirty="0" smtClean="0">
-              <a:latin typeface="Calibri" charset="0"/>
-              <a:ea typeface="ＭＳ Ｐゴシック" charset="0"/>
-            </a:endParaRPr>
-          </a:p>
-          <a:p>
-            <a:r>
-              <a:rPr lang="en-US" dirty="0" smtClean="0">
-                <a:latin typeface="Calibri" charset="0"/>
-                <a:ea typeface="ＭＳ Ｐゴシック" charset="0"/>
-              </a:rPr>
-              <a:t>Gene/transcript-level plots showing transcript structures and expression levels</a:t>
-            </a:r>
-            <a:endParaRPr lang="en-US" dirty="0">
-              <a:latin typeface="Calibri" charset="0"/>
-              <a:ea typeface="ＭＳ Ｐゴシック" charset="0"/>
-            </a:endParaRPr>
-          </a:p>
-        </p:txBody>
-      </p:sp>
+      </p:pic>
     </p:spTree>
     <p:extLst>
       <p:ext uri="{BB962C8B-B14F-4D97-AF65-F5344CB8AC3E}">
-        <p14:creationId xmlns:p14="http://schemas.microsoft.com/office/powerpoint/2010/main" val="31606373"/>
+        <p14:creationId xmlns:p14="http://schemas.microsoft.com/office/powerpoint/2010/main" val="3015127249"/>
       </p:ext>
     </p:extLst>
   </p:cSld>
   <p:clrMapOvr>
     <a:masterClrMapping/>
   </p:clrMapOvr>
-  <p:timing>
-    <p:tnLst>
-      <p:par>
-        <p:cTn xmlns:p14="http://schemas.microsoft.com/office/powerpoint/2010/main" id="1" dur="indefinite" restart="never" nodeType="tmRoot"/>
-      </p:par>
-    </p:tnLst>
-  </p:timing>
 </p:sld>
 </file>
 
@@ -4321,187 +4216,9 @@
           <a:chExt cx="0" cy="0"/>
         </a:xfrm>
       </p:grpSpPr>
-      <p:pic>
-        <p:nvPicPr>
-          <p:cNvPr id="4" name="Content Placeholder 3" descr="Tutorial_Part2_cummeRbund_output 3.jpeg"/>
-          <p:cNvPicPr>
-            <a:picLocks noGrp="1" noChangeAspect="1"/>
-          </p:cNvPicPr>
-          <p:nvPr>
-            <p:ph idx="1"/>
-          </p:nvPr>
-        </p:nvPicPr>
-        <p:blipFill rotWithShape="1">
-          <a:blip r:embed="rId2">
-            <a:extLst>
-              <a:ext uri="{28A0092B-C50C-407E-A947-70E740481C1C}">
-                <a14:useLocalDpi xmlns:a14="http://schemas.microsoft.com/office/drawing/2010/main" val="0"/>
-              </a:ext>
-            </a:extLst>
-          </a:blip>
-          <a:srcRect l="864" r="1197"/>
-          <a:stretch/>
-        </p:blipFill>
-        <p:spPr>
-          <a:xfrm>
-            <a:off x="683568" y="1340768"/>
-            <a:ext cx="2483291" cy="2535560"/>
-          </a:xfrm>
-        </p:spPr>
-      </p:pic>
-      <p:pic>
-        <p:nvPicPr>
-          <p:cNvPr id="6" name="Picture 5" descr="Tutorial_Part2_cummeRbund_output 6.jpeg"/>
-          <p:cNvPicPr>
-            <a:picLocks noChangeAspect="1"/>
-          </p:cNvPicPr>
-          <p:nvPr/>
-        </p:nvPicPr>
-        <p:blipFill>
-          <a:blip r:embed="rId3">
-            <a:extLst>
-              <a:ext uri="{28A0092B-C50C-407E-A947-70E740481C1C}">
-                <a14:useLocalDpi xmlns:a14="http://schemas.microsoft.com/office/drawing/2010/main" val="0"/>
-              </a:ext>
-            </a:extLst>
-          </a:blip>
-          <a:stretch>
-            <a:fillRect/>
-          </a:stretch>
-        </p:blipFill>
-        <p:spPr>
-          <a:xfrm>
-            <a:off x="6300192" y="1340768"/>
-            <a:ext cx="2408312" cy="2408312"/>
-          </a:xfrm>
-          <a:prstGeom prst="rect">
-            <a:avLst/>
-          </a:prstGeom>
-        </p:spPr>
-      </p:pic>
-      <p:pic>
-        <p:nvPicPr>
-          <p:cNvPr id="7" name="Picture 6" descr="Tutorial_Part2_cummeRbund_output 10.jpeg"/>
-          <p:cNvPicPr>
-            <a:picLocks noChangeAspect="1"/>
-          </p:cNvPicPr>
-          <p:nvPr/>
-        </p:nvPicPr>
-        <p:blipFill>
-          <a:blip r:embed="rId4">
-            <a:extLst>
-              <a:ext uri="{28A0092B-C50C-407E-A947-70E740481C1C}">
-                <a14:useLocalDpi xmlns:a14="http://schemas.microsoft.com/office/drawing/2010/main" val="0"/>
-              </a:ext>
-            </a:extLst>
-          </a:blip>
-          <a:stretch>
-            <a:fillRect/>
-          </a:stretch>
-        </p:blipFill>
-        <p:spPr>
-          <a:xfrm>
-            <a:off x="899592" y="3933056"/>
-            <a:ext cx="2264296" cy="2264296"/>
-          </a:xfrm>
-          <a:prstGeom prst="rect">
-            <a:avLst/>
-          </a:prstGeom>
-        </p:spPr>
-      </p:pic>
-      <p:pic>
-        <p:nvPicPr>
-          <p:cNvPr id="8" name="Picture 7" descr="Tutorial_Part2_cummeRbund_output 12.jpeg"/>
-          <p:cNvPicPr>
-            <a:picLocks noChangeAspect="1"/>
-          </p:cNvPicPr>
-          <p:nvPr/>
-        </p:nvPicPr>
-        <p:blipFill>
-          <a:blip r:embed="rId5">
-            <a:extLst>
-              <a:ext uri="{28A0092B-C50C-407E-A947-70E740481C1C}">
-                <a14:useLocalDpi xmlns:a14="http://schemas.microsoft.com/office/drawing/2010/main" val="0"/>
-              </a:ext>
-            </a:extLst>
-          </a:blip>
-          <a:stretch>
-            <a:fillRect/>
-          </a:stretch>
-        </p:blipFill>
-        <p:spPr>
-          <a:xfrm>
-            <a:off x="3563888" y="3861048"/>
-            <a:ext cx="2304256" cy="2304256"/>
-          </a:xfrm>
-          <a:prstGeom prst="rect">
-            <a:avLst/>
-          </a:prstGeom>
-        </p:spPr>
-      </p:pic>
-      <p:pic>
-        <p:nvPicPr>
-          <p:cNvPr id="9" name="Picture 8" descr="Tutorial_Part2_cummeRbund_output 14.jpeg"/>
-          <p:cNvPicPr>
-            <a:picLocks noChangeAspect="1"/>
-          </p:cNvPicPr>
-          <p:nvPr/>
-        </p:nvPicPr>
-        <p:blipFill>
-          <a:blip r:embed="rId6">
-            <a:extLst>
-              <a:ext uri="{28A0092B-C50C-407E-A947-70E740481C1C}">
-                <a14:useLocalDpi xmlns:a14="http://schemas.microsoft.com/office/drawing/2010/main" val="0"/>
-              </a:ext>
-            </a:extLst>
-          </a:blip>
-          <a:stretch>
-            <a:fillRect/>
-          </a:stretch>
-        </p:blipFill>
-        <p:spPr>
-          <a:xfrm>
-            <a:off x="6372200" y="3861048"/>
-            <a:ext cx="2232248" cy="2232248"/>
-          </a:xfrm>
-          <a:prstGeom prst="rect">
-            <a:avLst/>
-          </a:prstGeom>
-        </p:spPr>
-      </p:pic>
-      <p:pic>
-        <p:nvPicPr>
-          <p:cNvPr id="10" name="Picture 9" descr="Tutorial_Part2_cummeRbund_output.jpeg"/>
-          <p:cNvPicPr>
-            <a:picLocks noChangeAspect="1"/>
-          </p:cNvPicPr>
-          <p:nvPr/>
-        </p:nvPicPr>
-        <p:blipFill>
-          <a:blip r:embed="rId7">
-            <a:extLst>
-              <a:ext uri="{28A0092B-C50C-407E-A947-70E740481C1C}">
-                <a14:useLocalDpi xmlns:a14="http://schemas.microsoft.com/office/drawing/2010/main" val="0"/>
-              </a:ext>
-            </a:extLst>
-          </a:blip>
-          <a:stretch>
-            <a:fillRect/>
-          </a:stretch>
-        </p:blipFill>
-        <p:spPr>
-          <a:xfrm>
-            <a:off x="3635896" y="1340768"/>
-            <a:ext cx="2480320" cy="2480320"/>
-          </a:xfrm>
-          <a:prstGeom prst="rect">
-            <a:avLst/>
-          </a:prstGeom>
-        </p:spPr>
-      </p:pic>
       <p:sp>
         <p:nvSpPr>
-          <p:cNvPr id="14" name="Title 1"/>
+          <p:cNvPr id="21505" name="Title 1"/>
           <p:cNvSpPr>
             <a:spLocks noGrp="1"/>
           </p:cNvSpPr>
@@ -4511,8 +4228,8 @@
         </p:nvSpPr>
         <p:spPr>
           <a:xfrm>
-            <a:off x="152400" y="-27384"/>
-            <a:ext cx="8839200" cy="1143000"/>
+            <a:off x="152400" y="-26988"/>
+            <a:ext cx="8839200" cy="1143001"/>
           </a:xfrm>
         </p:spPr>
         <p:txBody>
@@ -4520,46 +4237,55 @@
           <a:lstStyle/>
           <a:p>
             <a:r>
-              <a:rPr lang="en-US" dirty="0">
+              <a:rPr lang="en-US">
                 <a:latin typeface="Calibri" charset="0"/>
                 <a:ea typeface="ＭＳ Ｐゴシック" charset="0"/>
               </a:rPr>
-              <a:t>What do we get from </a:t>
-            </a:r>
-            <a:r>
-              <a:rPr lang="en-US" dirty="0" err="1">
-                <a:latin typeface="Calibri" charset="0"/>
-                <a:ea typeface="ＭＳ Ｐゴシック" charset="0"/>
-              </a:rPr>
-              <a:t>cummeRbund</a:t>
-            </a:r>
-            <a:r>
-              <a:rPr lang="en-US" dirty="0">
-                <a:latin typeface="Calibri" charset="0"/>
-                <a:ea typeface="ＭＳ Ｐゴシック" charset="0"/>
-              </a:rPr>
-              <a:t>?</a:t>
+              <a:t>Cufflinks alternative splicing tests</a:t>
             </a:r>
           </a:p>
         </p:txBody>
       </p:sp>
+      <p:pic>
+        <p:nvPicPr>
+          <p:cNvPr id="21506" name="Content Placeholder 3" descr="Cufflinks Alternative Splicing Tests.png"/>
+          <p:cNvPicPr>
+            <a:picLocks noGrp="1" noChangeAspect="1"/>
+          </p:cNvPicPr>
+          <p:nvPr>
+            <p:ph idx="1"/>
+          </p:nvPr>
+        </p:nvPicPr>
+        <p:blipFill>
+          <a:blip r:embed="rId2">
+            <a:extLst>
+              <a:ext uri="{28A0092B-C50C-407E-A947-70E740481C1C}">
+                <a14:useLocalDpi xmlns:a14="http://schemas.microsoft.com/office/drawing/2010/main" val="0"/>
+              </a:ext>
+            </a:extLst>
+          </a:blip>
+          <a:srcRect l="-505" r="-928"/>
+          <a:stretch>
+            <a:fillRect/>
+          </a:stretch>
+        </p:blipFill>
+        <p:spPr>
+          <a:xfrm>
+            <a:off x="1493838" y="1152525"/>
+            <a:ext cx="6181725" cy="4724400"/>
+          </a:xfrm>
+        </p:spPr>
+      </p:pic>
     </p:spTree>
     <p:extLst>
       <p:ext uri="{BB962C8B-B14F-4D97-AF65-F5344CB8AC3E}">
-        <p14:creationId xmlns:p14="http://schemas.microsoft.com/office/powerpoint/2010/main" val="3705304733"/>
+        <p14:creationId xmlns:p14="http://schemas.microsoft.com/office/powerpoint/2010/main" val="3095219257"/>
       </p:ext>
     </p:extLst>
   </p:cSld>
   <p:clrMapOvr>
     <a:masterClrMapping/>
   </p:clrMapOvr>
-  <p:timing>
-    <p:tnLst>
-      <p:par>
-        <p:cTn xmlns:p14="http://schemas.microsoft.com/office/powerpoint/2010/main" id="1" dur="indefinite" restart="never" nodeType="tmRoot"/>
-      </p:par>
-    </p:tnLst>
-  </p:timing>
 </p:sld>
 </file>
 
@@ -4582,7 +4308,7 @@
       </p:grpSpPr>
       <p:sp>
         <p:nvSpPr>
-          <p:cNvPr id="15361" name="Title 1"/>
+          <p:cNvPr id="22529" name="Title 1"/>
           <p:cNvSpPr>
             <a:spLocks noGrp="1"/>
           </p:cNvSpPr>
@@ -4592,8 +4318,8 @@
         </p:nvSpPr>
         <p:spPr>
           <a:xfrm>
-            <a:off x="152400" y="-27384"/>
-            <a:ext cx="8839200" cy="1143000"/>
+            <a:off x="152400" y="-26988"/>
+            <a:ext cx="8839200" cy="1143001"/>
           </a:xfrm>
         </p:spPr>
         <p:txBody>
@@ -4601,294 +4327,348 @@
           <a:lstStyle/>
           <a:p>
             <a:r>
-              <a:rPr lang="en-US" dirty="0" smtClean="0">
+              <a:rPr lang="en-US">
                 <a:latin typeface="Calibri" charset="0"/>
                 <a:ea typeface="ＭＳ Ｐゴシック" charset="0"/>
               </a:rPr>
-              <a:t>Alternatives to FPKM</a:t>
-            </a:r>
-            <a:endParaRPr lang="en-US" dirty="0">
-              <a:latin typeface="Calibri" charset="0"/>
-              <a:ea typeface="ＭＳ Ｐゴシック" charset="0"/>
-            </a:endParaRPr>
+              <a:t>Cufflinks alternative splicing tests</a:t>
+            </a:r>
+          </a:p>
+        </p:txBody>
+      </p:sp>
+      <p:pic>
+        <p:nvPicPr>
+          <p:cNvPr id="22530" name="Content Placeholder 3" descr="Cufflinks Alternative Splicing Tests.png"/>
+          <p:cNvPicPr>
+            <a:picLocks noGrp="1" noChangeAspect="1"/>
+          </p:cNvPicPr>
+          <p:nvPr>
+            <p:ph idx="1"/>
+          </p:nvPr>
+        </p:nvPicPr>
+        <p:blipFill>
+          <a:blip r:embed="rId2">
+            <a:extLst>
+              <a:ext uri="{28A0092B-C50C-407E-A947-70E740481C1C}">
+                <a14:useLocalDpi xmlns:a14="http://schemas.microsoft.com/office/drawing/2010/main" val="0"/>
+              </a:ext>
+            </a:extLst>
+          </a:blip>
+          <a:srcRect l="-505" r="-928"/>
+          <a:stretch>
+            <a:fillRect/>
+          </a:stretch>
+        </p:blipFill>
+        <p:spPr>
+          <a:xfrm>
+            <a:off x="2254250" y="1081088"/>
+            <a:ext cx="6180138" cy="4724400"/>
+          </a:xfrm>
+        </p:spPr>
+      </p:pic>
+      <p:sp>
+        <p:nvSpPr>
+          <p:cNvPr id="5" name="Rounded Rectangle 4"/>
+          <p:cNvSpPr/>
+          <p:nvPr/>
+        </p:nvSpPr>
+        <p:spPr>
+          <a:xfrm>
+            <a:off x="2470150" y="5805488"/>
+            <a:ext cx="1511300" cy="503237"/>
+          </a:xfrm>
+          <a:prstGeom prst="roundRect">
+            <a:avLst/>
+          </a:prstGeom>
+        </p:spPr>
+        <p:style>
+          <a:lnRef idx="1">
+            <a:schemeClr val="dk1"/>
+          </a:lnRef>
+          <a:fillRef idx="2">
+            <a:schemeClr val="dk1"/>
+          </a:fillRef>
+          <a:effectRef idx="1">
+            <a:schemeClr val="dk1"/>
+          </a:effectRef>
+          <a:fontRef idx="minor">
+            <a:schemeClr val="dk1"/>
+          </a:fontRef>
+        </p:style>
+        <p:txBody>
+          <a:bodyPr anchor="ctr"/>
+          <a:lstStyle/>
+          <a:p>
+            <a:pPr algn="ctr">
+              <a:defRPr/>
+            </a:pPr>
+            <a:r>
+              <a:rPr lang="en-US" sz="1600" dirty="0" err="1"/>
+              <a:t>splicing.diff</a:t>
+            </a:r>
+            <a:endParaRPr lang="en-US" sz="1600" dirty="0"/>
           </a:p>
         </p:txBody>
       </p:sp>
       <p:sp>
         <p:nvSpPr>
-          <p:cNvPr id="15362" name="Content Placeholder 2"/>
-          <p:cNvSpPr>
-            <a:spLocks noGrp="1"/>
-          </p:cNvSpPr>
-          <p:nvPr>
-            <p:ph idx="1"/>
-          </p:nvPr>
+          <p:cNvPr id="6" name="Rounded Rectangle 5"/>
+          <p:cNvSpPr/>
+          <p:nvPr/>
         </p:nvSpPr>
         <p:spPr>
           <a:xfrm>
-            <a:off x="152400" y="1124744"/>
-            <a:ext cx="8839200" cy="4983832"/>
+            <a:off x="4557713" y="5805488"/>
+            <a:ext cx="1512887" cy="503237"/>
           </a:xfrm>
+          <a:prstGeom prst="roundRect">
+            <a:avLst/>
+          </a:prstGeom>
+        </p:spPr>
+        <p:style>
+          <a:lnRef idx="1">
+            <a:schemeClr val="dk1"/>
+          </a:lnRef>
+          <a:fillRef idx="2">
+            <a:schemeClr val="dk1"/>
+          </a:fillRef>
+          <a:effectRef idx="1">
+            <a:schemeClr val="dk1"/>
+          </a:effectRef>
+          <a:fontRef idx="minor">
+            <a:schemeClr val="dk1"/>
+          </a:fontRef>
+        </p:style>
+        <p:txBody>
+          <a:bodyPr anchor="ctr"/>
+          <a:lstStyle/>
+          <a:p>
+            <a:pPr algn="ctr">
+              <a:defRPr/>
+            </a:pPr>
+            <a:r>
+              <a:rPr lang="en-US" sz="1600" dirty="0" err="1"/>
+              <a:t>promoters.diff</a:t>
+            </a:r>
+            <a:endParaRPr lang="en-US" sz="1600" dirty="0"/>
+          </a:p>
+        </p:txBody>
+      </p:sp>
+      <p:sp>
+        <p:nvSpPr>
+          <p:cNvPr id="22533" name="TextBox 6"/>
+          <p:cNvSpPr txBox="1">
+            <a:spLocks noChangeArrowheads="1"/>
+          </p:cNvSpPr>
+          <p:nvPr/>
+        </p:nvSpPr>
+        <p:spPr bwMode="auto">
+          <a:xfrm>
+            <a:off x="250825" y="5732463"/>
+            <a:ext cx="1873250" cy="585787"/>
+          </a:xfrm>
+          <a:prstGeom prst="rect">
+            <a:avLst/>
+          </a:prstGeom>
+          <a:noFill/>
+          <a:ln>
+            <a:noFill/>
+          </a:ln>
+          <a:extLst>
+            <a:ext uri="{909E8E84-426E-40dd-AFC4-6F175D3DCCD1}">
+              <a14:hiddenFill xmlns:a14="http://schemas.microsoft.com/office/drawing/2010/main">
+                <a:solidFill>
+                  <a:srgbClr val="FFFFFF"/>
+                </a:solidFill>
+              </a14:hiddenFill>
+            </a:ext>
+            <a:ext uri="{91240B29-F687-4f45-9708-019B960494DF}">
+              <a14:hiddenLine xmlns:a14="http://schemas.microsoft.com/office/drawing/2010/main" w="9525">
+                <a:solidFill>
+                  <a:srgbClr val="000000"/>
+                </a:solidFill>
+                <a:miter lim="800000"/>
+                <a:headEnd/>
+                <a:tailEnd/>
+              </a14:hiddenLine>
+            </a:ext>
+          </a:extLst>
         </p:spPr>
         <p:txBody>
           <a:bodyPr>
-            <a:normAutofit lnSpcReduction="10000"/>
+            <a:spAutoFit/>
           </a:bodyPr>
+          <a:lstStyle>
+            <a:lvl1pPr eaLnBrk="0" hangingPunct="0">
+              <a:defRPr sz="2400">
+                <a:solidFill>
+                  <a:schemeClr val="tx1"/>
+                </a:solidFill>
+                <a:latin typeface="Arial" charset="0"/>
+                <a:ea typeface="ＭＳ Ｐゴシック" charset="0"/>
+                <a:cs typeface="ＭＳ Ｐゴシック" charset="0"/>
+              </a:defRPr>
+            </a:lvl1pPr>
+            <a:lvl2pPr marL="742950" indent="-285750" eaLnBrk="0" hangingPunct="0">
+              <a:defRPr sz="2400">
+                <a:solidFill>
+                  <a:schemeClr val="tx1"/>
+                </a:solidFill>
+                <a:latin typeface="Arial" charset="0"/>
+                <a:ea typeface="ＭＳ Ｐゴシック" charset="0"/>
+              </a:defRPr>
+            </a:lvl2pPr>
+            <a:lvl3pPr marL="1143000" indent="-228600" eaLnBrk="0" hangingPunct="0">
+              <a:defRPr sz="2400">
+                <a:solidFill>
+                  <a:schemeClr val="tx1"/>
+                </a:solidFill>
+                <a:latin typeface="Arial" charset="0"/>
+                <a:ea typeface="ＭＳ Ｐゴシック" charset="0"/>
+              </a:defRPr>
+            </a:lvl3pPr>
+            <a:lvl4pPr marL="1600200" indent="-228600" eaLnBrk="0" hangingPunct="0">
+              <a:defRPr sz="2400">
+                <a:solidFill>
+                  <a:schemeClr val="tx1"/>
+                </a:solidFill>
+                <a:latin typeface="Arial" charset="0"/>
+                <a:ea typeface="ＭＳ Ｐゴシック" charset="0"/>
+              </a:defRPr>
+            </a:lvl4pPr>
+            <a:lvl5pPr marL="2057400" indent="-228600" eaLnBrk="0" hangingPunct="0">
+              <a:defRPr sz="2400">
+                <a:solidFill>
+                  <a:schemeClr val="tx1"/>
+                </a:solidFill>
+                <a:latin typeface="Arial" charset="0"/>
+                <a:ea typeface="ＭＳ Ｐゴシック" charset="0"/>
+              </a:defRPr>
+            </a:lvl5pPr>
+            <a:lvl6pPr marL="2514600" indent="-228600" eaLnBrk="0" fontAlgn="base" hangingPunct="0">
+              <a:spcBef>
+                <a:spcPct val="0"/>
+              </a:spcBef>
+              <a:spcAft>
+                <a:spcPct val="0"/>
+              </a:spcAft>
+              <a:defRPr sz="2400">
+                <a:solidFill>
+                  <a:schemeClr val="tx1"/>
+                </a:solidFill>
+                <a:latin typeface="Arial" charset="0"/>
+                <a:ea typeface="ＭＳ Ｐゴシック" charset="0"/>
+              </a:defRPr>
+            </a:lvl6pPr>
+            <a:lvl7pPr marL="2971800" indent="-228600" eaLnBrk="0" fontAlgn="base" hangingPunct="0">
+              <a:spcBef>
+                <a:spcPct val="0"/>
+              </a:spcBef>
+              <a:spcAft>
+                <a:spcPct val="0"/>
+              </a:spcAft>
+              <a:defRPr sz="2400">
+                <a:solidFill>
+                  <a:schemeClr val="tx1"/>
+                </a:solidFill>
+                <a:latin typeface="Arial" charset="0"/>
+                <a:ea typeface="ＭＳ Ｐゴシック" charset="0"/>
+              </a:defRPr>
+            </a:lvl7pPr>
+            <a:lvl8pPr marL="3429000" indent="-228600" eaLnBrk="0" fontAlgn="base" hangingPunct="0">
+              <a:spcBef>
+                <a:spcPct val="0"/>
+              </a:spcBef>
+              <a:spcAft>
+                <a:spcPct val="0"/>
+              </a:spcAft>
+              <a:defRPr sz="2400">
+                <a:solidFill>
+                  <a:schemeClr val="tx1"/>
+                </a:solidFill>
+                <a:latin typeface="Arial" charset="0"/>
+                <a:ea typeface="ＭＳ Ｐゴシック" charset="0"/>
+              </a:defRPr>
+            </a:lvl8pPr>
+            <a:lvl9pPr marL="3886200" indent="-228600" eaLnBrk="0" fontAlgn="base" hangingPunct="0">
+              <a:spcBef>
+                <a:spcPct val="0"/>
+              </a:spcBef>
+              <a:spcAft>
+                <a:spcPct val="0"/>
+              </a:spcAft>
+              <a:defRPr sz="2400">
+                <a:solidFill>
+                  <a:schemeClr val="tx1"/>
+                </a:solidFill>
+                <a:latin typeface="Arial" charset="0"/>
+                <a:ea typeface="ＭＳ Ｐゴシック" charset="0"/>
+              </a:defRPr>
+            </a:lvl9pPr>
+          </a:lstStyle>
+          <a:p>
+            <a:pPr eaLnBrk="1" hangingPunct="1"/>
+            <a:r>
+              <a:rPr lang="en-US" sz="1600" b="1"/>
+              <a:t>Relevant Cuffdiff output file</a:t>
+            </a:r>
+          </a:p>
+        </p:txBody>
+      </p:sp>
+      <p:sp>
+        <p:nvSpPr>
+          <p:cNvPr id="8" name="Rounded Rectangle 7"/>
+          <p:cNvSpPr/>
+          <p:nvPr/>
+        </p:nvSpPr>
+        <p:spPr>
+          <a:xfrm>
+            <a:off x="6659563" y="5805488"/>
+            <a:ext cx="1512887" cy="503237"/>
+          </a:xfrm>
+          <a:prstGeom prst="roundRect">
+            <a:avLst/>
+          </a:prstGeom>
+        </p:spPr>
+        <p:style>
+          <a:lnRef idx="1">
+            <a:schemeClr val="dk1"/>
+          </a:lnRef>
+          <a:fillRef idx="2">
+            <a:schemeClr val="dk1"/>
+          </a:fillRef>
+          <a:effectRef idx="1">
+            <a:schemeClr val="dk1"/>
+          </a:effectRef>
+          <a:fontRef idx="minor">
+            <a:schemeClr val="dk1"/>
+          </a:fontRef>
+        </p:style>
+        <p:txBody>
+          <a:bodyPr anchor="ctr"/>
           <a:lstStyle/>
           <a:p>
-            <a:r>
-              <a:rPr lang="en-US" dirty="0">
-                <a:latin typeface="Calibri" charset="0"/>
-                <a:ea typeface="ＭＳ Ｐゴシック" charset="0"/>
-              </a:rPr>
-              <a:t>Raw read counts as an alternate </a:t>
-            </a:r>
-            <a:r>
-              <a:rPr lang="en-US" dirty="0" smtClean="0">
-                <a:latin typeface="Calibri" charset="0"/>
-                <a:ea typeface="ＭＳ Ｐゴシック" charset="0"/>
-              </a:rPr>
-              <a:t>for differential expression analysis</a:t>
-            </a:r>
-            <a:endParaRPr lang="en-US" dirty="0">
-              <a:latin typeface="Calibri" charset="0"/>
-              <a:ea typeface="ＭＳ Ｐゴシック" charset="0"/>
-            </a:endParaRPr>
-          </a:p>
-          <a:p>
-            <a:pPr lvl="1"/>
-            <a:r>
-              <a:rPr lang="en-US" dirty="0" smtClean="0">
-                <a:latin typeface="Calibri" charset="0"/>
-                <a:ea typeface="ＭＳ Ｐゴシック" charset="0"/>
-              </a:rPr>
-              <a:t>Instead of calculating FPKM, simply assign reads/fragments to a defined set of genes/transcripts and determine “raw counts”</a:t>
-            </a:r>
-          </a:p>
-          <a:p>
-            <a:pPr lvl="2"/>
-            <a:r>
-              <a:rPr lang="en-US" dirty="0" smtClean="0">
-                <a:latin typeface="Calibri" charset="0"/>
-                <a:ea typeface="ＭＳ Ｐゴシック" charset="0"/>
-              </a:rPr>
-              <a:t>Transcript structures could still be defined by something like cufflinks </a:t>
-            </a:r>
-          </a:p>
-          <a:p>
-            <a:r>
-              <a:rPr lang="en-US" dirty="0" err="1" smtClean="0">
-                <a:latin typeface="Calibri" charset="0"/>
-                <a:ea typeface="ＭＳ Ｐゴシック" charset="0"/>
-              </a:rPr>
-              <a:t>HTSeq</a:t>
-            </a:r>
-            <a:r>
-              <a:rPr lang="en-US" dirty="0" smtClean="0">
-                <a:latin typeface="Calibri" charset="0"/>
-                <a:ea typeface="ＭＳ Ｐゴシック" charset="0"/>
-              </a:rPr>
-              <a:t> (</a:t>
-            </a:r>
-            <a:r>
-              <a:rPr lang="en-US" dirty="0" err="1" smtClean="0">
-                <a:latin typeface="Calibri" charset="0"/>
-                <a:ea typeface="ＭＳ Ｐゴシック" charset="0"/>
-              </a:rPr>
-              <a:t>htseq</a:t>
-            </a:r>
-            <a:r>
-              <a:rPr lang="en-US" dirty="0" smtClean="0">
-                <a:latin typeface="Calibri" charset="0"/>
-                <a:ea typeface="ＭＳ Ｐゴシック" charset="0"/>
-              </a:rPr>
-              <a:t>-count)</a:t>
-            </a:r>
-            <a:endParaRPr lang="en-US" dirty="0">
-              <a:latin typeface="Calibri" charset="0"/>
-              <a:ea typeface="ＭＳ Ｐゴシック" charset="0"/>
-            </a:endParaRPr>
-          </a:p>
-          <a:p>
-            <a:pPr lvl="1"/>
-            <a:r>
-              <a:rPr lang="en-US" dirty="0">
-                <a:latin typeface="Calibri" charset="0"/>
-                <a:ea typeface="ＭＳ Ｐゴシック" charset="0"/>
-                <a:hlinkClick r:id="rId2"/>
-              </a:rPr>
-              <a:t>http://www-huber.embl.de/users/anders/HTSeq/doc/</a:t>
-            </a:r>
-            <a:r>
-              <a:rPr lang="en-US" dirty="0" smtClean="0">
-                <a:latin typeface="Calibri" charset="0"/>
-                <a:ea typeface="ＭＳ Ｐゴシック" charset="0"/>
-                <a:hlinkClick r:id="rId2"/>
-              </a:rPr>
-              <a:t>count.html</a:t>
-            </a:r>
-            <a:endParaRPr lang="en-US" dirty="0" smtClean="0">
-              <a:latin typeface="Calibri" charset="0"/>
-              <a:ea typeface="ＭＳ Ｐゴシック" charset="0"/>
-            </a:endParaRPr>
-          </a:p>
-          <a:p>
-            <a:pPr lvl="1"/>
-            <a:r>
-              <a:rPr lang="en-US" dirty="0" err="1" smtClean="0">
-                <a:latin typeface="Calibri" charset="0"/>
-                <a:ea typeface="ＭＳ Ｐゴシック" charset="0"/>
-              </a:rPr>
-              <a:t>htseq</a:t>
-            </a:r>
-            <a:r>
-              <a:rPr lang="en-US" dirty="0">
-                <a:latin typeface="Calibri" charset="0"/>
-                <a:ea typeface="ＭＳ Ｐゴシック" charset="0"/>
-              </a:rPr>
-              <a:t>-count --mode intersection-strict --stranded no --</a:t>
-            </a:r>
-            <a:r>
-              <a:rPr lang="en-US" dirty="0" err="1">
-                <a:latin typeface="Calibri" charset="0"/>
-                <a:ea typeface="ＭＳ Ｐゴシック" charset="0"/>
-              </a:rPr>
-              <a:t>minaqual</a:t>
-            </a:r>
-            <a:r>
-              <a:rPr lang="en-US" dirty="0">
-                <a:latin typeface="Calibri" charset="0"/>
-                <a:ea typeface="ＭＳ Ｐゴシック" charset="0"/>
-              </a:rPr>
-              <a:t> 1 --type exon --</a:t>
-            </a:r>
-            <a:r>
-              <a:rPr lang="en-US" dirty="0" err="1">
-                <a:latin typeface="Calibri" charset="0"/>
-                <a:ea typeface="ＭＳ Ｐゴシック" charset="0"/>
-              </a:rPr>
-              <a:t>idattr</a:t>
-            </a:r>
-            <a:r>
-              <a:rPr lang="en-US" dirty="0">
-                <a:latin typeface="Calibri" charset="0"/>
-                <a:ea typeface="ＭＳ Ｐゴシック" charset="0"/>
-              </a:rPr>
-              <a:t> </a:t>
-            </a:r>
-            <a:r>
-              <a:rPr lang="en-US" dirty="0" err="1">
-                <a:latin typeface="Calibri" charset="0"/>
-                <a:ea typeface="ＭＳ Ｐゴシック" charset="0"/>
-              </a:rPr>
-              <a:t>transcript_id</a:t>
-            </a:r>
-            <a:r>
-              <a:rPr lang="en-US" dirty="0">
-                <a:latin typeface="Calibri" charset="0"/>
-                <a:ea typeface="ＭＳ Ｐゴシック" charset="0"/>
-              </a:rPr>
-              <a:t> </a:t>
-            </a:r>
-            <a:r>
-              <a:rPr lang="en-US" dirty="0" err="1" smtClean="0">
-                <a:latin typeface="Calibri" charset="0"/>
-                <a:ea typeface="ＭＳ Ｐゴシック" charset="0"/>
-              </a:rPr>
-              <a:t>accepted_hits.sam</a:t>
-            </a:r>
-            <a:r>
-              <a:rPr lang="en-US" dirty="0" smtClean="0">
-                <a:latin typeface="Calibri" charset="0"/>
-                <a:ea typeface="ＭＳ Ｐゴシック" charset="0"/>
-              </a:rPr>
-              <a:t> </a:t>
-            </a:r>
-            <a:r>
-              <a:rPr lang="en-US" dirty="0">
-                <a:latin typeface="Calibri" charset="0"/>
-                <a:ea typeface="ＭＳ Ｐゴシック" charset="0"/>
-              </a:rPr>
-              <a:t>chr22.gff &gt; </a:t>
-            </a:r>
-            <a:r>
-              <a:rPr lang="en-US" dirty="0" err="1" smtClean="0">
-                <a:latin typeface="Calibri" charset="0"/>
-                <a:ea typeface="ＭＳ Ｐゴシック" charset="0"/>
-              </a:rPr>
-              <a:t>transcript_read_counts_table.tsv</a:t>
-            </a:r>
-            <a:endParaRPr lang="en-US" dirty="0" smtClean="0">
-              <a:latin typeface="Calibri" charset="0"/>
-              <a:ea typeface="ＭＳ Ｐゴシック" charset="0"/>
-            </a:endParaRPr>
-          </a:p>
-          <a:p>
-            <a:pPr lvl="1"/>
-            <a:r>
-              <a:rPr lang="en-US" dirty="0" smtClean="0">
-                <a:latin typeface="Calibri" charset="0"/>
-                <a:ea typeface="ＭＳ Ｐゴシック" charset="0"/>
-              </a:rPr>
-              <a:t>Important caveat of ‘transcript’ analysis by </a:t>
-            </a:r>
-            <a:r>
-              <a:rPr lang="en-US" dirty="0" err="1" smtClean="0">
-                <a:latin typeface="Calibri" charset="0"/>
-                <a:ea typeface="ＭＳ Ｐゴシック" charset="0"/>
-              </a:rPr>
-              <a:t>htseq</a:t>
-            </a:r>
-            <a:r>
-              <a:rPr lang="en-US" dirty="0" smtClean="0">
-                <a:latin typeface="Calibri" charset="0"/>
-                <a:ea typeface="ＭＳ Ｐゴシック" charset="0"/>
-              </a:rPr>
-              <a:t>-count:</a:t>
-            </a:r>
-          </a:p>
-          <a:p>
-            <a:pPr lvl="2"/>
-            <a:r>
-              <a:rPr lang="en-US" dirty="0">
-                <a:latin typeface="Calibri" charset="0"/>
-                <a:ea typeface="ＭＳ Ｐゴシック" charset="0"/>
-                <a:hlinkClick r:id="rId3"/>
-              </a:rPr>
-              <a:t>http://seqanswers.com/forums/showthread.php?t=</a:t>
-            </a:r>
-            <a:r>
-              <a:rPr lang="en-US" dirty="0" smtClean="0">
-                <a:latin typeface="Calibri" charset="0"/>
-                <a:ea typeface="ＭＳ Ｐゴシック" charset="0"/>
-                <a:hlinkClick r:id="rId3"/>
-              </a:rPr>
-              <a:t>18068</a:t>
-            </a:r>
-            <a:endParaRPr lang="en-US" dirty="0" smtClean="0">
-              <a:latin typeface="Calibri" charset="0"/>
-              <a:ea typeface="ＭＳ Ｐゴシック" charset="0"/>
-            </a:endParaRPr>
+            <a:pPr algn="ctr">
+              <a:defRPr/>
+            </a:pPr>
+            <a:r>
+              <a:rPr lang="en-US" sz="1600" dirty="0" err="1"/>
+              <a:t>cds.diff</a:t>
+            </a:r>
+            <a:endParaRPr lang="en-US" sz="1600" dirty="0"/>
           </a:p>
         </p:txBody>
       </p:sp>
     </p:spTree>
     <p:extLst>
       <p:ext uri="{BB962C8B-B14F-4D97-AF65-F5344CB8AC3E}">
-        <p14:creationId xmlns:p14="http://schemas.microsoft.com/office/powerpoint/2010/main" val="3142361844"/>
+        <p14:creationId xmlns:p14="http://schemas.microsoft.com/office/powerpoint/2010/main" val="2547507629"/>
       </p:ext>
     </p:extLst>
   </p:cSld>
   <p:clrMapOvr>
     <a:masterClrMapping/>
   </p:clrMapOvr>
-  <p:timing>
-    <p:tnLst>
-      <p:par>
-        <p:cTn xmlns:p14="http://schemas.microsoft.com/office/powerpoint/2010/main" id="1" dur="indefinite" restart="never" nodeType="tmRoot"/>
-      </p:par>
-    </p:tnLst>
-  </p:timing>
 </p:sld>
 </file>
 
@@ -4911,37 +4691,7 @@
       </p:grpSpPr>
       <p:sp>
         <p:nvSpPr>
-          <p:cNvPr id="31745" name="Title 1"/>
-          <p:cNvSpPr>
-            <a:spLocks noGrp="1"/>
-          </p:cNvSpPr>
-          <p:nvPr>
-            <p:ph type="title"/>
-          </p:nvPr>
-        </p:nvSpPr>
-        <p:spPr>
-          <a:xfrm>
-            <a:off x="152400" y="-27384"/>
-            <a:ext cx="8839200" cy="1143000"/>
-          </a:xfrm>
-        </p:spPr>
-        <p:txBody>
-          <a:bodyPr/>
-          <a:lstStyle/>
-          <a:p>
-            <a:r>
-              <a:rPr lang="en-US" dirty="0">
-                <a:latin typeface="Calibri" charset="0"/>
-                <a:ea typeface="ＭＳ Ｐゴシック" charset="0"/>
-              </a:rPr>
-              <a:t>‘FPKM’ expression estimates vs. ‘raw’ counts</a:t>
-            </a:r>
-          </a:p>
-        </p:txBody>
-      </p:sp>
-      <p:sp>
-        <p:nvSpPr>
-          <p:cNvPr id="31746" name="Content Placeholder 2"/>
+          <p:cNvPr id="23553" name="Content Placeholder 3"/>
           <p:cNvSpPr>
             <a:spLocks noGrp="1"/>
           </p:cNvSpPr>
@@ -4949,119 +4699,48 @@
             <p:ph idx="1"/>
           </p:nvPr>
         </p:nvSpPr>
-        <p:spPr/>
+        <p:spPr>
+          <a:xfrm>
+            <a:off x="152400" y="2667000"/>
+            <a:ext cx="8839200" cy="1600200"/>
+          </a:xfrm>
+        </p:spPr>
         <p:txBody>
           <a:bodyPr/>
           <a:lstStyle/>
           <a:p>
-            <a:r>
-              <a:rPr lang="en-US" dirty="0">
+            <a:pPr algn="ctr">
+              <a:buFont typeface="Arial" charset="0"/>
+              <a:buNone/>
+            </a:pPr>
+            <a:r>
+              <a:rPr lang="en-US" sz="4400" b="1" dirty="0">
                 <a:latin typeface="Calibri" charset="0"/>
                 <a:ea typeface="ＭＳ Ｐゴシック" charset="0"/>
               </a:rPr>
-              <a:t>Which should I use?</a:t>
-            </a:r>
-          </a:p>
-          <a:p>
-            <a:r>
-              <a:rPr lang="en-US" dirty="0">
+              <a:t>Introduction to tutorial </a:t>
+            </a:r>
+          </a:p>
+          <a:p>
+            <a:pPr algn="ctr">
+              <a:buFont typeface="Arial" charset="0"/>
+              <a:buNone/>
+            </a:pPr>
+            <a:r>
+              <a:rPr lang="en-US" sz="4400" b="1" dirty="0">
                 <a:latin typeface="Calibri" charset="0"/>
                 <a:ea typeface="ＭＳ Ｐゴシック" charset="0"/>
               </a:rPr>
-              <a:t>FPKM</a:t>
-            </a:r>
-          </a:p>
-          <a:p>
-            <a:pPr lvl="1"/>
-            <a:r>
-              <a:rPr lang="en-US" dirty="0">
+              <a:t>(Module </a:t>
+            </a:r>
+            <a:r>
+              <a:rPr lang="en-US" sz="4400" b="1" dirty="0" smtClean="0">
                 <a:latin typeface="Calibri" charset="0"/>
                 <a:ea typeface="ＭＳ Ｐゴシック" charset="0"/>
               </a:rPr>
-              <a:t>When you want to leverage benefits of tuxedo suite</a:t>
-            </a:r>
-          </a:p>
-          <a:p>
-            <a:pPr lvl="1"/>
-            <a:r>
-              <a:rPr lang="en-US" dirty="0">
-                <a:latin typeface="Calibri" charset="0"/>
-                <a:ea typeface="ＭＳ Ｐゴシック" charset="0"/>
-              </a:rPr>
-              <a:t>Good for visualization (e.g., </a:t>
-            </a:r>
-            <a:r>
-              <a:rPr lang="en-US" dirty="0" err="1">
-                <a:latin typeface="Calibri" charset="0"/>
-                <a:ea typeface="ＭＳ Ｐゴシック" charset="0"/>
-              </a:rPr>
-              <a:t>heatmaps</a:t>
-            </a:r>
-            <a:r>
-              <a:rPr lang="en-US" dirty="0">
-                <a:latin typeface="Calibri" charset="0"/>
-                <a:ea typeface="ＭＳ Ｐゴシック" charset="0"/>
-              </a:rPr>
-              <a:t>)</a:t>
-            </a:r>
-          </a:p>
-          <a:p>
-            <a:pPr lvl="1"/>
-            <a:r>
-              <a:rPr lang="en-US" dirty="0">
-                <a:latin typeface="Calibri" charset="0"/>
-                <a:ea typeface="ＭＳ Ｐゴシック" charset="0"/>
-              </a:rPr>
-              <a:t>Calculating fold changes, </a:t>
-            </a:r>
-            <a:r>
-              <a:rPr lang="en-US" dirty="0" smtClean="0">
-                <a:latin typeface="Calibri" charset="0"/>
-                <a:ea typeface="ＭＳ Ｐゴシック" charset="0"/>
-              </a:rPr>
-              <a:t>etc.</a:t>
-            </a:r>
-            <a:endParaRPr lang="en-US" dirty="0">
-              <a:latin typeface="Calibri" charset="0"/>
-              <a:ea typeface="ＭＳ Ｐゴシック" charset="0"/>
-            </a:endParaRPr>
-          </a:p>
-          <a:p>
-            <a:r>
-              <a:rPr lang="en-US" dirty="0">
-                <a:latin typeface="Calibri" charset="0"/>
-                <a:ea typeface="ＭＳ Ｐゴシック" charset="0"/>
-              </a:rPr>
-              <a:t>Counts</a:t>
-            </a:r>
-          </a:p>
-          <a:p>
-            <a:pPr lvl="1"/>
-            <a:r>
-              <a:rPr lang="en-US" dirty="0">
-                <a:latin typeface="Calibri" charset="0"/>
-                <a:ea typeface="ＭＳ Ｐゴシック" charset="0"/>
-              </a:rPr>
-              <a:t>More robust statistical methods for differential </a:t>
-            </a:r>
-            <a:r>
-              <a:rPr lang="en-US" dirty="0" smtClean="0">
-                <a:latin typeface="Calibri" charset="0"/>
-                <a:ea typeface="ＭＳ Ｐゴシック" charset="0"/>
-              </a:rPr>
-              <a:t>expression</a:t>
-            </a:r>
-          </a:p>
-          <a:p>
-            <a:pPr lvl="1"/>
-            <a:r>
-              <a:rPr lang="en-US" dirty="0" smtClean="0">
-                <a:latin typeface="Calibri" charset="0"/>
-                <a:ea typeface="ＭＳ Ｐゴシック" charset="0"/>
-              </a:rPr>
-              <a:t>Accommodates more sophisticated experimental designs with appropriate statistical tests</a:t>
-            </a:r>
-            <a:endParaRPr lang="en-US" dirty="0">
+              <a:t>4)</a:t>
+            </a:r>
+            <a:endParaRPr lang="en-US" sz="4400" b="1" dirty="0">
               <a:latin typeface="Calibri" charset="0"/>
               <a:ea typeface="ＭＳ Ｐゴシック" charset="0"/>
             </a:endParaRPr>
@@ -5071,7 +4750,7 @@
     </p:spTree>
     <p:extLst>
       <p:ext uri="{BB962C8B-B14F-4D97-AF65-F5344CB8AC3E}">
-        <p14:creationId xmlns:p14="http://schemas.microsoft.com/office/powerpoint/2010/main" val="3276597088"/>
+        <p14:creationId xmlns:p14="http://schemas.microsoft.com/office/powerpoint/2010/main" val="2042225222"/>
       </p:ext>
     </p:extLst>
   </p:cSld>
@@ -5107,1900 +4786,7 @@
       </p:grpSpPr>
       <p:sp>
         <p:nvSpPr>
-          <p:cNvPr id="32769" name="Title 1"/>
-          <p:cNvSpPr>
-            <a:spLocks noGrp="1"/>
-          </p:cNvSpPr>
-          <p:nvPr>
-            <p:ph type="title"/>
-          </p:nvPr>
-        </p:nvSpPr>
-        <p:spPr/>
-        <p:txBody>
-          <a:bodyPr/>
-          <a:lstStyle/>
-          <a:p>
-            <a:r>
-              <a:rPr lang="en-US" dirty="0" smtClean="0">
-                <a:latin typeface="Calibri" charset="0"/>
-                <a:ea typeface="ＭＳ Ｐゴシック" charset="0"/>
-              </a:rPr>
-              <a:t>Alternative differential </a:t>
-            </a:r>
-            <a:r>
-              <a:rPr lang="en-US" dirty="0">
-                <a:latin typeface="Calibri" charset="0"/>
-                <a:ea typeface="ＭＳ Ｐゴシック" charset="0"/>
-              </a:rPr>
-              <a:t>expression methods</a:t>
-            </a:r>
-          </a:p>
-        </p:txBody>
-      </p:sp>
-      <p:sp>
-        <p:nvSpPr>
-          <p:cNvPr id="32770" name="Content Placeholder 2"/>
-          <p:cNvSpPr>
-            <a:spLocks noGrp="1"/>
-          </p:cNvSpPr>
-          <p:nvPr>
-            <p:ph idx="1"/>
-          </p:nvPr>
-        </p:nvSpPr>
-        <p:spPr/>
-        <p:txBody>
-          <a:bodyPr/>
-          <a:lstStyle/>
-          <a:p>
-            <a:r>
-              <a:rPr lang="en-US" dirty="0" smtClean="0">
-                <a:latin typeface="Calibri" charset="0"/>
-                <a:ea typeface="ＭＳ Ｐゴシック" charset="0"/>
-              </a:rPr>
-              <a:t>Raw count approaches</a:t>
-            </a:r>
-          </a:p>
-          <a:p>
-            <a:pPr lvl="1"/>
-            <a:r>
-              <a:rPr lang="en-US" dirty="0" err="1" smtClean="0">
-                <a:latin typeface="Calibri" charset="0"/>
-                <a:ea typeface="ＭＳ Ｐゴシック" charset="0"/>
-              </a:rPr>
-              <a:t>DESeq</a:t>
-            </a:r>
-            <a:r>
-              <a:rPr lang="en-US" dirty="0">
-                <a:latin typeface="Calibri" charset="0"/>
-                <a:ea typeface="ＭＳ Ｐゴシック" charset="0"/>
-              </a:rPr>
-              <a:t> - </a:t>
-            </a:r>
-            <a:r>
-              <a:rPr lang="en-US" dirty="0">
-                <a:latin typeface="Calibri" charset="0"/>
-                <a:ea typeface="ＭＳ Ｐゴシック" charset="0"/>
-                <a:hlinkClick r:id="rId2"/>
-              </a:rPr>
-              <a:t>http://www-huber.embl.de/users/anders/DESeq</a:t>
-            </a:r>
-            <a:r>
-              <a:rPr lang="en-US" dirty="0" smtClean="0">
-                <a:latin typeface="Calibri" charset="0"/>
-                <a:ea typeface="ＭＳ Ｐゴシック" charset="0"/>
-                <a:hlinkClick r:id="rId2"/>
-              </a:rPr>
-              <a:t>/</a:t>
-            </a:r>
-            <a:endParaRPr lang="en-US" dirty="0" smtClean="0">
-              <a:latin typeface="Calibri" charset="0"/>
-              <a:ea typeface="ＭＳ Ｐゴシック" charset="0"/>
-            </a:endParaRPr>
-          </a:p>
-          <a:p>
-            <a:pPr lvl="1"/>
-            <a:r>
-              <a:rPr lang="en-US" dirty="0" err="1" smtClean="0">
-                <a:latin typeface="Calibri" charset="0"/>
-                <a:ea typeface="ＭＳ Ｐゴシック" charset="0"/>
-              </a:rPr>
-              <a:t>edgeR</a:t>
-            </a:r>
-            <a:r>
-              <a:rPr lang="en-US" dirty="0" smtClean="0">
-                <a:latin typeface="Calibri" charset="0"/>
-                <a:ea typeface="ＭＳ Ｐゴシック" charset="0"/>
-              </a:rPr>
-              <a:t> </a:t>
-            </a:r>
-            <a:r>
-              <a:rPr lang="en-US" dirty="0">
-                <a:latin typeface="Calibri" charset="0"/>
-                <a:ea typeface="ＭＳ Ｐゴシック" charset="0"/>
-              </a:rPr>
-              <a:t>- </a:t>
-            </a:r>
-            <a:r>
-              <a:rPr lang="en-US" dirty="0">
-                <a:latin typeface="Calibri" charset="0"/>
-                <a:ea typeface="ＭＳ Ｐゴシック" charset="0"/>
-                <a:hlinkClick r:id="rId3"/>
-              </a:rPr>
-              <a:t>http://www.bioconductor.org/packages/release/bioc/html/</a:t>
-            </a:r>
-            <a:r>
-              <a:rPr lang="en-US" dirty="0" smtClean="0">
-                <a:latin typeface="Calibri" charset="0"/>
-                <a:ea typeface="ＭＳ Ｐゴシック" charset="0"/>
-                <a:hlinkClick r:id="rId3"/>
-              </a:rPr>
-              <a:t>edgeR.html</a:t>
-            </a:r>
-            <a:endParaRPr lang="en-US" dirty="0" smtClean="0">
-              <a:latin typeface="Calibri" charset="0"/>
-              <a:ea typeface="ＭＳ Ｐゴシック" charset="0"/>
-            </a:endParaRPr>
-          </a:p>
-          <a:p>
-            <a:pPr lvl="1"/>
-            <a:r>
-              <a:rPr lang="en-US" dirty="0" smtClean="0">
-                <a:latin typeface="Calibri" charset="0"/>
-                <a:ea typeface="ＭＳ Ｐゴシック" charset="0"/>
-              </a:rPr>
-              <a:t>Others…</a:t>
-            </a:r>
-          </a:p>
-          <a:p>
-            <a:pPr lvl="1"/>
-            <a:endParaRPr lang="en-US" dirty="0" smtClean="0">
-              <a:latin typeface="Calibri" charset="0"/>
-              <a:ea typeface="ＭＳ Ｐゴシック" charset="0"/>
-            </a:endParaRPr>
-          </a:p>
-          <a:p>
-            <a:pPr lvl="1"/>
-            <a:endParaRPr lang="en-US" dirty="0">
-              <a:latin typeface="Calibri" charset="0"/>
-              <a:ea typeface="ＭＳ Ｐゴシック" charset="0"/>
-            </a:endParaRPr>
-          </a:p>
-        </p:txBody>
-      </p:sp>
-    </p:spTree>
-    <p:extLst>
-      <p:ext uri="{BB962C8B-B14F-4D97-AF65-F5344CB8AC3E}">
-        <p14:creationId xmlns:p14="http://schemas.microsoft.com/office/powerpoint/2010/main" val="3578239048"/>
-      </p:ext>
-    </p:extLst>
-  </p:cSld>
-  <p:clrMapOvr>
-    <a:masterClrMapping/>
-  </p:clrMapOvr>
-  <p:timing>
-    <p:tnLst>
-      <p:par>
-        <p:cTn xmlns:p14="http://schemas.microsoft.com/office/powerpoint/2010/main" id="1" dur="indefinite" restart="never" nodeType="tmRoot"/>
-      </p:par>
-    </p:tnLst>
-  </p:timing>
-</p:sld>
-</file>
-
-<file path=ppt/slides/slide15.xml><?xml version="1.0" encoding="utf-8"?>
-<p:sld xmlns:a="http://schemas.openxmlformats.org/drawingml/2006/main" xmlns:r="http://schemas.openxmlformats.org/officeDocument/2006/relationships" xmlns:p="http://schemas.openxmlformats.org/presentationml/2006/main">
-  <p:cSld>
-    <p:spTree>
-      <p:nvGrpSpPr>
-        <p:cNvPr id="1" name=""/>
-        <p:cNvGrpSpPr/>
-        <p:nvPr/>
-      </p:nvGrpSpPr>
-      <p:grpSpPr>
-        <a:xfrm>
-          <a:off x="0" y="0"/>
-          <a:ext cx="0" cy="0"/>
-          <a:chOff x="0" y="0"/>
-          <a:chExt cx="0" cy="0"/>
-        </a:xfrm>
-      </p:grpSpPr>
-      <p:sp>
-        <p:nvSpPr>
-          <p:cNvPr id="2" name="Title 1"/>
-          <p:cNvSpPr>
-            <a:spLocks noGrp="1"/>
-          </p:cNvSpPr>
-          <p:nvPr>
-            <p:ph type="title"/>
-          </p:nvPr>
-        </p:nvSpPr>
-        <p:spPr>
-          <a:xfrm>
-            <a:off x="152400" y="44624"/>
-            <a:ext cx="8839200" cy="1143000"/>
-          </a:xfrm>
-        </p:spPr>
-        <p:txBody>
-          <a:bodyPr/>
-          <a:lstStyle/>
-          <a:p>
-            <a:r>
-              <a:rPr lang="en-US" dirty="0" smtClean="0"/>
-              <a:t>Multiple approaches advisable</a:t>
-            </a:r>
-            <a:endParaRPr lang="en-US" dirty="0"/>
-          </a:p>
-        </p:txBody>
-      </p:sp>
-      <p:pic>
-        <p:nvPicPr>
-          <p:cNvPr id="3" name="Picture 2" descr="Screen Shot 2013-06-01 at 10.13.40 PM.png"/>
-          <p:cNvPicPr>
-            <a:picLocks noChangeAspect="1"/>
-          </p:cNvPicPr>
-          <p:nvPr/>
-        </p:nvPicPr>
-        <p:blipFill>
-          <a:blip r:embed="rId2">
-            <a:extLst>
-              <a:ext uri="{28A0092B-C50C-407E-A947-70E740481C1C}">
-                <a14:useLocalDpi xmlns:a14="http://schemas.microsoft.com/office/drawing/2010/main" val="0"/>
-              </a:ext>
-            </a:extLst>
-          </a:blip>
-          <a:stretch>
-            <a:fillRect/>
-          </a:stretch>
-        </p:blipFill>
-        <p:spPr>
-          <a:xfrm>
-            <a:off x="1547664" y="1440160"/>
-            <a:ext cx="6078124" cy="4653136"/>
-          </a:xfrm>
-          <a:prstGeom prst="rect">
-            <a:avLst/>
-          </a:prstGeom>
-        </p:spPr>
-      </p:pic>
-    </p:spTree>
-    <p:extLst>
-      <p:ext uri="{BB962C8B-B14F-4D97-AF65-F5344CB8AC3E}">
-        <p14:creationId xmlns:p14="http://schemas.microsoft.com/office/powerpoint/2010/main" val="2717459772"/>
-      </p:ext>
-    </p:extLst>
-  </p:cSld>
-  <p:clrMapOvr>
-    <a:masterClrMapping/>
-  </p:clrMapOvr>
-  <p:timing>
-    <p:tnLst>
-      <p:par>
-        <p:cTn xmlns:p14="http://schemas.microsoft.com/office/powerpoint/2010/main" id="1" dur="indefinite" restart="never" nodeType="tmRoot"/>
-      </p:par>
-    </p:tnLst>
-  </p:timing>
-</p:sld>
-</file>
-
-<file path=ppt/slides/slide16.xml><?xml version="1.0" encoding="utf-8"?>
-<p:sld xmlns:a="http://schemas.openxmlformats.org/drawingml/2006/main" xmlns:r="http://schemas.openxmlformats.org/officeDocument/2006/relationships" xmlns:p="http://schemas.openxmlformats.org/presentationml/2006/main">
-  <p:cSld>
-    <p:spTree>
-      <p:nvGrpSpPr>
-        <p:cNvPr id="1" name=""/>
-        <p:cNvGrpSpPr/>
-        <p:nvPr/>
-      </p:nvGrpSpPr>
-      <p:grpSpPr>
-        <a:xfrm>
-          <a:off x="0" y="0"/>
-          <a:ext cx="0" cy="0"/>
-          <a:chOff x="0" y="0"/>
-          <a:chExt cx="0" cy="0"/>
-        </a:xfrm>
-      </p:grpSpPr>
-      <p:sp>
-        <p:nvSpPr>
-          <p:cNvPr id="34817" name="Title 1"/>
-          <p:cNvSpPr>
-            <a:spLocks noGrp="1"/>
-          </p:cNvSpPr>
-          <p:nvPr>
-            <p:ph type="title"/>
-          </p:nvPr>
-        </p:nvSpPr>
-        <p:spPr/>
-        <p:txBody>
-          <a:bodyPr/>
-          <a:lstStyle/>
-          <a:p>
-            <a:r>
-              <a:rPr lang="en-US">
-                <a:latin typeface="Calibri" charset="0"/>
-                <a:ea typeface="ＭＳ Ｐゴシック" charset="0"/>
-              </a:rPr>
-              <a:t>Lessons learned from microarray days</a:t>
-            </a:r>
-          </a:p>
-        </p:txBody>
-      </p:sp>
-      <p:sp>
-        <p:nvSpPr>
-          <p:cNvPr id="34818" name="Content Placeholder 2"/>
-          <p:cNvSpPr>
-            <a:spLocks noGrp="1"/>
-          </p:cNvSpPr>
-          <p:nvPr>
-            <p:ph idx="1"/>
-          </p:nvPr>
-        </p:nvSpPr>
-        <p:spPr/>
-        <p:txBody>
-          <a:bodyPr/>
-          <a:lstStyle/>
-          <a:p>
-            <a:r>
-              <a:rPr lang="en-US" dirty="0">
-                <a:latin typeface="Calibri" charset="0"/>
-                <a:ea typeface="ＭＳ Ｐゴシック" charset="0"/>
-              </a:rPr>
-              <a:t>Hansen et al. “Sequencing Technology Does Not Eliminate Biological Variability.” Nature Biotechnology 29, no. 7 (2011): 572–573.</a:t>
-            </a:r>
-          </a:p>
-          <a:p>
-            <a:r>
-              <a:rPr lang="en-US" dirty="0">
-                <a:latin typeface="Calibri" charset="0"/>
-                <a:ea typeface="ＭＳ Ｐゴシック" charset="0"/>
-              </a:rPr>
-              <a:t>Power analysis for </a:t>
-            </a:r>
-            <a:r>
-              <a:rPr lang="en-US" dirty="0" smtClean="0">
-                <a:latin typeface="Calibri" charset="0"/>
-                <a:ea typeface="ＭＳ Ｐゴシック" charset="0"/>
-              </a:rPr>
-              <a:t>RNA-seq </a:t>
-            </a:r>
-            <a:r>
-              <a:rPr lang="en-US" dirty="0">
-                <a:latin typeface="Calibri" charset="0"/>
-                <a:ea typeface="ＭＳ Ｐゴシック" charset="0"/>
-              </a:rPr>
-              <a:t>experiments</a:t>
-            </a:r>
-          </a:p>
-          <a:p>
-            <a:pPr lvl="1"/>
-            <a:r>
-              <a:rPr lang="en-US" dirty="0">
-                <a:latin typeface="Calibri" charset="0"/>
-                <a:ea typeface="ＭＳ Ｐゴシック" charset="0"/>
-                <a:hlinkClick r:id="rId2"/>
-              </a:rPr>
-              <a:t>http://euler.bc.edu/marthlab/scotty/scotty.php</a:t>
-            </a:r>
-            <a:endParaRPr lang="en-US" dirty="0">
-              <a:latin typeface="Calibri" charset="0"/>
-              <a:ea typeface="ＭＳ Ｐゴシック" charset="0"/>
-            </a:endParaRPr>
-          </a:p>
-          <a:p>
-            <a:r>
-              <a:rPr lang="en-US" dirty="0" smtClean="0">
-                <a:latin typeface="Calibri" charset="0"/>
-                <a:ea typeface="ＭＳ Ｐゴシック" charset="0"/>
-              </a:rPr>
-              <a:t>RNA-seq </a:t>
-            </a:r>
-            <a:r>
-              <a:rPr lang="en-US" dirty="0">
-                <a:latin typeface="Calibri" charset="0"/>
-                <a:ea typeface="ＭＳ Ｐゴシック" charset="0"/>
-              </a:rPr>
-              <a:t>need for biological replicates</a:t>
-            </a:r>
-          </a:p>
-          <a:p>
-            <a:pPr lvl="1"/>
-            <a:r>
-              <a:rPr lang="en-US" dirty="0">
-                <a:latin typeface="Calibri" charset="0"/>
-                <a:ea typeface="ＭＳ Ｐゴシック" charset="0"/>
-                <a:hlinkClick r:id="rId3"/>
-              </a:rPr>
-              <a:t>http://www.biostars.org/p/1161/</a:t>
-            </a:r>
-            <a:endParaRPr lang="en-US" dirty="0">
-              <a:latin typeface="Calibri" charset="0"/>
-              <a:ea typeface="ＭＳ Ｐゴシック" charset="0"/>
-            </a:endParaRPr>
-          </a:p>
-          <a:p>
-            <a:r>
-              <a:rPr lang="en-US" dirty="0" smtClean="0">
-                <a:latin typeface="Calibri" charset="0"/>
-                <a:ea typeface="ＭＳ Ｐゴシック" charset="0"/>
-              </a:rPr>
-              <a:t>RNA-seq </a:t>
-            </a:r>
-            <a:r>
-              <a:rPr lang="en-US" dirty="0">
-                <a:latin typeface="Calibri" charset="0"/>
-                <a:ea typeface="ＭＳ Ｐゴシック" charset="0"/>
-              </a:rPr>
-              <a:t>study design</a:t>
-            </a:r>
-          </a:p>
-          <a:p>
-            <a:pPr lvl="1"/>
-            <a:r>
-              <a:rPr lang="en-US" dirty="0">
-                <a:latin typeface="Calibri" charset="0"/>
-                <a:ea typeface="ＭＳ Ｐゴシック" charset="0"/>
-                <a:hlinkClick r:id="rId4"/>
-              </a:rPr>
-              <a:t>http://www.biostars.org/p/68885/</a:t>
-            </a:r>
-            <a:endParaRPr lang="en-US" dirty="0">
-              <a:latin typeface="Calibri" charset="0"/>
-              <a:ea typeface="ＭＳ Ｐゴシック" charset="0"/>
-            </a:endParaRPr>
-          </a:p>
-          <a:p>
-            <a:endParaRPr lang="en-US" dirty="0">
-              <a:latin typeface="Calibri" charset="0"/>
-              <a:ea typeface="ＭＳ Ｐゴシック" charset="0"/>
-            </a:endParaRPr>
-          </a:p>
-        </p:txBody>
-      </p:sp>
-    </p:spTree>
-    <p:extLst>
-      <p:ext uri="{BB962C8B-B14F-4D97-AF65-F5344CB8AC3E}">
-        <p14:creationId xmlns:p14="http://schemas.microsoft.com/office/powerpoint/2010/main" val="2165899547"/>
-      </p:ext>
-    </p:extLst>
-  </p:cSld>
-  <p:clrMapOvr>
-    <a:masterClrMapping/>
-  </p:clrMapOvr>
-  <p:timing>
-    <p:tnLst>
-      <p:par>
-        <p:cTn xmlns:p14="http://schemas.microsoft.com/office/powerpoint/2010/main" id="1" dur="indefinite" restart="never" nodeType="tmRoot"/>
-      </p:par>
-    </p:tnLst>
-  </p:timing>
-</p:sld>
-</file>
-
-<file path=ppt/slides/slide17.xml><?xml version="1.0" encoding="utf-8"?>
-<p:sld xmlns:a="http://schemas.openxmlformats.org/drawingml/2006/main" xmlns:r="http://schemas.openxmlformats.org/officeDocument/2006/relationships" xmlns:p="http://schemas.openxmlformats.org/presentationml/2006/main">
-  <p:cSld>
-    <p:spTree>
-      <p:nvGrpSpPr>
-        <p:cNvPr id="1" name=""/>
-        <p:cNvGrpSpPr/>
-        <p:nvPr/>
-      </p:nvGrpSpPr>
-      <p:grpSpPr>
-        <a:xfrm>
-          <a:off x="0" y="0"/>
-          <a:ext cx="0" cy="0"/>
-          <a:chOff x="0" y="0"/>
-          <a:chExt cx="0" cy="0"/>
-        </a:xfrm>
-      </p:grpSpPr>
-      <p:sp>
-        <p:nvSpPr>
-          <p:cNvPr id="35841" name="Title 1"/>
-          <p:cNvSpPr>
-            <a:spLocks noGrp="1"/>
-          </p:cNvSpPr>
-          <p:nvPr>
-            <p:ph type="title"/>
-          </p:nvPr>
-        </p:nvSpPr>
-        <p:spPr>
-          <a:xfrm>
-            <a:off x="152400" y="53752"/>
-            <a:ext cx="8839200" cy="1143000"/>
-          </a:xfrm>
-        </p:spPr>
-        <p:txBody>
-          <a:bodyPr/>
-          <a:lstStyle/>
-          <a:p>
-            <a:r>
-              <a:rPr lang="en-US" dirty="0">
-                <a:latin typeface="Calibri" charset="0"/>
-                <a:ea typeface="ＭＳ Ｐゴシック" charset="0"/>
-              </a:rPr>
-              <a:t>Multiple testing correction</a:t>
-            </a:r>
-          </a:p>
-        </p:txBody>
-      </p:sp>
-      <p:sp>
-        <p:nvSpPr>
-          <p:cNvPr id="35842" name="Content Placeholder 2"/>
-          <p:cNvSpPr>
-            <a:spLocks noGrp="1"/>
-          </p:cNvSpPr>
-          <p:nvPr>
-            <p:ph idx="1"/>
-          </p:nvPr>
-        </p:nvSpPr>
-        <p:spPr>
-          <a:xfrm>
-            <a:off x="152400" y="1196752"/>
-            <a:ext cx="8839200" cy="4968552"/>
-          </a:xfrm>
-        </p:spPr>
-        <p:txBody>
-          <a:bodyPr>
-            <a:normAutofit fontScale="92500" lnSpcReduction="20000"/>
-          </a:bodyPr>
-          <a:lstStyle/>
-          <a:p>
-            <a:r>
-              <a:rPr lang="en-US" dirty="0">
-                <a:latin typeface="Calibri" charset="0"/>
-                <a:ea typeface="ＭＳ Ｐゴシック" charset="0"/>
-              </a:rPr>
-              <a:t>As more attributes are compared, it becomes more likely that the treatment and control groups will appear to differ on at least one attribute by random chance alone.</a:t>
-            </a:r>
-          </a:p>
-          <a:p>
-            <a:r>
-              <a:rPr lang="en-US" dirty="0" smtClean="0">
-                <a:latin typeface="Calibri" charset="0"/>
-                <a:ea typeface="ＭＳ Ｐゴシック" charset="0"/>
-              </a:rPr>
-              <a:t>Well known from array studies</a:t>
-            </a:r>
-          </a:p>
-          <a:p>
-            <a:pPr lvl="1"/>
-            <a:r>
-              <a:rPr lang="en-US" dirty="0" smtClean="0">
-                <a:latin typeface="Calibri" charset="0"/>
-                <a:ea typeface="ＭＳ Ｐゴシック" charset="0"/>
-              </a:rPr>
-              <a:t>10,000s genes/transcripts</a:t>
-            </a:r>
-          </a:p>
-          <a:p>
-            <a:pPr lvl="1"/>
-            <a:r>
-              <a:rPr lang="en-US" dirty="0" smtClean="0">
-                <a:latin typeface="Calibri" charset="0"/>
-                <a:ea typeface="ＭＳ Ｐゴシック" charset="0"/>
-              </a:rPr>
-              <a:t>100,000s exons</a:t>
-            </a:r>
-          </a:p>
-          <a:p>
-            <a:pPr marL="342900" lvl="1" indent="-342900">
-              <a:buFont typeface="Arial" charset="0"/>
-              <a:buChar char="•"/>
-            </a:pPr>
-            <a:r>
-              <a:rPr lang="en-US" dirty="0" smtClean="0">
-                <a:latin typeface="Calibri" charset="0"/>
-                <a:ea typeface="ＭＳ Ｐゴシック" charset="0"/>
-              </a:rPr>
-              <a:t>With RNA-</a:t>
-            </a:r>
-            <a:r>
-              <a:rPr lang="en-US" dirty="0" err="1" smtClean="0">
-                <a:latin typeface="Calibri" charset="0"/>
-                <a:ea typeface="ＭＳ Ｐゴシック" charset="0"/>
-              </a:rPr>
-              <a:t>seq</a:t>
-            </a:r>
-            <a:r>
-              <a:rPr lang="en-US" dirty="0">
-                <a:latin typeface="Calibri" charset="0"/>
-                <a:ea typeface="ＭＳ Ｐゴシック" charset="0"/>
-              </a:rPr>
-              <a:t>, </a:t>
-            </a:r>
-            <a:r>
-              <a:rPr lang="en-US" dirty="0" smtClean="0">
-                <a:latin typeface="Calibri" charset="0"/>
-                <a:ea typeface="ＭＳ Ｐゴシック" charset="0"/>
-              </a:rPr>
-              <a:t>more </a:t>
-            </a:r>
-            <a:r>
-              <a:rPr lang="en-US" dirty="0">
-                <a:latin typeface="Calibri" charset="0"/>
-                <a:ea typeface="ＭＳ Ｐゴシック" charset="0"/>
-              </a:rPr>
-              <a:t>of a problem than </a:t>
-            </a:r>
-            <a:r>
-              <a:rPr lang="en-US" dirty="0" smtClean="0">
-                <a:latin typeface="Calibri" charset="0"/>
-                <a:ea typeface="ＭＳ Ｐゴシック" charset="0"/>
-              </a:rPr>
-              <a:t>ever</a:t>
-            </a:r>
-          </a:p>
-          <a:p>
-            <a:pPr lvl="1"/>
-            <a:r>
-              <a:rPr lang="en-US" dirty="0" smtClean="0">
-                <a:latin typeface="Calibri" charset="0"/>
-                <a:ea typeface="ＭＳ Ｐゴシック" charset="0"/>
-              </a:rPr>
-              <a:t>All the complexity of the </a:t>
-            </a:r>
-            <a:r>
-              <a:rPr lang="en-US" dirty="0" err="1" smtClean="0">
-                <a:latin typeface="Calibri" charset="0"/>
-                <a:ea typeface="ＭＳ Ｐゴシック" charset="0"/>
-              </a:rPr>
-              <a:t>transcriptome</a:t>
-            </a:r>
-            <a:endParaRPr lang="en-US" dirty="0" smtClean="0">
-              <a:latin typeface="Calibri" charset="0"/>
-              <a:ea typeface="ＭＳ Ｐゴシック" charset="0"/>
-            </a:endParaRPr>
-          </a:p>
-          <a:p>
-            <a:pPr lvl="1"/>
-            <a:r>
-              <a:rPr lang="en-US" dirty="0" smtClean="0">
-                <a:latin typeface="Calibri" charset="0"/>
-                <a:ea typeface="ＭＳ Ｐゴシック" charset="0"/>
-              </a:rPr>
-              <a:t>Almost infinite number of potential features</a:t>
-            </a:r>
-          </a:p>
-          <a:p>
-            <a:pPr lvl="2"/>
-            <a:r>
-              <a:rPr lang="en-US" dirty="0" smtClean="0">
-                <a:latin typeface="Calibri" charset="0"/>
-                <a:ea typeface="ＭＳ Ｐゴシック" charset="0"/>
-              </a:rPr>
-              <a:t>Genes, transcripts, exons, </a:t>
-            </a:r>
-            <a:r>
-              <a:rPr lang="en-US" dirty="0" err="1" smtClean="0">
-                <a:latin typeface="Calibri" charset="0"/>
-                <a:ea typeface="ＭＳ Ｐゴシック" charset="0"/>
-              </a:rPr>
-              <a:t>juntions</a:t>
-            </a:r>
-            <a:r>
-              <a:rPr lang="en-US" dirty="0" smtClean="0">
-                <a:latin typeface="Calibri" charset="0"/>
-                <a:ea typeface="ＭＳ Ｐゴシック" charset="0"/>
-              </a:rPr>
-              <a:t>, retained introns, microRNAs, </a:t>
-            </a:r>
-            <a:r>
-              <a:rPr lang="en-US" dirty="0" err="1" smtClean="0">
-                <a:latin typeface="Calibri" charset="0"/>
-                <a:ea typeface="ＭＳ Ｐゴシック" charset="0"/>
-              </a:rPr>
-              <a:t>lncRNAs</a:t>
-            </a:r>
-            <a:r>
-              <a:rPr lang="en-US" dirty="0" smtClean="0">
-                <a:latin typeface="Calibri" charset="0"/>
-                <a:ea typeface="ＭＳ Ｐゴシック" charset="0"/>
-              </a:rPr>
-              <a:t>, </a:t>
-            </a:r>
-            <a:r>
-              <a:rPr lang="en-US" dirty="0" err="1" smtClean="0">
-                <a:latin typeface="Calibri" charset="0"/>
-                <a:ea typeface="ＭＳ Ｐゴシック" charset="0"/>
-              </a:rPr>
-              <a:t>etc</a:t>
-            </a:r>
-            <a:r>
-              <a:rPr lang="en-US" dirty="0" smtClean="0">
-                <a:latin typeface="Calibri" charset="0"/>
-                <a:ea typeface="ＭＳ Ｐゴシック" charset="0"/>
-              </a:rPr>
-              <a:t>, </a:t>
-            </a:r>
-            <a:r>
-              <a:rPr lang="en-US" dirty="0" err="1" smtClean="0">
-                <a:latin typeface="Calibri" charset="0"/>
-                <a:ea typeface="ＭＳ Ｐゴシック" charset="0"/>
-              </a:rPr>
-              <a:t>etc</a:t>
-            </a:r>
-            <a:endParaRPr lang="en-US" dirty="0" smtClean="0">
-              <a:latin typeface="Calibri" charset="0"/>
-              <a:ea typeface="ＭＳ Ｐゴシック" charset="0"/>
-            </a:endParaRPr>
-          </a:p>
-          <a:p>
-            <a:r>
-              <a:rPr lang="en-US" dirty="0" err="1" smtClean="0">
-                <a:latin typeface="Calibri" charset="0"/>
-                <a:ea typeface="ＭＳ Ｐゴシック" charset="0"/>
-              </a:rPr>
-              <a:t>Bioconductor</a:t>
-            </a:r>
-            <a:r>
-              <a:rPr lang="en-US" dirty="0" smtClean="0">
-                <a:latin typeface="Calibri" charset="0"/>
-                <a:ea typeface="ＭＳ Ｐゴシック" charset="0"/>
-              </a:rPr>
-              <a:t> </a:t>
-            </a:r>
-            <a:r>
-              <a:rPr lang="en-US" dirty="0" err="1" smtClean="0">
-                <a:latin typeface="Calibri" charset="0"/>
-                <a:ea typeface="ＭＳ Ｐゴシック" charset="0"/>
-              </a:rPr>
-              <a:t>multtest</a:t>
-            </a:r>
-            <a:endParaRPr lang="en-US" dirty="0" smtClean="0">
-              <a:latin typeface="Calibri" charset="0"/>
-              <a:ea typeface="ＭＳ Ｐゴシック" charset="0"/>
-            </a:endParaRPr>
-          </a:p>
-          <a:p>
-            <a:pPr lvl="1"/>
-            <a:r>
-              <a:rPr lang="en-US" dirty="0" smtClean="0">
-                <a:latin typeface="Calibri" charset="0"/>
-                <a:ea typeface="ＭＳ Ｐゴシック" charset="0"/>
-                <a:hlinkClick r:id="rId2"/>
-              </a:rPr>
-              <a:t>http</a:t>
-            </a:r>
-            <a:r>
-              <a:rPr lang="en-US" dirty="0">
-                <a:latin typeface="Calibri" charset="0"/>
-                <a:ea typeface="ＭＳ Ｐゴシック" charset="0"/>
-                <a:hlinkClick r:id="rId2"/>
-              </a:rPr>
-              <a:t>://www.bioconductor.org/packages/release/bioc/</a:t>
-            </a:r>
-            <a:r>
-              <a:rPr lang="en-US" dirty="0" smtClean="0">
-                <a:latin typeface="Calibri" charset="0"/>
-                <a:ea typeface="ＭＳ Ｐゴシック" charset="0"/>
-                <a:hlinkClick r:id="rId2"/>
-              </a:rPr>
-              <a:t>html/multtest.html</a:t>
-            </a:r>
-            <a:endParaRPr lang="en-US" dirty="0">
-              <a:latin typeface="Calibri" charset="0"/>
-              <a:ea typeface="ＭＳ Ｐゴシック" charset="0"/>
-            </a:endParaRPr>
-          </a:p>
-        </p:txBody>
-      </p:sp>
-    </p:spTree>
-    <p:extLst>
-      <p:ext uri="{BB962C8B-B14F-4D97-AF65-F5344CB8AC3E}">
-        <p14:creationId xmlns:p14="http://schemas.microsoft.com/office/powerpoint/2010/main" val="1269506044"/>
-      </p:ext>
-    </p:extLst>
-  </p:cSld>
-  <p:clrMapOvr>
-    <a:masterClrMapping/>
-  </p:clrMapOvr>
-  <p:timing>
-    <p:tnLst>
-      <p:par>
-        <p:cTn xmlns:p14="http://schemas.microsoft.com/office/powerpoint/2010/main" id="1" dur="indefinite" restart="never" nodeType="tmRoot"/>
-      </p:par>
-    </p:tnLst>
-  </p:timing>
-</p:sld>
-</file>
-
-<file path=ppt/slides/slide18.xml><?xml version="1.0" encoding="utf-8"?>
-<p:sld xmlns:a="http://schemas.openxmlformats.org/drawingml/2006/main" xmlns:r="http://schemas.openxmlformats.org/officeDocument/2006/relationships" xmlns:p="http://schemas.openxmlformats.org/presentationml/2006/main">
-  <p:cSld>
-    <p:spTree>
-      <p:nvGrpSpPr>
-        <p:cNvPr id="1" name=""/>
-        <p:cNvGrpSpPr/>
-        <p:nvPr/>
-      </p:nvGrpSpPr>
-      <p:grpSpPr>
-        <a:xfrm>
-          <a:off x="0" y="0"/>
-          <a:ext cx="0" cy="0"/>
-          <a:chOff x="0" y="0"/>
-          <a:chExt cx="0" cy="0"/>
-        </a:xfrm>
-      </p:grpSpPr>
-      <p:sp>
-        <p:nvSpPr>
-          <p:cNvPr id="16385" name="Title 1"/>
-          <p:cNvSpPr>
-            <a:spLocks noGrp="1"/>
-          </p:cNvSpPr>
-          <p:nvPr>
-            <p:ph type="title"/>
-          </p:nvPr>
-        </p:nvSpPr>
-        <p:spPr>
-          <a:xfrm>
-            <a:off x="152400" y="44624"/>
-            <a:ext cx="8839200" cy="1143000"/>
-          </a:xfrm>
-        </p:spPr>
-        <p:txBody>
-          <a:bodyPr/>
-          <a:lstStyle/>
-          <a:p>
-            <a:r>
-              <a:rPr lang="en-US" sz="3600" dirty="0">
-                <a:latin typeface="Calibri" charset="0"/>
-                <a:ea typeface="ＭＳ Ｐゴシック" charset="0"/>
-              </a:rPr>
-              <a:t>Downstream interpretation of expression </a:t>
-            </a:r>
-            <a:r>
-              <a:rPr lang="en-US" sz="3600" dirty="0" smtClean="0">
-                <a:latin typeface="Calibri" charset="0"/>
-                <a:ea typeface="ＭＳ Ｐゴシック" charset="0"/>
-              </a:rPr>
-              <a:t>analysis</a:t>
-            </a:r>
-            <a:endParaRPr lang="en-US" sz="3600" dirty="0">
-              <a:latin typeface="Calibri" charset="0"/>
-              <a:ea typeface="ＭＳ Ｐゴシック" charset="0"/>
-            </a:endParaRPr>
-          </a:p>
-        </p:txBody>
-      </p:sp>
-      <p:sp>
-        <p:nvSpPr>
-          <p:cNvPr id="2" name="Content Placeholder 1"/>
-          <p:cNvSpPr>
-            <a:spLocks noGrp="1"/>
-          </p:cNvSpPr>
-          <p:nvPr>
-            <p:ph idx="1"/>
-          </p:nvPr>
-        </p:nvSpPr>
-        <p:spPr>
-          <a:xfrm>
-            <a:off x="152400" y="1484784"/>
-            <a:ext cx="8839200" cy="4724400"/>
-          </a:xfrm>
-        </p:spPr>
-        <p:txBody>
-          <a:bodyPr>
-            <a:normAutofit fontScale="62500" lnSpcReduction="20000"/>
-          </a:bodyPr>
-          <a:lstStyle/>
-          <a:p>
-            <a:r>
-              <a:rPr lang="en-US" dirty="0" smtClean="0">
-                <a:latin typeface="Calibri" charset="0"/>
-                <a:ea typeface="ＭＳ Ｐゴシック" charset="0"/>
-              </a:rPr>
-              <a:t>Topic for an entire course</a:t>
-            </a:r>
-          </a:p>
-          <a:p>
-            <a:r>
-              <a:rPr lang="en-US" dirty="0" smtClean="0">
-                <a:latin typeface="Calibri" charset="0"/>
-                <a:ea typeface="ＭＳ Ｐゴシック" charset="0"/>
-              </a:rPr>
-              <a:t>Expression estimates and differential expression lists from cufflinks/</a:t>
-            </a:r>
-            <a:r>
-              <a:rPr lang="en-US" dirty="0" err="1" smtClean="0">
-                <a:latin typeface="Calibri" charset="0"/>
-                <a:ea typeface="ＭＳ Ｐゴシック" charset="0"/>
-              </a:rPr>
-              <a:t>cuffdiff</a:t>
-            </a:r>
-            <a:r>
-              <a:rPr lang="en-US" dirty="0" smtClean="0">
-                <a:latin typeface="Calibri" charset="0"/>
-                <a:ea typeface="ＭＳ Ｐゴシック" charset="0"/>
-              </a:rPr>
-              <a:t> (or alternative) can be fed into many analysis pipelines</a:t>
-            </a:r>
-          </a:p>
-          <a:p>
-            <a:r>
-              <a:rPr lang="en-US" dirty="0" smtClean="0">
-                <a:latin typeface="Calibri" charset="0"/>
-                <a:ea typeface="ＭＳ Ｐゴシック" charset="0"/>
-              </a:rPr>
-              <a:t>See supplemental R tutorial for how to format cufflinks data and start manipulating in R</a:t>
-            </a:r>
-            <a:endParaRPr lang="en-US" dirty="0">
-              <a:latin typeface="Calibri" charset="0"/>
-              <a:ea typeface="ＭＳ Ｐゴシック" charset="0"/>
-            </a:endParaRPr>
-          </a:p>
-          <a:p>
-            <a:r>
-              <a:rPr lang="en-US" dirty="0" smtClean="0">
-                <a:latin typeface="Calibri" charset="0"/>
-                <a:ea typeface="ＭＳ Ｐゴシック" charset="0"/>
-              </a:rPr>
-              <a:t>Clustering/</a:t>
-            </a:r>
-            <a:r>
-              <a:rPr lang="en-US" dirty="0" err="1" smtClean="0">
-                <a:latin typeface="Calibri" charset="0"/>
-                <a:ea typeface="ＭＳ Ｐゴシック" charset="0"/>
-              </a:rPr>
-              <a:t>Heatmaps</a:t>
-            </a:r>
-            <a:endParaRPr lang="en-US" dirty="0" smtClean="0">
-              <a:latin typeface="Calibri" charset="0"/>
-              <a:ea typeface="ＭＳ Ｐゴシック" charset="0"/>
-            </a:endParaRPr>
-          </a:p>
-          <a:p>
-            <a:pPr lvl="1"/>
-            <a:r>
-              <a:rPr lang="en-US" dirty="0" smtClean="0">
-                <a:latin typeface="Calibri" charset="0"/>
-                <a:ea typeface="ＭＳ Ｐゴシック" charset="0"/>
-              </a:rPr>
-              <a:t>Provided by </a:t>
-            </a:r>
-            <a:r>
-              <a:rPr lang="en-US" dirty="0" err="1" smtClean="0">
-                <a:latin typeface="Calibri" charset="0"/>
-                <a:ea typeface="ＭＳ Ｐゴシック" charset="0"/>
-              </a:rPr>
-              <a:t>cummeRbund</a:t>
-            </a:r>
-            <a:endParaRPr lang="en-US" dirty="0">
-              <a:latin typeface="Calibri" charset="0"/>
-              <a:ea typeface="ＭＳ Ｐゴシック" charset="0"/>
-            </a:endParaRPr>
-          </a:p>
-          <a:p>
-            <a:pPr lvl="1"/>
-            <a:r>
-              <a:rPr lang="en-US" dirty="0" smtClean="0">
-                <a:latin typeface="Calibri" charset="0"/>
-                <a:ea typeface="ＭＳ Ｐゴシック" charset="0"/>
-              </a:rPr>
-              <a:t>For more customized analysis various R packages exist: </a:t>
-            </a:r>
-          </a:p>
-          <a:p>
-            <a:pPr lvl="2"/>
-            <a:r>
-              <a:rPr lang="en-US" dirty="0" err="1">
-                <a:latin typeface="Calibri" charset="0"/>
-                <a:ea typeface="ＭＳ Ｐゴシック" charset="0"/>
-              </a:rPr>
-              <a:t>h</a:t>
-            </a:r>
-            <a:r>
-              <a:rPr lang="en-US" dirty="0" err="1" smtClean="0">
-                <a:latin typeface="Calibri" charset="0"/>
-                <a:ea typeface="ＭＳ Ｐゴシック" charset="0"/>
-              </a:rPr>
-              <a:t>clust</a:t>
-            </a:r>
-            <a:r>
-              <a:rPr lang="en-US" dirty="0" smtClean="0">
-                <a:latin typeface="Calibri" charset="0"/>
-                <a:ea typeface="ＭＳ Ｐゴシック" charset="0"/>
-              </a:rPr>
-              <a:t>, heatmap.2,</a:t>
-            </a:r>
-            <a:r>
-              <a:rPr lang="en-US" dirty="0">
-                <a:latin typeface="Calibri" charset="0"/>
-                <a:ea typeface="ＭＳ Ｐゴシック" charset="0"/>
-              </a:rPr>
-              <a:t> </a:t>
-            </a:r>
-            <a:r>
-              <a:rPr lang="en-US" dirty="0" err="1" smtClean="0">
-                <a:latin typeface="Calibri" charset="0"/>
-                <a:ea typeface="ＭＳ Ｐゴシック" charset="0"/>
-              </a:rPr>
-              <a:t>plotrix</a:t>
-            </a:r>
-            <a:r>
-              <a:rPr lang="en-US" dirty="0" smtClean="0">
-                <a:latin typeface="Calibri" charset="0"/>
-                <a:ea typeface="ＭＳ Ｐゴシック" charset="0"/>
-              </a:rPr>
-              <a:t>, ggplot2, </a:t>
-            </a:r>
-            <a:r>
-              <a:rPr lang="en-US" dirty="0" smtClean="0">
-                <a:latin typeface="Calibri" charset="0"/>
-                <a:ea typeface="ＭＳ Ｐゴシック" charset="0"/>
-              </a:rPr>
-              <a:t>etc.</a:t>
-            </a:r>
-            <a:endParaRPr lang="en-US" dirty="0" smtClean="0">
-              <a:latin typeface="Calibri" charset="0"/>
-              <a:ea typeface="ＭＳ Ｐゴシック" charset="0"/>
-            </a:endParaRPr>
-          </a:p>
-          <a:p>
-            <a:r>
-              <a:rPr lang="en-US" dirty="0" smtClean="0">
-                <a:latin typeface="Calibri" charset="0"/>
-                <a:ea typeface="ＭＳ Ｐゴシック" charset="0"/>
-              </a:rPr>
-              <a:t>Classification</a:t>
-            </a:r>
-          </a:p>
-          <a:p>
-            <a:pPr lvl="1"/>
-            <a:r>
-              <a:rPr lang="en-US" dirty="0" smtClean="0">
-                <a:latin typeface="Calibri" charset="0"/>
-                <a:ea typeface="ＭＳ Ｐゴシック" charset="0"/>
-              </a:rPr>
-              <a:t>For RNA-seq data we still rarely have sufficient sample size and clinical details but this is changing</a:t>
-            </a:r>
-          </a:p>
-          <a:p>
-            <a:pPr lvl="2"/>
-            <a:r>
-              <a:rPr lang="en-US" dirty="0" err="1" smtClean="0">
-                <a:latin typeface="Calibri" charset="0"/>
-                <a:ea typeface="ＭＳ Ｐゴシック" charset="0"/>
-              </a:rPr>
-              <a:t>Weka</a:t>
-            </a:r>
-            <a:r>
-              <a:rPr lang="en-US" dirty="0" smtClean="0">
-                <a:latin typeface="Calibri" charset="0"/>
-                <a:ea typeface="ＭＳ Ｐゴシック" charset="0"/>
-              </a:rPr>
-              <a:t> is a good learning tool</a:t>
-            </a:r>
-          </a:p>
-          <a:p>
-            <a:pPr lvl="2"/>
-            <a:r>
-              <a:rPr lang="en-US" dirty="0" err="1" smtClean="0">
-                <a:latin typeface="Calibri" charset="0"/>
-                <a:ea typeface="ＭＳ Ｐゴシック" charset="0"/>
-              </a:rPr>
-              <a:t>RandomForests</a:t>
-            </a:r>
-            <a:r>
-              <a:rPr lang="en-US" dirty="0" smtClean="0">
-                <a:latin typeface="Calibri" charset="0"/>
-                <a:ea typeface="ＭＳ Ｐゴシック" charset="0"/>
-              </a:rPr>
-              <a:t> R package (</a:t>
-            </a:r>
-            <a:r>
-              <a:rPr lang="en-US" dirty="0" err="1" smtClean="0">
-                <a:latin typeface="Calibri" charset="0"/>
-                <a:ea typeface="ＭＳ Ｐゴシック" charset="0"/>
-              </a:rPr>
-              <a:t>biostar</a:t>
-            </a:r>
-            <a:r>
-              <a:rPr lang="en-US" dirty="0" smtClean="0">
-                <a:latin typeface="Calibri" charset="0"/>
-                <a:ea typeface="ＭＳ Ｐゴシック" charset="0"/>
-              </a:rPr>
-              <a:t> tutorial being developed)</a:t>
-            </a:r>
-          </a:p>
-          <a:p>
-            <a:r>
-              <a:rPr lang="en-US" dirty="0" smtClean="0">
-                <a:latin typeface="Calibri" charset="0"/>
-                <a:ea typeface="ＭＳ Ｐゴシック" charset="0"/>
-              </a:rPr>
-              <a:t>Pathway analysis</a:t>
-            </a:r>
-          </a:p>
-          <a:p>
-            <a:pPr lvl="1"/>
-            <a:r>
-              <a:rPr lang="en-US" dirty="0" smtClean="0">
-                <a:latin typeface="Calibri" charset="0"/>
-                <a:ea typeface="ＭＳ Ｐゴシック" charset="0"/>
-              </a:rPr>
-              <a:t>David</a:t>
-            </a:r>
-          </a:p>
-          <a:p>
-            <a:pPr lvl="1"/>
-            <a:r>
-              <a:rPr lang="en-US" dirty="0" smtClean="0">
-                <a:latin typeface="Calibri" charset="0"/>
-                <a:ea typeface="ＭＳ Ｐゴシック" charset="0"/>
-              </a:rPr>
-              <a:t>IPA</a:t>
-            </a:r>
-          </a:p>
-          <a:p>
-            <a:pPr lvl="1"/>
-            <a:r>
-              <a:rPr lang="en-US" dirty="0" err="1" smtClean="0">
-                <a:latin typeface="Calibri" charset="0"/>
-                <a:ea typeface="ＭＳ Ｐゴシック" charset="0"/>
-              </a:rPr>
-              <a:t>Cytoscape</a:t>
-            </a:r>
-            <a:endParaRPr lang="en-US" dirty="0" smtClean="0">
-              <a:latin typeface="Calibri" charset="0"/>
-              <a:ea typeface="ＭＳ Ｐゴシック" charset="0"/>
-            </a:endParaRPr>
-          </a:p>
-          <a:p>
-            <a:pPr lvl="1"/>
-            <a:r>
-              <a:rPr lang="en-US" dirty="0" smtClean="0">
-                <a:latin typeface="Calibri" charset="0"/>
-                <a:ea typeface="ＭＳ Ｐゴシック" charset="0"/>
-              </a:rPr>
-              <a:t>Many R/</a:t>
-            </a:r>
-            <a:r>
-              <a:rPr lang="en-US" dirty="0" err="1" smtClean="0">
-                <a:latin typeface="Calibri" charset="0"/>
-                <a:ea typeface="ＭＳ Ｐゴシック" charset="0"/>
-              </a:rPr>
-              <a:t>BioConductor</a:t>
-            </a:r>
-            <a:r>
-              <a:rPr lang="en-US" dirty="0">
-                <a:latin typeface="Calibri" charset="0"/>
-                <a:ea typeface="ＭＳ Ｐゴシック" charset="0"/>
-              </a:rPr>
-              <a:t> packages: </a:t>
-            </a:r>
-            <a:r>
-              <a:rPr lang="en-US" dirty="0">
-                <a:latin typeface="Calibri" charset="0"/>
-                <a:ea typeface="ＭＳ Ｐゴシック" charset="0"/>
-                <a:hlinkClick r:id="rId2"/>
-              </a:rPr>
-              <a:t>http://www.bioconductor.org/help/search/index.html?q=</a:t>
-            </a:r>
-            <a:r>
-              <a:rPr lang="en-US" dirty="0" smtClean="0">
-                <a:latin typeface="Calibri" charset="0"/>
-                <a:ea typeface="ＭＳ Ｐゴシック" charset="0"/>
-                <a:hlinkClick r:id="rId2"/>
-              </a:rPr>
-              <a:t>pathway</a:t>
-            </a:r>
-            <a:endParaRPr lang="en-US" dirty="0" smtClean="0">
-              <a:latin typeface="Calibri" charset="0"/>
-              <a:ea typeface="ＭＳ Ｐゴシック" charset="0"/>
-            </a:endParaRPr>
-          </a:p>
-          <a:p>
-            <a:pPr lvl="1"/>
-            <a:endParaRPr lang="en-US" dirty="0" smtClean="0">
-              <a:latin typeface="Calibri" charset="0"/>
-              <a:ea typeface="ＭＳ Ｐゴシック" charset="0"/>
-            </a:endParaRPr>
-          </a:p>
-        </p:txBody>
-      </p:sp>
-    </p:spTree>
-    <p:extLst>
-      <p:ext uri="{BB962C8B-B14F-4D97-AF65-F5344CB8AC3E}">
-        <p14:creationId xmlns:p14="http://schemas.microsoft.com/office/powerpoint/2010/main" val="2268820230"/>
-      </p:ext>
-    </p:extLst>
-  </p:cSld>
-  <p:clrMapOvr>
-    <a:masterClrMapping/>
-  </p:clrMapOvr>
-  <p:timing>
-    <p:tnLst>
-      <p:par>
-        <p:cTn xmlns:p14="http://schemas.microsoft.com/office/powerpoint/2010/main" id="1" dur="indefinite" restart="never" nodeType="tmRoot"/>
-      </p:par>
-    </p:tnLst>
-  </p:timing>
-</p:sld>
-</file>
-
-<file path=ppt/slides/slide19.xml><?xml version="1.0" encoding="utf-8"?>
-<p:sld xmlns:a="http://schemas.openxmlformats.org/drawingml/2006/main" xmlns:r="http://schemas.openxmlformats.org/officeDocument/2006/relationships" xmlns:p="http://schemas.openxmlformats.org/presentationml/2006/main">
-  <p:cSld>
-    <p:spTree>
-      <p:nvGrpSpPr>
-        <p:cNvPr id="1" name=""/>
-        <p:cNvGrpSpPr/>
-        <p:nvPr/>
-      </p:nvGrpSpPr>
-      <p:grpSpPr>
-        <a:xfrm>
-          <a:off x="0" y="0"/>
-          <a:ext cx="0" cy="0"/>
-          <a:chOff x="0" y="0"/>
-          <a:chExt cx="0" cy="0"/>
-        </a:xfrm>
-      </p:grpSpPr>
-      <p:sp>
-        <p:nvSpPr>
-          <p:cNvPr id="17409" name="Content Placeholder 3"/>
-          <p:cNvSpPr>
-            <a:spLocks noGrp="1"/>
-          </p:cNvSpPr>
-          <p:nvPr>
-            <p:ph idx="1"/>
-          </p:nvPr>
-        </p:nvSpPr>
-        <p:spPr>
-          <a:xfrm>
-            <a:off x="152400" y="2667000"/>
-            <a:ext cx="8839200" cy="1600200"/>
-          </a:xfrm>
-        </p:spPr>
-        <p:txBody>
-          <a:bodyPr/>
-          <a:lstStyle/>
-          <a:p>
-            <a:pPr algn="ctr">
-              <a:buFont typeface="Arial" charset="0"/>
-              <a:buNone/>
-            </a:pPr>
-            <a:r>
-              <a:rPr lang="en-US" sz="4400" b="1" dirty="0">
-                <a:latin typeface="Calibri" charset="0"/>
-                <a:ea typeface="ＭＳ Ｐゴシック" charset="0"/>
-              </a:rPr>
-              <a:t>Introduction to tutorial </a:t>
-            </a:r>
-          </a:p>
-          <a:p>
-            <a:pPr algn="ctr">
-              <a:buFont typeface="Arial" charset="0"/>
-              <a:buNone/>
-            </a:pPr>
-            <a:r>
-              <a:rPr lang="en-US" sz="4400" b="1" dirty="0">
-                <a:latin typeface="Calibri" charset="0"/>
-                <a:ea typeface="ＭＳ Ｐゴシック" charset="0"/>
-              </a:rPr>
-              <a:t>(Module </a:t>
-            </a:r>
-            <a:r>
-              <a:rPr lang="en-US" sz="4400" b="1" dirty="0" smtClean="0">
-                <a:latin typeface="Calibri" charset="0"/>
-                <a:ea typeface="ＭＳ Ｐゴシック" charset="0"/>
-              </a:rPr>
-              <a:t>4)</a:t>
-            </a:r>
-            <a:endParaRPr lang="en-US" sz="4400" b="1" dirty="0">
-              <a:latin typeface="Calibri" charset="0"/>
-              <a:ea typeface="ＭＳ Ｐゴシック" charset="0"/>
-            </a:endParaRPr>
-          </a:p>
-        </p:txBody>
-      </p:sp>
-    </p:spTree>
-    <p:extLst>
-      <p:ext uri="{BB962C8B-B14F-4D97-AF65-F5344CB8AC3E}">
-        <p14:creationId xmlns:p14="http://schemas.microsoft.com/office/powerpoint/2010/main" val="1732061482"/>
-      </p:ext>
-    </p:extLst>
-  </p:cSld>
-  <p:clrMapOvr>
-    <a:masterClrMapping/>
-  </p:clrMapOvr>
-  <p:timing>
-    <p:tnLst>
-      <p:par>
-        <p:cTn xmlns:p14="http://schemas.microsoft.com/office/powerpoint/2010/main" id="1" dur="indefinite" restart="never" nodeType="tmRoot"/>
-      </p:par>
-    </p:tnLst>
-  </p:timing>
-</p:sld>
-</file>
-
-<file path=ppt/slides/slide2.xml><?xml version="1.0" encoding="utf-8"?>
-<p:sld xmlns:a="http://schemas.openxmlformats.org/drawingml/2006/main" xmlns:r="http://schemas.openxmlformats.org/officeDocument/2006/relationships" xmlns:p="http://schemas.openxmlformats.org/presentationml/2006/main">
-  <p:cSld>
-    <p:spTree>
-      <p:nvGrpSpPr>
-        <p:cNvPr id="1" name=""/>
-        <p:cNvGrpSpPr/>
-        <p:nvPr/>
-      </p:nvGrpSpPr>
-      <p:grpSpPr>
-        <a:xfrm>
-          <a:off x="0" y="0"/>
-          <a:ext cx="0" cy="0"/>
-          <a:chOff x="0" y="0"/>
-          <a:chExt cx="0" cy="0"/>
-        </a:xfrm>
-      </p:grpSpPr>
-      <p:sp>
-        <p:nvSpPr>
-          <p:cNvPr id="57" name="Rectangle 56"/>
-          <p:cNvSpPr/>
-          <p:nvPr/>
-        </p:nvSpPr>
-        <p:spPr>
-          <a:xfrm>
-            <a:off x="0" y="2514600"/>
-            <a:ext cx="6172200" cy="4343400"/>
-          </a:xfrm>
-          <a:prstGeom prst="rect">
-            <a:avLst/>
-          </a:prstGeom>
-          <a:solidFill>
-            <a:schemeClr val="accent1">
-              <a:alpha val="18000"/>
-            </a:schemeClr>
-          </a:solidFill>
-          <a:ln>
-            <a:noFill/>
-          </a:ln>
-        </p:spPr>
-        <p:style>
-          <a:lnRef idx="1">
-            <a:schemeClr val="accent1"/>
-          </a:lnRef>
-          <a:fillRef idx="3">
-            <a:schemeClr val="accent1"/>
-          </a:fillRef>
-          <a:effectRef idx="2">
-            <a:schemeClr val="accent1"/>
-          </a:effectRef>
-          <a:fontRef idx="minor">
-            <a:schemeClr val="lt1"/>
-          </a:fontRef>
-        </p:style>
-        <p:txBody>
-          <a:bodyPr anchor="ctr"/>
-          <a:lstStyle/>
-          <a:p>
-            <a:pPr algn="ctr">
-              <a:defRPr/>
-            </a:pPr>
-            <a:endParaRPr lang="en-US" sz="1800">
-              <a:solidFill>
-                <a:srgbClr val="FFFFFF"/>
-              </a:solidFill>
-              <a:latin typeface="Calibri" charset="0"/>
-              <a:ea typeface="ＭＳ Ｐゴシック" charset="0"/>
-              <a:cs typeface="Calibri" charset="0"/>
-            </a:endParaRPr>
-          </a:p>
-        </p:txBody>
-      </p:sp>
-      <p:pic>
-        <p:nvPicPr>
-          <p:cNvPr id="10242" name="Picture 4" descr="TGI_logo_V_2color_bevel.tiff"/>
-          <p:cNvPicPr>
-            <a:picLocks noChangeAspect="1"/>
-          </p:cNvPicPr>
-          <p:nvPr/>
-        </p:nvPicPr>
-        <p:blipFill>
-          <a:blip r:embed="rId2">
-            <a:extLst>
-              <a:ext uri="{28A0092B-C50C-407E-A947-70E740481C1C}">
-                <a14:useLocalDpi xmlns:a14="http://schemas.microsoft.com/office/drawing/2010/main" val="0"/>
-              </a:ext>
-            </a:extLst>
-          </a:blip>
-          <a:srcRect l="31865" t="30911" r="32492" b="27831"/>
-          <a:stretch>
-            <a:fillRect/>
-          </a:stretch>
-        </p:blipFill>
-        <p:spPr bwMode="auto">
-          <a:xfrm>
-            <a:off x="6588125" y="3744913"/>
-            <a:ext cx="2181225" cy="1893887"/>
-          </a:xfrm>
-          <a:prstGeom prst="rect">
-            <a:avLst/>
-          </a:prstGeom>
-          <a:noFill/>
-          <a:ln>
-            <a:noFill/>
-          </a:ln>
-          <a:extLst>
-            <a:ext uri="{909E8E84-426E-40dd-AFC4-6F175D3DCCD1}">
-              <a14:hiddenFill xmlns:a14="http://schemas.microsoft.com/office/drawing/2010/main">
-                <a:solidFill>
-                  <a:srgbClr val="FFFFFF"/>
-                </a:solidFill>
-              </a14:hiddenFill>
-            </a:ext>
-            <a:ext uri="{91240B29-F687-4f45-9708-019B960494DF}">
-              <a14:hiddenLine xmlns:a14="http://schemas.microsoft.com/office/drawing/2010/main" w="9525">
-                <a:solidFill>
-                  <a:srgbClr val="000000"/>
-                </a:solidFill>
-                <a:miter lim="800000"/>
-                <a:headEnd/>
-                <a:tailEnd/>
-              </a14:hiddenLine>
-            </a:ext>
-          </a:extLst>
-        </p:spPr>
-      </p:pic>
-      <p:pic>
-        <p:nvPicPr>
-          <p:cNvPr id="10243" name="Picture 1" descr="RNA-Seq-alignment.png"/>
-          <p:cNvPicPr>
-            <a:picLocks noChangeAspect="1"/>
-          </p:cNvPicPr>
-          <p:nvPr/>
-        </p:nvPicPr>
-        <p:blipFill>
-          <a:blip r:embed="rId3">
-            <a:extLst>
-              <a:ext uri="{28A0092B-C50C-407E-A947-70E740481C1C}">
-                <a14:useLocalDpi xmlns:a14="http://schemas.microsoft.com/office/drawing/2010/main" val="0"/>
-              </a:ext>
-            </a:extLst>
-          </a:blip>
-          <a:srcRect/>
-          <a:stretch>
-            <a:fillRect/>
-          </a:stretch>
-        </p:blipFill>
-        <p:spPr bwMode="auto">
-          <a:xfrm>
-            <a:off x="900113" y="2636838"/>
-            <a:ext cx="4248150" cy="4068762"/>
-          </a:xfrm>
-          <a:prstGeom prst="rect">
-            <a:avLst/>
-          </a:prstGeom>
-          <a:noFill/>
-          <a:ln>
-            <a:noFill/>
-          </a:ln>
-          <a:extLst>
-            <a:ext uri="{909E8E84-426E-40dd-AFC4-6F175D3DCCD1}">
-              <a14:hiddenFill xmlns:a14="http://schemas.microsoft.com/office/drawing/2010/main">
-                <a:solidFill>
-                  <a:srgbClr val="FFFFFF"/>
-                </a:solidFill>
-              </a14:hiddenFill>
-            </a:ext>
-            <a:ext uri="{91240B29-F687-4f45-9708-019B960494DF}">
-              <a14:hiddenLine xmlns:a14="http://schemas.microsoft.com/office/drawing/2010/main" w="9525">
-                <a:solidFill>
-                  <a:srgbClr val="000000"/>
-                </a:solidFill>
-                <a:miter lim="800000"/>
-                <a:headEnd/>
-                <a:tailEnd/>
-              </a14:hiddenLine>
-            </a:ext>
-          </a:extLst>
-        </p:spPr>
-      </p:pic>
-      <p:sp>
-        <p:nvSpPr>
-          <p:cNvPr id="10244" name="Title 1"/>
-          <p:cNvSpPr txBox="1">
-            <a:spLocks/>
-          </p:cNvSpPr>
-          <p:nvPr/>
-        </p:nvSpPr>
-        <p:spPr bwMode="auto">
-          <a:xfrm>
-            <a:off x="2943225" y="365125"/>
-            <a:ext cx="6019800" cy="838200"/>
-          </a:xfrm>
-          <a:prstGeom prst="rect">
-            <a:avLst/>
-          </a:prstGeom>
-          <a:noFill/>
-          <a:ln>
-            <a:noFill/>
-          </a:ln>
-          <a:extLst>
-            <a:ext uri="{909E8E84-426E-40dd-AFC4-6F175D3DCCD1}">
-              <a14:hiddenFill xmlns:a14="http://schemas.microsoft.com/office/drawing/2010/main">
-                <a:solidFill>
-                  <a:srgbClr val="FFFFFF"/>
-                </a:solidFill>
-              </a14:hiddenFill>
-            </a:ext>
-            <a:ext uri="{91240B29-F687-4f45-9708-019B960494DF}">
-              <a14:hiddenLine xmlns:a14="http://schemas.microsoft.com/office/drawing/2010/main" w="9525">
-                <a:solidFill>
-                  <a:srgbClr val="000000"/>
-                </a:solidFill>
-                <a:miter lim="800000"/>
-                <a:headEnd/>
-                <a:tailEnd/>
-              </a14:hiddenLine>
-            </a:ext>
-          </a:extLst>
-        </p:spPr>
-        <p:txBody>
-          <a:bodyPr anchor="ctr"/>
-          <a:lstStyle>
-            <a:lvl1pPr eaLnBrk="0" hangingPunct="0">
-              <a:defRPr sz="2400">
-                <a:solidFill>
-                  <a:schemeClr val="tx1"/>
-                </a:solidFill>
-                <a:latin typeface="Arial" charset="0"/>
-                <a:ea typeface="ＭＳ Ｐゴシック" charset="0"/>
-                <a:cs typeface="ＭＳ Ｐゴシック" charset="0"/>
-              </a:defRPr>
-            </a:lvl1pPr>
-            <a:lvl2pPr marL="742950" indent="-285750" eaLnBrk="0" hangingPunct="0">
-              <a:defRPr sz="2400">
-                <a:solidFill>
-                  <a:schemeClr val="tx1"/>
-                </a:solidFill>
-                <a:latin typeface="Arial" charset="0"/>
-                <a:ea typeface="ＭＳ Ｐゴシック" charset="0"/>
-              </a:defRPr>
-            </a:lvl2pPr>
-            <a:lvl3pPr marL="1143000" indent="-228600" eaLnBrk="0" hangingPunct="0">
-              <a:defRPr sz="2400">
-                <a:solidFill>
-                  <a:schemeClr val="tx1"/>
-                </a:solidFill>
-                <a:latin typeface="Arial" charset="0"/>
-                <a:ea typeface="ＭＳ Ｐゴシック" charset="0"/>
-              </a:defRPr>
-            </a:lvl3pPr>
-            <a:lvl4pPr marL="1600200" indent="-228600" eaLnBrk="0" hangingPunct="0">
-              <a:defRPr sz="2400">
-                <a:solidFill>
-                  <a:schemeClr val="tx1"/>
-                </a:solidFill>
-                <a:latin typeface="Arial" charset="0"/>
-                <a:ea typeface="ＭＳ Ｐゴシック" charset="0"/>
-              </a:defRPr>
-            </a:lvl4pPr>
-            <a:lvl5pPr marL="2057400" indent="-228600" eaLnBrk="0" hangingPunct="0">
-              <a:defRPr sz="2400">
-                <a:solidFill>
-                  <a:schemeClr val="tx1"/>
-                </a:solidFill>
-                <a:latin typeface="Arial" charset="0"/>
-                <a:ea typeface="ＭＳ Ｐゴシック" charset="0"/>
-              </a:defRPr>
-            </a:lvl5pPr>
-            <a:lvl6pPr marL="2514600" indent="-228600" eaLnBrk="0" fontAlgn="base" hangingPunct="0">
-              <a:spcBef>
-                <a:spcPct val="0"/>
-              </a:spcBef>
-              <a:spcAft>
-                <a:spcPct val="0"/>
-              </a:spcAft>
-              <a:defRPr sz="2400">
-                <a:solidFill>
-                  <a:schemeClr val="tx1"/>
-                </a:solidFill>
-                <a:latin typeface="Arial" charset="0"/>
-                <a:ea typeface="ＭＳ Ｐゴシック" charset="0"/>
-              </a:defRPr>
-            </a:lvl6pPr>
-            <a:lvl7pPr marL="2971800" indent="-228600" eaLnBrk="0" fontAlgn="base" hangingPunct="0">
-              <a:spcBef>
-                <a:spcPct val="0"/>
-              </a:spcBef>
-              <a:spcAft>
-                <a:spcPct val="0"/>
-              </a:spcAft>
-              <a:defRPr sz="2400">
-                <a:solidFill>
-                  <a:schemeClr val="tx1"/>
-                </a:solidFill>
-                <a:latin typeface="Arial" charset="0"/>
-                <a:ea typeface="ＭＳ Ｐゴシック" charset="0"/>
-              </a:defRPr>
-            </a:lvl7pPr>
-            <a:lvl8pPr marL="3429000" indent="-228600" eaLnBrk="0" fontAlgn="base" hangingPunct="0">
-              <a:spcBef>
-                <a:spcPct val="0"/>
-              </a:spcBef>
-              <a:spcAft>
-                <a:spcPct val="0"/>
-              </a:spcAft>
-              <a:defRPr sz="2400">
-                <a:solidFill>
-                  <a:schemeClr val="tx1"/>
-                </a:solidFill>
-                <a:latin typeface="Arial" charset="0"/>
-                <a:ea typeface="ＭＳ Ｐゴシック" charset="0"/>
-              </a:defRPr>
-            </a:lvl8pPr>
-            <a:lvl9pPr marL="3886200" indent="-228600" eaLnBrk="0" fontAlgn="base" hangingPunct="0">
-              <a:spcBef>
-                <a:spcPct val="0"/>
-              </a:spcBef>
-              <a:spcAft>
-                <a:spcPct val="0"/>
-              </a:spcAft>
-              <a:defRPr sz="2400">
-                <a:solidFill>
-                  <a:schemeClr val="tx1"/>
-                </a:solidFill>
-                <a:latin typeface="Arial" charset="0"/>
-                <a:ea typeface="ＭＳ Ｐゴシック" charset="0"/>
-              </a:defRPr>
-            </a:lvl9pPr>
-          </a:lstStyle>
-          <a:p>
-            <a:pPr algn="r" eaLnBrk="1" hangingPunct="1"/>
-            <a:r>
-              <a:rPr lang="en-US" sz="2000" dirty="0" smtClean="0">
-                <a:solidFill>
-                  <a:schemeClr val="bg1"/>
-                </a:solidFill>
-                <a:latin typeface="Calibri" charset="0"/>
-                <a:cs typeface="Segoe UI" charset="0"/>
-              </a:rPr>
-              <a:t>Module 4</a:t>
-            </a:r>
-            <a:br>
-              <a:rPr lang="en-US" sz="2000" dirty="0" smtClean="0">
-                <a:solidFill>
-                  <a:schemeClr val="bg1"/>
-                </a:solidFill>
-                <a:latin typeface="Calibri" charset="0"/>
-                <a:cs typeface="Segoe UI" charset="0"/>
-              </a:rPr>
-            </a:br>
-            <a:r>
-              <a:rPr lang="en-US" sz="2000" dirty="0" smtClean="0">
-                <a:solidFill>
-                  <a:schemeClr val="bg1"/>
-                </a:solidFill>
-                <a:latin typeface="Calibri" charset="0"/>
-                <a:cs typeface="Segoe UI" charset="0"/>
-              </a:rPr>
-              <a:t>Expression and Differential Expression (lecture)</a:t>
-            </a:r>
-            <a:endParaRPr lang="en-US" sz="1800" b="1" dirty="0">
-              <a:solidFill>
-                <a:schemeClr val="bg1"/>
-              </a:solidFill>
-              <a:latin typeface="Calibri" charset="0"/>
-              <a:cs typeface="Segoe UI" charset="0"/>
-            </a:endParaRPr>
-          </a:p>
-        </p:txBody>
-      </p:sp>
-      <p:sp>
-        <p:nvSpPr>
-          <p:cNvPr id="8" name="Title 1"/>
-          <p:cNvSpPr txBox="1">
-            <a:spLocks/>
-          </p:cNvSpPr>
-          <p:nvPr/>
-        </p:nvSpPr>
-        <p:spPr>
-          <a:xfrm>
-            <a:off x="3854897" y="1412776"/>
-            <a:ext cx="5181599" cy="936104"/>
-          </a:xfrm>
-          <a:prstGeom prst="rect">
-            <a:avLst/>
-          </a:prstGeom>
-        </p:spPr>
-        <p:txBody>
-          <a:bodyPr anchor="ctr"/>
-          <a:lstStyle>
-            <a:lvl1pPr algn="r">
-              <a:defRPr sz="3200" baseline="0">
-                <a:solidFill>
-                  <a:schemeClr val="bg1"/>
-                </a:solidFill>
-                <a:latin typeface="Adobe Jenson Pro" pitchFamily="18" charset="0"/>
-              </a:defRPr>
-            </a:lvl1pPr>
-          </a:lstStyle>
-          <a:p>
-            <a:pPr fontAlgn="auto">
-              <a:spcAft>
-                <a:spcPts val="0"/>
-              </a:spcAft>
-              <a:defRPr/>
-            </a:pPr>
-            <a:r>
-              <a:rPr lang="en-US" sz="1600" dirty="0" smtClean="0">
-                <a:latin typeface="Calibri"/>
-                <a:ea typeface="+mj-ea"/>
-                <a:cs typeface="Calibri"/>
-              </a:rPr>
-              <a:t>Malachi Griffith, Obi Griffith, Jason Walker, Ben </a:t>
-            </a:r>
-            <a:r>
-              <a:rPr lang="en-US" sz="1600" dirty="0" err="1" smtClean="0">
-                <a:latin typeface="Calibri"/>
-                <a:ea typeface="+mj-ea"/>
-                <a:cs typeface="Calibri"/>
-              </a:rPr>
-              <a:t>Ainscough</a:t>
-            </a:r>
-            <a:endParaRPr lang="en-US" sz="1600" dirty="0" smtClean="0">
-              <a:latin typeface="Calibri"/>
-              <a:ea typeface="+mj-ea"/>
-              <a:cs typeface="Calibri"/>
-            </a:endParaRPr>
-          </a:p>
-          <a:p>
-            <a:pPr fontAlgn="auto">
-              <a:spcAft>
-                <a:spcPts val="0"/>
-              </a:spcAft>
-              <a:buFont typeface="Arial" pitchFamily="34" charset="0"/>
-              <a:buNone/>
-              <a:defRPr/>
-            </a:pPr>
-            <a:r>
-              <a:rPr lang="en-US" sz="1600" dirty="0">
-                <a:ln w="1270">
-                  <a:solidFill>
-                    <a:schemeClr val="tx1">
-                      <a:alpha val="38000"/>
-                    </a:schemeClr>
-                  </a:solidFill>
-                </a:ln>
-                <a:latin typeface="Calibri"/>
-                <a:cs typeface="Calibri"/>
-              </a:rPr>
-              <a:t>Advanced Sequencing Technologies &amp; Applications</a:t>
-            </a:r>
-          </a:p>
-          <a:p>
-            <a:pPr fontAlgn="auto">
-              <a:spcAft>
-                <a:spcPts val="0"/>
-              </a:spcAft>
-              <a:defRPr/>
-            </a:pPr>
-            <a:r>
-              <a:rPr lang="en-US" sz="1400" dirty="0" smtClean="0">
-                <a:ln w="1270">
-                  <a:solidFill>
-                    <a:schemeClr val="tx1">
-                      <a:alpha val="38000"/>
-                    </a:schemeClr>
-                  </a:solidFill>
-                </a:ln>
-                <a:latin typeface="Calibri"/>
-                <a:ea typeface="+mn-ea"/>
-                <a:cs typeface="Calibri"/>
-              </a:rPr>
-              <a:t>November 11-23, 2014</a:t>
-            </a:r>
-          </a:p>
-        </p:txBody>
-      </p:sp>
-    </p:spTree>
-  </p:cSld>
-  <p:clrMapOvr>
-    <a:masterClrMapping/>
-  </p:clrMapOvr>
-  <p:timing>
-    <p:tnLst>
-      <p:par>
-        <p:cTn xmlns:p14="http://schemas.microsoft.com/office/powerpoint/2010/main" id="1" dur="indefinite" restart="never" nodeType="tmRoot"/>
-      </p:par>
-    </p:tnLst>
-  </p:timing>
-</p:sld>
-</file>
-
-<file path=ppt/slides/slide20.xml><?xml version="1.0" encoding="utf-8"?>
-<p:sld xmlns:a="http://schemas.openxmlformats.org/drawingml/2006/main" xmlns:r="http://schemas.openxmlformats.org/officeDocument/2006/relationships" xmlns:p="http://schemas.openxmlformats.org/presentationml/2006/main">
-  <p:cSld>
-    <p:spTree>
-      <p:nvGrpSpPr>
-        <p:cNvPr id="1" name=""/>
-        <p:cNvGrpSpPr/>
-        <p:nvPr/>
-      </p:nvGrpSpPr>
-      <p:grpSpPr>
-        <a:xfrm>
-          <a:off x="0" y="0"/>
-          <a:ext cx="0" cy="0"/>
-          <a:chOff x="0" y="0"/>
-          <a:chExt cx="0" cy="0"/>
-        </a:xfrm>
-      </p:grpSpPr>
-      <p:sp>
-        <p:nvSpPr>
-          <p:cNvPr id="41" name="Rounded Rectangle 40"/>
-          <p:cNvSpPr/>
-          <p:nvPr/>
-        </p:nvSpPr>
-        <p:spPr>
-          <a:xfrm>
-            <a:off x="5076825" y="1628775"/>
-            <a:ext cx="3382963" cy="3600450"/>
-          </a:xfrm>
-          <a:prstGeom prst="roundRect">
-            <a:avLst/>
-          </a:prstGeom>
-          <a:gradFill flip="none" rotWithShape="1">
-            <a:gsLst>
-              <a:gs pos="0">
-                <a:schemeClr val="dk1">
-                  <a:tint val="50000"/>
-                  <a:satMod val="300000"/>
-                  <a:alpha val="13000"/>
-                </a:schemeClr>
-              </a:gs>
-              <a:gs pos="35000">
-                <a:schemeClr val="dk1">
-                  <a:tint val="37000"/>
-                  <a:satMod val="300000"/>
-                  <a:alpha val="13000"/>
-                </a:schemeClr>
-              </a:gs>
-              <a:gs pos="100000">
-                <a:schemeClr val="dk1">
-                  <a:tint val="15000"/>
-                  <a:satMod val="350000"/>
-                  <a:alpha val="13000"/>
-                </a:schemeClr>
-              </a:gs>
-            </a:gsLst>
-            <a:lin ang="16200000" scaled="1"/>
-            <a:tileRect/>
-          </a:gradFill>
-          <a:ln>
-            <a:prstDash val="dash"/>
-          </a:ln>
-        </p:spPr>
-        <p:style>
-          <a:lnRef idx="1">
-            <a:schemeClr val="dk1"/>
-          </a:lnRef>
-          <a:fillRef idx="2">
-            <a:schemeClr val="dk1"/>
-          </a:fillRef>
-          <a:effectRef idx="1">
-            <a:schemeClr val="dk1"/>
-          </a:effectRef>
-          <a:fontRef idx="minor">
-            <a:schemeClr val="dk1"/>
-          </a:fontRef>
-        </p:style>
-        <p:txBody>
-          <a:bodyPr anchor="ctr"/>
-          <a:lstStyle/>
-          <a:p>
-            <a:pPr algn="ctr">
-              <a:defRPr/>
-            </a:pPr>
-            <a:endParaRPr lang="en-US">
-              <a:ln w="76200" cmpd="sng">
-                <a:noFill/>
-                <a:prstDash val="dot"/>
-              </a:ln>
-              <a:noFill/>
-            </a:endParaRPr>
-          </a:p>
-        </p:txBody>
-      </p:sp>
-      <p:sp>
-        <p:nvSpPr>
-          <p:cNvPr id="19458" name="TextBox 3"/>
+          <p:cNvPr id="25601" name="TextBox 3"/>
           <p:cNvSpPr txBox="1">
             <a:spLocks noChangeArrowheads="1"/>
           </p:cNvSpPr>
@@ -7008,8 +4794,8 @@
         </p:nvSpPr>
         <p:spPr bwMode="auto">
           <a:xfrm>
-            <a:off x="6230938" y="5229225"/>
-            <a:ext cx="1073832" cy="338554"/>
+            <a:off x="3521075" y="1844675"/>
+            <a:ext cx="4938713" cy="338138"/>
           </a:xfrm>
           <a:prstGeom prst="rect">
             <a:avLst/>
@@ -7158,9 +4944,12 @@
             </a:r>
             <a:r>
               <a:rPr lang="en-US" sz="1600" b="1" dirty="0" smtClean="0"/>
-              <a:t>4</a:t>
-            </a:r>
-            <a:endParaRPr lang="en-US" sz="1600" b="1" dirty="0"/>
+              <a:t>4 </a:t>
+            </a:r>
+            <a:r>
+              <a:rPr lang="en-US" sz="1600" b="1" dirty="0"/>
+              <a:t>– Rerun Cufflinks in alternative ‘modes’</a:t>
+            </a:r>
           </a:p>
         </p:txBody>
       </p:sp>
@@ -7172,7 +4961,7 @@
         </p:nvSpPr>
         <p:spPr bwMode="auto">
           <a:xfrm>
-            <a:off x="179388" y="3644900"/>
+            <a:off x="179388" y="4292600"/>
             <a:ext cx="4824412" cy="1008063"/>
           </a:xfrm>
           <a:prstGeom prst="roundRect">
@@ -7237,7 +5026,7 @@
       </p:sp>
       <p:sp>
         <p:nvSpPr>
-          <p:cNvPr id="19460" name="Title 4"/>
+          <p:cNvPr id="25603" name="Title 4"/>
           <p:cNvSpPr>
             <a:spLocks noGrp="1"/>
           </p:cNvSpPr>
@@ -7280,7 +5069,7 @@
       </p:sp>
       <p:grpSp>
         <p:nvGrpSpPr>
-          <p:cNvPr id="19461" name="Group 6"/>
+          <p:cNvPr id="25604" name="Group 6"/>
           <p:cNvGrpSpPr>
             <a:grpSpLocks/>
           </p:cNvGrpSpPr>
@@ -7288,7 +5077,7 @@
         </p:nvGrpSpPr>
         <p:grpSpPr bwMode="auto">
           <a:xfrm>
-            <a:off x="250825" y="1925638"/>
+            <a:off x="250825" y="2573338"/>
             <a:ext cx="1368425" cy="1287462"/>
             <a:chOff x="251520" y="1926414"/>
             <a:chExt cx="1368152" cy="1286562"/>
@@ -7375,7 +5164,7 @@
         </p:sp>
         <p:sp>
           <p:nvSpPr>
-            <p:cNvPr id="19491" name="TextBox 3"/>
+            <p:cNvPr id="25631" name="TextBox 3"/>
             <p:cNvSpPr txBox="1">
               <a:spLocks noChangeArrowheads="1"/>
             </p:cNvSpPr>
@@ -7537,7 +5326,7 @@
       </p:grpSp>
       <p:grpSp>
         <p:nvGrpSpPr>
-          <p:cNvPr id="19462" name="Group 16"/>
+          <p:cNvPr id="25605" name="Group 16"/>
           <p:cNvGrpSpPr>
             <a:grpSpLocks/>
           </p:cNvGrpSpPr>
@@ -7545,7 +5334,7 @@
         </p:nvGrpSpPr>
         <p:grpSpPr bwMode="auto">
           <a:xfrm>
-            <a:off x="1916113" y="1819275"/>
+            <a:off x="1916113" y="2466975"/>
             <a:ext cx="1368425" cy="1393825"/>
             <a:chOff x="1916196" y="1818692"/>
             <a:chExt cx="1368152" cy="1394284"/>
@@ -7616,7 +5405,7 @@
         </p:sp>
         <p:sp>
           <p:nvSpPr>
-            <p:cNvPr id="19489" name="TextBox 12"/>
+            <p:cNvPr id="25629" name="TextBox 12"/>
             <p:cNvSpPr txBox="1">
               <a:spLocks noChangeArrowheads="1"/>
             </p:cNvSpPr>
@@ -7778,7 +5567,7 @@
       </p:grpSp>
       <p:grpSp>
         <p:nvGrpSpPr>
-          <p:cNvPr id="19463" name="Group 18"/>
+          <p:cNvPr id="25606" name="Group 18"/>
           <p:cNvGrpSpPr>
             <a:grpSpLocks/>
           </p:cNvGrpSpPr>
@@ -7786,7 +5575,7 @@
         </p:nvGrpSpPr>
         <p:grpSpPr bwMode="auto">
           <a:xfrm>
-            <a:off x="3419475" y="1819275"/>
+            <a:off x="3419475" y="2466975"/>
             <a:ext cx="1657350" cy="1393825"/>
             <a:chOff x="3563889" y="1818692"/>
             <a:chExt cx="1656184" cy="1394284"/>
@@ -7841,7 +5630,7 @@
         </p:sp>
         <p:sp>
           <p:nvSpPr>
-            <p:cNvPr id="19487" name="TextBox 13"/>
+            <p:cNvPr id="25627" name="TextBox 13"/>
             <p:cNvSpPr txBox="1">
               <a:spLocks noChangeArrowheads="1"/>
             </p:cNvSpPr>
@@ -8003,7 +5792,7 @@
       </p:grpSp>
       <p:grpSp>
         <p:nvGrpSpPr>
-          <p:cNvPr id="19464" name="Group 19"/>
+          <p:cNvPr id="25607" name="Group 19"/>
           <p:cNvGrpSpPr>
             <a:grpSpLocks/>
           </p:cNvGrpSpPr>
@@ -8011,7 +5800,7 @@
         </p:nvGrpSpPr>
         <p:grpSpPr bwMode="auto">
           <a:xfrm>
-            <a:off x="5076825" y="1819275"/>
+            <a:off x="5076825" y="2466975"/>
             <a:ext cx="1655763" cy="1393825"/>
             <a:chOff x="5148064" y="1818692"/>
             <a:chExt cx="1656184" cy="1394284"/>
@@ -8082,7 +5871,7 @@
         </p:sp>
         <p:sp>
           <p:nvSpPr>
-            <p:cNvPr id="19485" name="TextBox 14"/>
+            <p:cNvPr id="25625" name="TextBox 14"/>
             <p:cNvSpPr txBox="1">
               <a:spLocks noChangeArrowheads="1"/>
             </p:cNvSpPr>
@@ -8242,479 +6031,284 @@
           </p:txBody>
         </p:sp>
       </p:grpSp>
-      <p:grpSp>
-        <p:nvGrpSpPr>
-          <p:cNvPr id="19465" name="Group 20"/>
-          <p:cNvGrpSpPr>
-            <a:grpSpLocks/>
-          </p:cNvGrpSpPr>
+      <p:sp>
+        <p:nvSpPr>
+          <p:cNvPr id="11" name="Rounded Rectangle 10"/>
+          <p:cNvSpPr/>
           <p:nvPr/>
-        </p:nvGrpSpPr>
-        <p:grpSpPr bwMode="auto">
+        </p:nvSpPr>
+        <p:spPr bwMode="auto">
           <a:xfrm>
-            <a:off x="6804025" y="1819275"/>
-            <a:ext cx="1655763" cy="1393825"/>
-            <a:chOff x="6804248" y="1818692"/>
-            <a:chExt cx="1656184" cy="1394284"/>
+            <a:off x="6911975" y="3141663"/>
+            <a:ext cx="1439863" cy="719137"/>
           </a:xfrm>
-        </p:grpSpPr>
-        <p:sp>
-          <p:nvSpPr>
-            <p:cNvPr id="11" name="Rounded Rectangle 10"/>
-            <p:cNvSpPr/>
-            <p:nvPr/>
-          </p:nvSpPr>
-          <p:spPr>
-            <a:xfrm>
-              <a:off x="6912225" y="2493602"/>
-              <a:ext cx="1440229" cy="719374"/>
-            </a:xfrm>
-            <a:prstGeom prst="roundRect">
-              <a:avLst/>
-            </a:prstGeom>
-          </p:spPr>
-          <p:style>
-            <a:lnRef idx="1">
-              <a:schemeClr val="accent1"/>
-            </a:lnRef>
-            <a:fillRef idx="2">
-              <a:schemeClr val="accent1"/>
-            </a:fillRef>
-            <a:effectRef idx="1">
-              <a:schemeClr val="accent1"/>
-            </a:effectRef>
-            <a:fontRef idx="minor">
-              <a:schemeClr val="dk1"/>
-            </a:fontRef>
-          </p:style>
-          <p:txBody>
-            <a:bodyPr anchor="ctr"/>
-            <a:lstStyle/>
-            <a:p>
-              <a:pPr algn="ctr">
-                <a:defRPr/>
-              </a:pPr>
-              <a:r>
-                <a:rPr lang="en-US" sz="1200" dirty="0" err="1">
-                  <a:solidFill>
-                    <a:schemeClr val="tx1"/>
-                  </a:solidFill>
-                </a:rPr>
-                <a:t>Cuffdiff</a:t>
-              </a:r>
-              <a:endParaRPr lang="en-US" sz="1200" dirty="0">
-                <a:solidFill>
-                  <a:schemeClr val="tx1"/>
-                </a:solidFill>
-              </a:endParaRPr>
-            </a:p>
-            <a:p>
-              <a:pPr algn="ctr">
-                <a:defRPr/>
-              </a:pPr>
-              <a:r>
-                <a:rPr lang="en-US" sz="1200" dirty="0">
-                  <a:solidFill>
-                    <a:schemeClr val="tx1"/>
-                  </a:solidFill>
-                </a:rPr>
-                <a:t>(A:B comparison)</a:t>
-              </a:r>
-            </a:p>
-          </p:txBody>
-        </p:sp>
-        <p:sp>
-          <p:nvSpPr>
-            <p:cNvPr id="19483" name="TextBox 15"/>
-            <p:cNvSpPr txBox="1">
-              <a:spLocks noChangeArrowheads="1"/>
-            </p:cNvSpPr>
-            <p:nvPr/>
-          </p:nvSpPr>
-          <p:spPr bwMode="auto">
-            <a:xfrm>
-              <a:off x="6804248" y="1818692"/>
-              <a:ext cx="1656184" cy="523392"/>
-            </a:xfrm>
-            <a:prstGeom prst="rect">
-              <a:avLst/>
-            </a:prstGeom>
+          <a:prstGeom prst="roundRect">
+            <a:avLst/>
+          </a:prstGeom>
+        </p:spPr>
+        <p:style>
+          <a:lnRef idx="1">
+            <a:schemeClr val="accent1"/>
+          </a:lnRef>
+          <a:fillRef idx="2">
+            <a:schemeClr val="accent1"/>
+          </a:fillRef>
+          <a:effectRef idx="1">
+            <a:schemeClr val="accent1"/>
+          </a:effectRef>
+          <a:fontRef idx="minor">
+            <a:schemeClr val="dk1"/>
+          </a:fontRef>
+        </p:style>
+        <p:txBody>
+          <a:bodyPr anchor="ctr"/>
+          <a:lstStyle/>
+          <a:p>
+            <a:pPr algn="ctr">
+              <a:defRPr/>
+            </a:pPr>
+            <a:r>
+              <a:rPr lang="en-US" sz="1200" dirty="0" err="1">
+                <a:solidFill>
+                  <a:schemeClr val="tx1"/>
+                </a:solidFill>
+              </a:rPr>
+              <a:t>Cuffdiff</a:t>
+            </a:r>
+            <a:endParaRPr lang="en-US" sz="1200" dirty="0">
+              <a:solidFill>
+                <a:schemeClr val="tx1"/>
+              </a:solidFill>
+            </a:endParaRPr>
+          </a:p>
+          <a:p>
+            <a:pPr algn="ctr">
+              <a:defRPr/>
+            </a:pPr>
+            <a:r>
+              <a:rPr lang="en-US" sz="1200" dirty="0">
+                <a:solidFill>
+                  <a:schemeClr val="tx1"/>
+                </a:solidFill>
+              </a:rPr>
+              <a:t>(A:B comparison)</a:t>
+            </a:r>
+          </a:p>
+        </p:txBody>
+      </p:sp>
+      <p:sp>
+        <p:nvSpPr>
+          <p:cNvPr id="25609" name="TextBox 15"/>
+          <p:cNvSpPr txBox="1">
+            <a:spLocks noChangeArrowheads="1"/>
+          </p:cNvSpPr>
+          <p:nvPr/>
+        </p:nvSpPr>
+        <p:spPr bwMode="auto">
+          <a:xfrm>
+            <a:off x="6804025" y="2466975"/>
+            <a:ext cx="1655763" cy="523875"/>
+          </a:xfrm>
+          <a:prstGeom prst="rect">
+            <a:avLst/>
+          </a:prstGeom>
+          <a:noFill/>
+          <a:ln>
             <a:noFill/>
-            <a:ln>
-              <a:noFill/>
-            </a:ln>
-            <a:extLst>
-              <a:ext uri="{909E8E84-426E-40dd-AFC4-6F175D3DCCD1}">
-                <a14:hiddenFill xmlns:a14="http://schemas.microsoft.com/office/drawing/2010/main">
-                  <a:solidFill>
-                    <a:srgbClr val="FFFFFF"/>
-                  </a:solidFill>
-                </a14:hiddenFill>
-              </a:ext>
-              <a:ext uri="{91240B29-F687-4f45-9708-019B960494DF}">
-                <a14:hiddenLine xmlns:a14="http://schemas.microsoft.com/office/drawing/2010/main" w="9525">
-                  <a:solidFill>
-                    <a:srgbClr val="000000"/>
-                  </a:solidFill>
-                  <a:miter lim="800000"/>
-                  <a:headEnd/>
-                  <a:tailEnd/>
-                </a14:hiddenLine>
-              </a:ext>
-            </a:extLst>
-          </p:spPr>
-          <p:txBody>
-            <a:bodyPr>
-              <a:spAutoFit/>
-            </a:bodyPr>
-            <a:lstStyle>
-              <a:lvl1pPr eaLnBrk="0" hangingPunct="0">
-                <a:defRPr sz="2400">
-                  <a:solidFill>
-                    <a:schemeClr val="tx1"/>
-                  </a:solidFill>
-                  <a:latin typeface="Arial" charset="0"/>
-                  <a:ea typeface="ＭＳ Ｐゴシック" charset="0"/>
-                  <a:cs typeface="ＭＳ Ｐゴシック" charset="0"/>
-                </a:defRPr>
-              </a:lvl1pPr>
-              <a:lvl2pPr marL="742950" indent="-285750" eaLnBrk="0" hangingPunct="0">
-                <a:defRPr sz="2400">
-                  <a:solidFill>
-                    <a:schemeClr val="tx1"/>
-                  </a:solidFill>
-                  <a:latin typeface="Arial" charset="0"/>
-                  <a:ea typeface="ＭＳ Ｐゴシック" charset="0"/>
-                </a:defRPr>
-              </a:lvl2pPr>
-              <a:lvl3pPr marL="1143000" indent="-228600" eaLnBrk="0" hangingPunct="0">
-                <a:defRPr sz="2400">
-                  <a:solidFill>
-                    <a:schemeClr val="tx1"/>
-                  </a:solidFill>
-                  <a:latin typeface="Arial" charset="0"/>
-                  <a:ea typeface="ＭＳ Ｐゴシック" charset="0"/>
-                </a:defRPr>
-              </a:lvl3pPr>
-              <a:lvl4pPr marL="1600200" indent="-228600" eaLnBrk="0" hangingPunct="0">
-                <a:defRPr sz="2400">
-                  <a:solidFill>
-                    <a:schemeClr val="tx1"/>
-                  </a:solidFill>
-                  <a:latin typeface="Arial" charset="0"/>
-                  <a:ea typeface="ＭＳ Ｐゴシック" charset="0"/>
-                </a:defRPr>
-              </a:lvl4pPr>
-              <a:lvl5pPr marL="2057400" indent="-228600" eaLnBrk="0" hangingPunct="0">
-                <a:defRPr sz="2400">
-                  <a:solidFill>
-                    <a:schemeClr val="tx1"/>
-                  </a:solidFill>
-                  <a:latin typeface="Arial" charset="0"/>
-                  <a:ea typeface="ＭＳ Ｐゴシック" charset="0"/>
-                </a:defRPr>
-              </a:lvl5pPr>
-              <a:lvl6pPr marL="2514600" indent="-228600" eaLnBrk="0" fontAlgn="base" hangingPunct="0">
-                <a:spcBef>
-                  <a:spcPct val="0"/>
-                </a:spcBef>
-                <a:spcAft>
-                  <a:spcPct val="0"/>
-                </a:spcAft>
-                <a:defRPr sz="2400">
-                  <a:solidFill>
-                    <a:schemeClr val="tx1"/>
-                  </a:solidFill>
-                  <a:latin typeface="Arial" charset="0"/>
-                  <a:ea typeface="ＭＳ Ｐゴシック" charset="0"/>
-                </a:defRPr>
-              </a:lvl6pPr>
-              <a:lvl7pPr marL="2971800" indent="-228600" eaLnBrk="0" fontAlgn="base" hangingPunct="0">
-                <a:spcBef>
-                  <a:spcPct val="0"/>
-                </a:spcBef>
-                <a:spcAft>
-                  <a:spcPct val="0"/>
-                </a:spcAft>
-                <a:defRPr sz="2400">
-                  <a:solidFill>
-                    <a:schemeClr val="tx1"/>
-                  </a:solidFill>
-                  <a:latin typeface="Arial" charset="0"/>
-                  <a:ea typeface="ＭＳ Ｐゴシック" charset="0"/>
-                </a:defRPr>
-              </a:lvl7pPr>
-              <a:lvl8pPr marL="3429000" indent="-228600" eaLnBrk="0" fontAlgn="base" hangingPunct="0">
-                <a:spcBef>
-                  <a:spcPct val="0"/>
-                </a:spcBef>
-                <a:spcAft>
-                  <a:spcPct val="0"/>
-                </a:spcAft>
-                <a:defRPr sz="2400">
-                  <a:solidFill>
-                    <a:schemeClr val="tx1"/>
-                  </a:solidFill>
-                  <a:latin typeface="Arial" charset="0"/>
-                  <a:ea typeface="ＭＳ Ｐゴシック" charset="0"/>
-                </a:defRPr>
-              </a:lvl8pPr>
-              <a:lvl9pPr marL="3886200" indent="-228600" eaLnBrk="0" fontAlgn="base" hangingPunct="0">
-                <a:spcBef>
-                  <a:spcPct val="0"/>
-                </a:spcBef>
-                <a:spcAft>
-                  <a:spcPct val="0"/>
-                </a:spcAft>
-                <a:defRPr sz="2400">
-                  <a:solidFill>
-                    <a:schemeClr val="tx1"/>
-                  </a:solidFill>
-                  <a:latin typeface="Arial" charset="0"/>
-                  <a:ea typeface="ＭＳ Ｐゴシック" charset="0"/>
-                </a:defRPr>
-              </a:lvl9pPr>
-            </a:lstStyle>
-            <a:p>
-              <a:pPr algn="ctr" eaLnBrk="1" hangingPunct="1"/>
-              <a:r>
-                <a:rPr lang="en-US" sz="1400" b="1"/>
-                <a:t>Differential expression</a:t>
-              </a:r>
-            </a:p>
-          </p:txBody>
-        </p:sp>
-      </p:grpSp>
-      <p:grpSp>
-        <p:nvGrpSpPr>
-          <p:cNvPr id="19466" name="Group 21"/>
-          <p:cNvGrpSpPr>
-            <a:grpSpLocks/>
-          </p:cNvGrpSpPr>
+          </a:ln>
+          <a:extLst>
+            <a:ext uri="{909E8E84-426E-40dd-AFC4-6F175D3DCCD1}">
+              <a14:hiddenFill xmlns:a14="http://schemas.microsoft.com/office/drawing/2010/main">
+                <a:solidFill>
+                  <a:srgbClr val="FFFFFF"/>
+                </a:solidFill>
+              </a14:hiddenFill>
+            </a:ext>
+            <a:ext uri="{91240B29-F687-4f45-9708-019B960494DF}">
+              <a14:hiddenLine xmlns:a14="http://schemas.microsoft.com/office/drawing/2010/main" w="9525">
+                <a:solidFill>
+                  <a:srgbClr val="000000"/>
+                </a:solidFill>
+                <a:miter lim="800000"/>
+                <a:headEnd/>
+                <a:tailEnd/>
+              </a14:hiddenLine>
+            </a:ext>
+          </a:extLst>
+        </p:spPr>
+        <p:txBody>
+          <a:bodyPr>
+            <a:spAutoFit/>
+          </a:bodyPr>
+          <a:lstStyle>
+            <a:lvl1pPr eaLnBrk="0" hangingPunct="0">
+              <a:defRPr sz="2400">
+                <a:solidFill>
+                  <a:schemeClr val="tx1"/>
+                </a:solidFill>
+                <a:latin typeface="Arial" charset="0"/>
+                <a:ea typeface="ＭＳ Ｐゴシック" charset="0"/>
+                <a:cs typeface="ＭＳ Ｐゴシック" charset="0"/>
+              </a:defRPr>
+            </a:lvl1pPr>
+            <a:lvl2pPr marL="742950" indent="-285750" eaLnBrk="0" hangingPunct="0">
+              <a:defRPr sz="2400">
+                <a:solidFill>
+                  <a:schemeClr val="tx1"/>
+                </a:solidFill>
+                <a:latin typeface="Arial" charset="0"/>
+                <a:ea typeface="ＭＳ Ｐゴシック" charset="0"/>
+              </a:defRPr>
+            </a:lvl2pPr>
+            <a:lvl3pPr marL="1143000" indent="-228600" eaLnBrk="0" hangingPunct="0">
+              <a:defRPr sz="2400">
+                <a:solidFill>
+                  <a:schemeClr val="tx1"/>
+                </a:solidFill>
+                <a:latin typeface="Arial" charset="0"/>
+                <a:ea typeface="ＭＳ Ｐゴシック" charset="0"/>
+              </a:defRPr>
+            </a:lvl3pPr>
+            <a:lvl4pPr marL="1600200" indent="-228600" eaLnBrk="0" hangingPunct="0">
+              <a:defRPr sz="2400">
+                <a:solidFill>
+                  <a:schemeClr val="tx1"/>
+                </a:solidFill>
+                <a:latin typeface="Arial" charset="0"/>
+                <a:ea typeface="ＭＳ Ｐゴシック" charset="0"/>
+              </a:defRPr>
+            </a:lvl4pPr>
+            <a:lvl5pPr marL="2057400" indent="-228600" eaLnBrk="0" hangingPunct="0">
+              <a:defRPr sz="2400">
+                <a:solidFill>
+                  <a:schemeClr val="tx1"/>
+                </a:solidFill>
+                <a:latin typeface="Arial" charset="0"/>
+                <a:ea typeface="ＭＳ Ｐゴシック" charset="0"/>
+              </a:defRPr>
+            </a:lvl5pPr>
+            <a:lvl6pPr marL="2514600" indent="-228600" eaLnBrk="0" fontAlgn="base" hangingPunct="0">
+              <a:spcBef>
+                <a:spcPct val="0"/>
+              </a:spcBef>
+              <a:spcAft>
+                <a:spcPct val="0"/>
+              </a:spcAft>
+              <a:defRPr sz="2400">
+                <a:solidFill>
+                  <a:schemeClr val="tx1"/>
+                </a:solidFill>
+                <a:latin typeface="Arial" charset="0"/>
+                <a:ea typeface="ＭＳ Ｐゴシック" charset="0"/>
+              </a:defRPr>
+            </a:lvl6pPr>
+            <a:lvl7pPr marL="2971800" indent="-228600" eaLnBrk="0" fontAlgn="base" hangingPunct="0">
+              <a:spcBef>
+                <a:spcPct val="0"/>
+              </a:spcBef>
+              <a:spcAft>
+                <a:spcPct val="0"/>
+              </a:spcAft>
+              <a:defRPr sz="2400">
+                <a:solidFill>
+                  <a:schemeClr val="tx1"/>
+                </a:solidFill>
+                <a:latin typeface="Arial" charset="0"/>
+                <a:ea typeface="ＭＳ Ｐゴシック" charset="0"/>
+              </a:defRPr>
+            </a:lvl7pPr>
+            <a:lvl8pPr marL="3429000" indent="-228600" eaLnBrk="0" fontAlgn="base" hangingPunct="0">
+              <a:spcBef>
+                <a:spcPct val="0"/>
+              </a:spcBef>
+              <a:spcAft>
+                <a:spcPct val="0"/>
+              </a:spcAft>
+              <a:defRPr sz="2400">
+                <a:solidFill>
+                  <a:schemeClr val="tx1"/>
+                </a:solidFill>
+                <a:latin typeface="Arial" charset="0"/>
+                <a:ea typeface="ＭＳ Ｐゴシック" charset="0"/>
+              </a:defRPr>
+            </a:lvl8pPr>
+            <a:lvl9pPr marL="3886200" indent="-228600" eaLnBrk="0" fontAlgn="base" hangingPunct="0">
+              <a:spcBef>
+                <a:spcPct val="0"/>
+              </a:spcBef>
+              <a:spcAft>
+                <a:spcPct val="0"/>
+              </a:spcAft>
+              <a:defRPr sz="2400">
+                <a:solidFill>
+                  <a:schemeClr val="tx1"/>
+                </a:solidFill>
+                <a:latin typeface="Arial" charset="0"/>
+                <a:ea typeface="ＭＳ Ｐゴシック" charset="0"/>
+              </a:defRPr>
+            </a:lvl9pPr>
+          </a:lstStyle>
+          <a:p>
+            <a:pPr algn="ctr" eaLnBrk="1" hangingPunct="1"/>
+            <a:r>
+              <a:rPr lang="en-US" sz="1400" b="1"/>
+              <a:t>Alternative expression</a:t>
+            </a:r>
+          </a:p>
+        </p:txBody>
+      </p:sp>
+      <p:sp>
+        <p:nvSpPr>
+          <p:cNvPr id="12" name="Rounded Rectangle 11"/>
+          <p:cNvSpPr/>
           <p:nvPr/>
-        </p:nvGrpSpPr>
-        <p:grpSpPr bwMode="auto">
+        </p:nvSpPr>
+        <p:spPr bwMode="auto">
           <a:xfrm>
-            <a:off x="6804025" y="3789363"/>
-            <a:ext cx="1655763" cy="1171575"/>
-            <a:chOff x="6804248" y="3861048"/>
-            <a:chExt cx="1656184" cy="1171873"/>
+            <a:off x="6948488" y="4437063"/>
+            <a:ext cx="1366837" cy="719137"/>
           </a:xfrm>
-        </p:grpSpPr>
-        <p:sp>
-          <p:nvSpPr>
-            <p:cNvPr id="12" name="Rounded Rectangle 11"/>
-            <p:cNvSpPr/>
-            <p:nvPr/>
-          </p:nvSpPr>
-          <p:spPr>
-            <a:xfrm>
-              <a:off x="6948748" y="3861048"/>
-              <a:ext cx="1367185" cy="719320"/>
-            </a:xfrm>
-            <a:prstGeom prst="roundRect">
-              <a:avLst/>
-            </a:prstGeom>
-          </p:spPr>
-          <p:style>
-            <a:lnRef idx="1">
-              <a:schemeClr val="accent2"/>
-            </a:lnRef>
-            <a:fillRef idx="2">
-              <a:schemeClr val="accent2"/>
-            </a:fillRef>
-            <a:effectRef idx="1">
-              <a:schemeClr val="accent2"/>
-            </a:effectRef>
-            <a:fontRef idx="minor">
-              <a:schemeClr val="dk1"/>
-            </a:fontRef>
-          </p:style>
-          <p:txBody>
-            <a:bodyPr anchor="ctr"/>
-            <a:lstStyle/>
-            <a:p>
-              <a:pPr algn="ctr">
-                <a:defRPr/>
-              </a:pPr>
-              <a:r>
-                <a:rPr lang="en-US" sz="1200" dirty="0" err="1">
-                  <a:solidFill>
-                    <a:schemeClr val="tx1"/>
-                  </a:solidFill>
-                </a:rPr>
-                <a:t>CummRbund</a:t>
-              </a:r>
-              <a:endParaRPr lang="en-US" sz="1200" dirty="0">
-                <a:solidFill>
-                  <a:schemeClr val="tx1"/>
-                </a:solidFill>
-              </a:endParaRPr>
-            </a:p>
-          </p:txBody>
-        </p:sp>
-        <p:sp>
-          <p:nvSpPr>
-            <p:cNvPr id="19481" name="TextBox 17"/>
-            <p:cNvSpPr txBox="1">
-              <a:spLocks noChangeArrowheads="1"/>
-            </p:cNvSpPr>
-            <p:nvPr/>
-          </p:nvSpPr>
-          <p:spPr bwMode="auto">
-            <a:xfrm>
-              <a:off x="6804248" y="4725144"/>
-              <a:ext cx="1656184" cy="307777"/>
-            </a:xfrm>
-            <a:prstGeom prst="rect">
-              <a:avLst/>
-            </a:prstGeom>
-            <a:noFill/>
-            <a:ln>
-              <a:noFill/>
-            </a:ln>
-            <a:extLst>
-              <a:ext uri="{909E8E84-426E-40dd-AFC4-6F175D3DCCD1}">
-                <a14:hiddenFill xmlns:a14="http://schemas.microsoft.com/office/drawing/2010/main">
-                  <a:solidFill>
-                    <a:srgbClr val="FFFFFF"/>
-                  </a:solidFill>
-                </a14:hiddenFill>
-              </a:ext>
-              <a:ext uri="{91240B29-F687-4f45-9708-019B960494DF}">
-                <a14:hiddenLine xmlns:a14="http://schemas.microsoft.com/office/drawing/2010/main" w="9525">
-                  <a:solidFill>
-                    <a:srgbClr val="000000"/>
-                  </a:solidFill>
-                  <a:miter lim="800000"/>
-                  <a:headEnd/>
-                  <a:tailEnd/>
-                </a14:hiddenLine>
-              </a:ext>
-            </a:extLst>
-          </p:spPr>
-          <p:txBody>
-            <a:bodyPr>
-              <a:spAutoFit/>
-            </a:bodyPr>
-            <a:lstStyle>
-              <a:lvl1pPr eaLnBrk="0" hangingPunct="0">
-                <a:defRPr sz="2400">
-                  <a:solidFill>
-                    <a:schemeClr val="tx1"/>
-                  </a:solidFill>
-                  <a:latin typeface="Arial" charset="0"/>
-                  <a:ea typeface="ＭＳ Ｐゴシック" charset="0"/>
-                  <a:cs typeface="ＭＳ Ｐゴシック" charset="0"/>
-                </a:defRPr>
-              </a:lvl1pPr>
-              <a:lvl2pPr marL="742950" indent="-285750" eaLnBrk="0" hangingPunct="0">
-                <a:defRPr sz="2400">
-                  <a:solidFill>
-                    <a:schemeClr val="tx1"/>
-                  </a:solidFill>
-                  <a:latin typeface="Arial" charset="0"/>
-                  <a:ea typeface="ＭＳ Ｐゴシック" charset="0"/>
-                </a:defRPr>
-              </a:lvl2pPr>
-              <a:lvl3pPr marL="1143000" indent="-228600" eaLnBrk="0" hangingPunct="0">
-                <a:defRPr sz="2400">
-                  <a:solidFill>
-                    <a:schemeClr val="tx1"/>
-                  </a:solidFill>
-                  <a:latin typeface="Arial" charset="0"/>
-                  <a:ea typeface="ＭＳ Ｐゴシック" charset="0"/>
-                </a:defRPr>
-              </a:lvl3pPr>
-              <a:lvl4pPr marL="1600200" indent="-228600" eaLnBrk="0" hangingPunct="0">
-                <a:defRPr sz="2400">
-                  <a:solidFill>
-                    <a:schemeClr val="tx1"/>
-                  </a:solidFill>
-                  <a:latin typeface="Arial" charset="0"/>
-                  <a:ea typeface="ＭＳ Ｐゴシック" charset="0"/>
-                </a:defRPr>
-              </a:lvl4pPr>
-              <a:lvl5pPr marL="2057400" indent="-228600" eaLnBrk="0" hangingPunct="0">
-                <a:defRPr sz="2400">
-                  <a:solidFill>
-                    <a:schemeClr val="tx1"/>
-                  </a:solidFill>
-                  <a:latin typeface="Arial" charset="0"/>
-                  <a:ea typeface="ＭＳ Ｐゴシック" charset="0"/>
-                </a:defRPr>
-              </a:lvl5pPr>
-              <a:lvl6pPr marL="2514600" indent="-228600" eaLnBrk="0" fontAlgn="base" hangingPunct="0">
-                <a:spcBef>
-                  <a:spcPct val="0"/>
-                </a:spcBef>
-                <a:spcAft>
-                  <a:spcPct val="0"/>
-                </a:spcAft>
-                <a:defRPr sz="2400">
-                  <a:solidFill>
-                    <a:schemeClr val="tx1"/>
-                  </a:solidFill>
-                  <a:latin typeface="Arial" charset="0"/>
-                  <a:ea typeface="ＭＳ Ｐゴシック" charset="0"/>
-                </a:defRPr>
-              </a:lvl6pPr>
-              <a:lvl7pPr marL="2971800" indent="-228600" eaLnBrk="0" fontAlgn="base" hangingPunct="0">
-                <a:spcBef>
-                  <a:spcPct val="0"/>
-                </a:spcBef>
-                <a:spcAft>
-                  <a:spcPct val="0"/>
-                </a:spcAft>
-                <a:defRPr sz="2400">
-                  <a:solidFill>
-                    <a:schemeClr val="tx1"/>
-                  </a:solidFill>
-                  <a:latin typeface="Arial" charset="0"/>
-                  <a:ea typeface="ＭＳ Ｐゴシック" charset="0"/>
-                </a:defRPr>
-              </a:lvl7pPr>
-              <a:lvl8pPr marL="3429000" indent="-228600" eaLnBrk="0" fontAlgn="base" hangingPunct="0">
-                <a:spcBef>
-                  <a:spcPct val="0"/>
-                </a:spcBef>
-                <a:spcAft>
-                  <a:spcPct val="0"/>
-                </a:spcAft>
-                <a:defRPr sz="2400">
-                  <a:solidFill>
-                    <a:schemeClr val="tx1"/>
-                  </a:solidFill>
-                  <a:latin typeface="Arial" charset="0"/>
-                  <a:ea typeface="ＭＳ Ｐゴシック" charset="0"/>
-                </a:defRPr>
-              </a:lvl8pPr>
-              <a:lvl9pPr marL="3886200" indent="-228600" eaLnBrk="0" fontAlgn="base" hangingPunct="0">
-                <a:spcBef>
-                  <a:spcPct val="0"/>
-                </a:spcBef>
-                <a:spcAft>
-                  <a:spcPct val="0"/>
-                </a:spcAft>
-                <a:defRPr sz="2400">
-                  <a:solidFill>
-                    <a:schemeClr val="tx1"/>
-                  </a:solidFill>
-                  <a:latin typeface="Arial" charset="0"/>
-                  <a:ea typeface="ＭＳ Ｐゴシック" charset="0"/>
-                </a:defRPr>
-              </a:lvl9pPr>
-            </a:lstStyle>
-            <a:p>
-              <a:pPr algn="ctr" eaLnBrk="1" hangingPunct="1"/>
-              <a:r>
-                <a:rPr lang="en-US" sz="1400" b="1"/>
-                <a:t>Visualization</a:t>
-              </a:r>
-            </a:p>
-          </p:txBody>
-        </p:sp>
-      </p:grpSp>
+          <a:prstGeom prst="roundRect">
+            <a:avLst/>
+          </a:prstGeom>
+        </p:spPr>
+        <p:style>
+          <a:lnRef idx="1">
+            <a:schemeClr val="accent2"/>
+          </a:lnRef>
+          <a:fillRef idx="2">
+            <a:schemeClr val="accent2"/>
+          </a:fillRef>
+          <a:effectRef idx="1">
+            <a:schemeClr val="accent2"/>
+          </a:effectRef>
+          <a:fontRef idx="minor">
+            <a:schemeClr val="dk1"/>
+          </a:fontRef>
+        </p:style>
+        <p:txBody>
+          <a:bodyPr anchor="ctr"/>
+          <a:lstStyle/>
+          <a:p>
+            <a:pPr algn="ctr">
+              <a:defRPr/>
+            </a:pPr>
+            <a:r>
+              <a:rPr lang="en-US" sz="1200" dirty="0" err="1">
+                <a:solidFill>
+                  <a:schemeClr val="tx1"/>
+                </a:solidFill>
+              </a:rPr>
+              <a:t>CummRbund</a:t>
+            </a:r>
+            <a:endParaRPr lang="en-US" sz="1200" dirty="0">
+              <a:solidFill>
+                <a:schemeClr val="tx1"/>
+              </a:solidFill>
+            </a:endParaRPr>
+          </a:p>
+        </p:txBody>
+      </p:sp>
       <p:cxnSp>
         <p:nvCxnSpPr>
           <p:cNvPr id="24" name="Straight Arrow Connector 23"/>
@@ -8726,7 +6320,7 @@
         </p:nvCxnSpPr>
         <p:spPr>
           <a:xfrm>
-            <a:off x="1619250" y="2852738"/>
+            <a:off x="1619250" y="3500438"/>
             <a:ext cx="296863" cy="0"/>
           </a:xfrm>
           <a:prstGeom prst="straightConnector1">
@@ -8762,7 +6356,7 @@
         </p:nvCxnSpPr>
         <p:spPr>
           <a:xfrm>
-            <a:off x="3284538" y="2852738"/>
+            <a:off x="3284538" y="3500438"/>
             <a:ext cx="279400" cy="0"/>
           </a:xfrm>
           <a:prstGeom prst="straightConnector1">
@@ -8798,7 +6392,7 @@
         </p:nvCxnSpPr>
         <p:spPr>
           <a:xfrm>
-            <a:off x="4932363" y="2852738"/>
+            <a:off x="4932363" y="3500438"/>
             <a:ext cx="287337" cy="0"/>
           </a:xfrm>
           <a:prstGeom prst="straightConnector1">
@@ -8834,7 +6428,7 @@
         </p:nvCxnSpPr>
         <p:spPr>
           <a:xfrm>
-            <a:off x="6588125" y="2852738"/>
+            <a:off x="6588125" y="3500438"/>
             <a:ext cx="323850" cy="0"/>
           </a:xfrm>
           <a:prstGeom prst="straightConnector1">
@@ -8870,7 +6464,7 @@
         </p:nvCxnSpPr>
         <p:spPr>
           <a:xfrm>
-            <a:off x="7632700" y="3213100"/>
+            <a:off x="7632700" y="3860800"/>
             <a:ext cx="0" cy="576263"/>
           </a:xfrm>
           <a:prstGeom prst="straightConnector1">
@@ -8903,7 +6497,7 @@
         </p:nvSpPr>
         <p:spPr bwMode="auto">
           <a:xfrm>
-            <a:off x="3563938" y="3789363"/>
+            <a:off x="3563938" y="4437063"/>
             <a:ext cx="1368425" cy="719137"/>
           </a:xfrm>
           <a:prstGeom prst="roundRect">
@@ -8979,7 +6573,7 @@
         </p:nvSpPr>
         <p:spPr bwMode="auto">
           <a:xfrm>
-            <a:off x="1908175" y="3789363"/>
+            <a:off x="1908175" y="4437063"/>
             <a:ext cx="1368425" cy="719137"/>
           </a:xfrm>
           <a:prstGeom prst="roundRect">
@@ -9055,7 +6649,7 @@
         </p:nvSpPr>
         <p:spPr bwMode="auto">
           <a:xfrm>
-            <a:off x="250825" y="3789363"/>
+            <a:off x="250825" y="4437063"/>
             <a:ext cx="1368425" cy="719137"/>
           </a:xfrm>
           <a:prstGeom prst="roundRect">
@@ -9134,7 +6728,7 @@
         </p:nvCxnSpPr>
         <p:spPr>
           <a:xfrm flipH="1" flipV="1">
-            <a:off x="935038" y="3213100"/>
+            <a:off x="935038" y="3860800"/>
             <a:ext cx="0" cy="576263"/>
           </a:xfrm>
           <a:prstGeom prst="straightConnector1">
@@ -9170,7 +6764,7 @@
         </p:nvCxnSpPr>
         <p:spPr>
           <a:xfrm flipV="1">
-            <a:off x="2592388" y="3213100"/>
+            <a:off x="2592388" y="3860800"/>
             <a:ext cx="7937" cy="576263"/>
           </a:xfrm>
           <a:prstGeom prst="straightConnector1">
@@ -9206,7 +6800,7 @@
         </p:nvCxnSpPr>
         <p:spPr>
           <a:xfrm flipV="1">
-            <a:off x="4248150" y="3213100"/>
+            <a:off x="4248150" y="3860800"/>
             <a:ext cx="0" cy="576263"/>
           </a:xfrm>
           <a:prstGeom prst="straightConnector1">
@@ -9233,7 +6827,7 @@
       </p:cxnSp>
       <p:sp>
         <p:nvSpPr>
-          <p:cNvPr id="19478" name="TextBox 3"/>
+          <p:cNvPr id="25622" name="TextBox 3"/>
           <p:cNvSpPr txBox="1">
             <a:spLocks noChangeArrowheads="1"/>
           </p:cNvSpPr>
@@ -9241,7 +6835,7 @@
         </p:nvSpPr>
         <p:spPr bwMode="auto">
           <a:xfrm>
-            <a:off x="2192338" y="4776788"/>
+            <a:off x="2192338" y="5424488"/>
             <a:ext cx="723900" cy="307975"/>
           </a:xfrm>
           <a:prstGeom prst="rect">
@@ -9400,8 +6994,8 @@
         </p:nvSpPr>
         <p:spPr>
           <a:xfrm>
-            <a:off x="3419475" y="1628775"/>
-            <a:ext cx="1657350" cy="1800225"/>
+            <a:off x="3348038" y="2276475"/>
+            <a:ext cx="5184775" cy="1800225"/>
           </a:xfrm>
           <a:prstGeom prst="roundRect">
             <a:avLst/>
@@ -9471,7 +7065,7 @@
     </p:spTree>
     <p:extLst>
       <p:ext uri="{BB962C8B-B14F-4D97-AF65-F5344CB8AC3E}">
-        <p14:creationId xmlns:p14="http://schemas.microsoft.com/office/powerpoint/2010/main" val="1039282898"/>
+        <p14:creationId xmlns:p14="http://schemas.microsoft.com/office/powerpoint/2010/main" val="1736716953"/>
       </p:ext>
     </p:extLst>
   </p:cSld>
@@ -9488,7 +7082,392 @@
 </p:sld>
 </file>
 
-<file path=ppt/slides/slide21.xml><?xml version="1.0" encoding="utf-8"?>
+<file path=ppt/slides/slide15.xml><?xml version="1.0" encoding="utf-8"?>
+<p:sld xmlns:a="http://schemas.openxmlformats.org/drawingml/2006/main" xmlns:r="http://schemas.openxmlformats.org/officeDocument/2006/relationships" xmlns:p="http://schemas.openxmlformats.org/presentationml/2006/main">
+  <p:cSld>
+    <p:spTree>
+      <p:nvGrpSpPr>
+        <p:cNvPr id="1" name=""/>
+        <p:cNvGrpSpPr/>
+        <p:nvPr/>
+      </p:nvGrpSpPr>
+      <p:grpSpPr>
+        <a:xfrm>
+          <a:off x="0" y="0"/>
+          <a:ext cx="0" cy="0"/>
+          <a:chOff x="0" y="0"/>
+          <a:chExt cx="0" cy="0"/>
+        </a:xfrm>
+      </p:grpSpPr>
+      <p:sp>
+        <p:nvSpPr>
+          <p:cNvPr id="26625" name="Title 1"/>
+          <p:cNvSpPr>
+            <a:spLocks noGrp="1"/>
+          </p:cNvSpPr>
+          <p:nvPr>
+            <p:ph type="title"/>
+          </p:nvPr>
+        </p:nvSpPr>
+        <p:spPr>
+          <a:xfrm>
+            <a:off x="152400" y="-26988"/>
+            <a:ext cx="8839200" cy="1143001"/>
+          </a:xfrm>
+        </p:spPr>
+        <p:txBody>
+          <a:bodyPr/>
+          <a:lstStyle/>
+          <a:p>
+            <a:r>
+              <a:rPr lang="en-US">
+                <a:latin typeface="Calibri" charset="0"/>
+                <a:ea typeface="ＭＳ Ｐゴシック" charset="0"/>
+              </a:rPr>
+              <a:t>What if I don’t have a reference genome for my species?</a:t>
+            </a:r>
+          </a:p>
+        </p:txBody>
+      </p:sp>
+      <p:sp>
+        <p:nvSpPr>
+          <p:cNvPr id="3" name="Content Placeholder 2"/>
+          <p:cNvSpPr>
+            <a:spLocks noGrp="1"/>
+          </p:cNvSpPr>
+          <p:nvPr>
+            <p:ph idx="1"/>
+          </p:nvPr>
+        </p:nvSpPr>
+        <p:spPr/>
+        <p:txBody>
+          <a:bodyPr>
+            <a:normAutofit lnSpcReduction="10000"/>
+          </a:bodyPr>
+          <a:lstStyle/>
+          <a:p>
+            <a:pPr>
+              <a:defRPr/>
+            </a:pPr>
+            <a:r>
+              <a:rPr lang="en-US" dirty="0" smtClean="0"/>
+              <a:t>Have you considered sequencing the genome of your species?</a:t>
+            </a:r>
+          </a:p>
+          <a:p>
+            <a:pPr>
+              <a:defRPr/>
+            </a:pPr>
+            <a:endParaRPr lang="en-US" dirty="0"/>
+          </a:p>
+          <a:p>
+            <a:pPr>
+              <a:defRPr/>
+            </a:pPr>
+            <a:r>
+              <a:rPr lang="en-US" dirty="0" smtClean="0"/>
+              <a:t>If that is not practical or you simply prefer a transcript discovery approach that does not rely on prior knowledge of the genome or transcriptome there are some tools available ...</a:t>
+            </a:r>
+          </a:p>
+          <a:p>
+            <a:pPr lvl="1">
+              <a:defRPr/>
+            </a:pPr>
+            <a:r>
+              <a:rPr lang="en-US" dirty="0" smtClean="0"/>
+              <a:t>Unfortunately de novo transcriptome assembly is beyond the scope of this workshop</a:t>
+            </a:r>
+          </a:p>
+          <a:p>
+            <a:pPr lvl="1">
+              <a:defRPr/>
+            </a:pPr>
+            <a:r>
+              <a:rPr lang="en-US" dirty="0" smtClean="0"/>
+              <a:t>The good news is that the skills you learn here will help you figure out how to install and run those tools yourself</a:t>
+            </a:r>
+            <a:endParaRPr lang="en-US" dirty="0"/>
+          </a:p>
+        </p:txBody>
+      </p:sp>
+    </p:spTree>
+    <p:extLst>
+      <p:ext uri="{BB962C8B-B14F-4D97-AF65-F5344CB8AC3E}">
+        <p14:creationId xmlns:p14="http://schemas.microsoft.com/office/powerpoint/2010/main" val="3742767028"/>
+      </p:ext>
+    </p:extLst>
+  </p:cSld>
+  <p:clrMapOvr>
+    <a:masterClrMapping/>
+  </p:clrMapOvr>
+</p:sld>
+</file>
+
+<file path=ppt/slides/slide16.xml><?xml version="1.0" encoding="utf-8"?>
+<p:sld xmlns:a="http://schemas.openxmlformats.org/drawingml/2006/main" xmlns:r="http://schemas.openxmlformats.org/officeDocument/2006/relationships" xmlns:p="http://schemas.openxmlformats.org/presentationml/2006/main">
+  <p:cSld>
+    <p:spTree>
+      <p:nvGrpSpPr>
+        <p:cNvPr id="1" name=""/>
+        <p:cNvGrpSpPr/>
+        <p:nvPr/>
+      </p:nvGrpSpPr>
+      <p:grpSpPr>
+        <a:xfrm>
+          <a:off x="0" y="0"/>
+          <a:ext cx="0" cy="0"/>
+          <a:chOff x="0" y="0"/>
+          <a:chExt cx="0" cy="0"/>
+        </a:xfrm>
+      </p:grpSpPr>
+      <p:sp>
+        <p:nvSpPr>
+          <p:cNvPr id="27649" name="Title 1"/>
+          <p:cNvSpPr>
+            <a:spLocks noGrp="1"/>
+          </p:cNvSpPr>
+          <p:nvPr>
+            <p:ph type="title"/>
+          </p:nvPr>
+        </p:nvSpPr>
+        <p:spPr>
+          <a:xfrm>
+            <a:off x="152400" y="-26988"/>
+            <a:ext cx="8839200" cy="1143001"/>
+          </a:xfrm>
+        </p:spPr>
+        <p:txBody>
+          <a:bodyPr/>
+          <a:lstStyle/>
+          <a:p>
+            <a:r>
+              <a:rPr lang="en-US">
+                <a:latin typeface="Calibri" charset="0"/>
+                <a:ea typeface="ＭＳ Ｐゴシック" charset="0"/>
+              </a:rPr>
+              <a:t>Methods to study splicing by RNA-seq</a:t>
+            </a:r>
+          </a:p>
+        </p:txBody>
+      </p:sp>
+      <p:pic>
+        <p:nvPicPr>
+          <p:cNvPr id="27650" name="Content Placeholder 3" descr="RNAseqToolsForAlternativeSplicing.jpg"/>
+          <p:cNvPicPr>
+            <a:picLocks noGrp="1" noChangeAspect="1"/>
+          </p:cNvPicPr>
+          <p:nvPr>
+            <p:ph idx="1"/>
+          </p:nvPr>
+        </p:nvPicPr>
+        <p:blipFill>
+          <a:blip r:embed="rId2">
+            <a:extLst>
+              <a:ext uri="{28A0092B-C50C-407E-A947-70E740481C1C}">
+                <a14:useLocalDpi xmlns:a14="http://schemas.microsoft.com/office/drawing/2010/main" val="0"/>
+              </a:ext>
+            </a:extLst>
+          </a:blip>
+          <a:srcRect l="5405" t="24612" r="51976" b="53220"/>
+          <a:stretch>
+            <a:fillRect/>
+          </a:stretch>
+        </p:blipFill>
+        <p:spPr>
+          <a:xfrm>
+            <a:off x="395288" y="1412875"/>
+            <a:ext cx="7777162" cy="4044950"/>
+          </a:xfrm>
+        </p:spPr>
+      </p:pic>
+      <p:sp>
+        <p:nvSpPr>
+          <p:cNvPr id="27651" name="TextBox 4"/>
+          <p:cNvSpPr txBox="1">
+            <a:spLocks noChangeArrowheads="1"/>
+          </p:cNvSpPr>
+          <p:nvPr/>
+        </p:nvSpPr>
+        <p:spPr bwMode="auto">
+          <a:xfrm>
+            <a:off x="533400" y="5876925"/>
+            <a:ext cx="8070850" cy="523875"/>
+          </a:xfrm>
+          <a:prstGeom prst="rect">
+            <a:avLst/>
+          </a:prstGeom>
+          <a:noFill/>
+          <a:ln>
+            <a:noFill/>
+          </a:ln>
+          <a:extLst>
+            <a:ext uri="{909E8E84-426E-40dd-AFC4-6F175D3DCCD1}">
+              <a14:hiddenFill xmlns:a14="http://schemas.microsoft.com/office/drawing/2010/main">
+                <a:solidFill>
+                  <a:srgbClr val="FFFFFF"/>
+                </a:solidFill>
+              </a14:hiddenFill>
+            </a:ext>
+            <a:ext uri="{91240B29-F687-4f45-9708-019B960494DF}">
+              <a14:hiddenLine xmlns:a14="http://schemas.microsoft.com/office/drawing/2010/main" w="9525">
+                <a:solidFill>
+                  <a:srgbClr val="000000"/>
+                </a:solidFill>
+                <a:miter lim="800000"/>
+                <a:headEnd/>
+                <a:tailEnd/>
+              </a14:hiddenLine>
+            </a:ext>
+          </a:extLst>
+        </p:spPr>
+        <p:txBody>
+          <a:bodyPr wrap="none">
+            <a:spAutoFit/>
+          </a:bodyPr>
+          <a:lstStyle>
+            <a:lvl1pPr eaLnBrk="0" hangingPunct="0">
+              <a:defRPr sz="2400">
+                <a:solidFill>
+                  <a:schemeClr val="tx1"/>
+                </a:solidFill>
+                <a:latin typeface="Arial" charset="0"/>
+                <a:ea typeface="ＭＳ Ｐゴシック" charset="0"/>
+                <a:cs typeface="ＭＳ Ｐゴシック" charset="0"/>
+              </a:defRPr>
+            </a:lvl1pPr>
+            <a:lvl2pPr marL="742950" indent="-285750" eaLnBrk="0" hangingPunct="0">
+              <a:defRPr sz="2400">
+                <a:solidFill>
+                  <a:schemeClr val="tx1"/>
+                </a:solidFill>
+                <a:latin typeface="Arial" charset="0"/>
+                <a:ea typeface="ＭＳ Ｐゴシック" charset="0"/>
+              </a:defRPr>
+            </a:lvl2pPr>
+            <a:lvl3pPr marL="1143000" indent="-228600" eaLnBrk="0" hangingPunct="0">
+              <a:defRPr sz="2400">
+                <a:solidFill>
+                  <a:schemeClr val="tx1"/>
+                </a:solidFill>
+                <a:latin typeface="Arial" charset="0"/>
+                <a:ea typeface="ＭＳ Ｐゴシック" charset="0"/>
+              </a:defRPr>
+            </a:lvl3pPr>
+            <a:lvl4pPr marL="1600200" indent="-228600" eaLnBrk="0" hangingPunct="0">
+              <a:defRPr sz="2400">
+                <a:solidFill>
+                  <a:schemeClr val="tx1"/>
+                </a:solidFill>
+                <a:latin typeface="Arial" charset="0"/>
+                <a:ea typeface="ＭＳ Ｐゴシック" charset="0"/>
+              </a:defRPr>
+            </a:lvl4pPr>
+            <a:lvl5pPr marL="2057400" indent="-228600" eaLnBrk="0" hangingPunct="0">
+              <a:defRPr sz="2400">
+                <a:solidFill>
+                  <a:schemeClr val="tx1"/>
+                </a:solidFill>
+                <a:latin typeface="Arial" charset="0"/>
+                <a:ea typeface="ＭＳ Ｐゴシック" charset="0"/>
+              </a:defRPr>
+            </a:lvl5pPr>
+            <a:lvl6pPr marL="2514600" indent="-228600" eaLnBrk="0" fontAlgn="base" hangingPunct="0">
+              <a:spcBef>
+                <a:spcPct val="0"/>
+              </a:spcBef>
+              <a:spcAft>
+                <a:spcPct val="0"/>
+              </a:spcAft>
+              <a:defRPr sz="2400">
+                <a:solidFill>
+                  <a:schemeClr val="tx1"/>
+                </a:solidFill>
+                <a:latin typeface="Arial" charset="0"/>
+                <a:ea typeface="ＭＳ Ｐゴシック" charset="0"/>
+              </a:defRPr>
+            </a:lvl6pPr>
+            <a:lvl7pPr marL="2971800" indent="-228600" eaLnBrk="0" fontAlgn="base" hangingPunct="0">
+              <a:spcBef>
+                <a:spcPct val="0"/>
+              </a:spcBef>
+              <a:spcAft>
+                <a:spcPct val="0"/>
+              </a:spcAft>
+              <a:defRPr sz="2400">
+                <a:solidFill>
+                  <a:schemeClr val="tx1"/>
+                </a:solidFill>
+                <a:latin typeface="Arial" charset="0"/>
+                <a:ea typeface="ＭＳ Ｐゴシック" charset="0"/>
+              </a:defRPr>
+            </a:lvl7pPr>
+            <a:lvl8pPr marL="3429000" indent="-228600" eaLnBrk="0" fontAlgn="base" hangingPunct="0">
+              <a:spcBef>
+                <a:spcPct val="0"/>
+              </a:spcBef>
+              <a:spcAft>
+                <a:spcPct val="0"/>
+              </a:spcAft>
+              <a:defRPr sz="2400">
+                <a:solidFill>
+                  <a:schemeClr val="tx1"/>
+                </a:solidFill>
+                <a:latin typeface="Arial" charset="0"/>
+                <a:ea typeface="ＭＳ Ｐゴシック" charset="0"/>
+              </a:defRPr>
+            </a:lvl8pPr>
+            <a:lvl9pPr marL="3886200" indent="-228600" eaLnBrk="0" fontAlgn="base" hangingPunct="0">
+              <a:spcBef>
+                <a:spcPct val="0"/>
+              </a:spcBef>
+              <a:spcAft>
+                <a:spcPct val="0"/>
+              </a:spcAft>
+              <a:defRPr sz="2400">
+                <a:solidFill>
+                  <a:schemeClr val="tx1"/>
+                </a:solidFill>
+                <a:latin typeface="Arial" charset="0"/>
+                <a:ea typeface="ＭＳ Ｐゴシック" charset="0"/>
+              </a:defRPr>
+            </a:lvl9pPr>
+          </a:lstStyle>
+          <a:p>
+            <a:pPr eaLnBrk="1" hangingPunct="1"/>
+            <a:r>
+              <a:rPr lang="en-US" sz="1400">
+                <a:hlinkClick r:id="rId3"/>
+              </a:rPr>
+              <a:t>http://www.rna-seqblog.com/data-analysis/splicing-junction/methods-to-study-splicing-from-rna-seq/</a:t>
+            </a:r>
+            <a:endParaRPr lang="en-US" sz="1400"/>
+          </a:p>
+          <a:p>
+            <a:pPr eaLnBrk="1" hangingPunct="1"/>
+            <a:r>
+              <a:rPr lang="en-US" sz="1400">
+                <a:hlinkClick r:id="rId4"/>
+              </a:rPr>
+              <a:t>http://arxiv.org/ftp/arxiv/papers/1304/1304.5952.pdf</a:t>
+            </a:r>
+            <a:endParaRPr lang="en-US" sz="1400"/>
+          </a:p>
+        </p:txBody>
+      </p:sp>
+    </p:spTree>
+    <p:extLst>
+      <p:ext uri="{BB962C8B-B14F-4D97-AF65-F5344CB8AC3E}">
+        <p14:creationId xmlns:p14="http://schemas.microsoft.com/office/powerpoint/2010/main" val="3178582186"/>
+      </p:ext>
+    </p:extLst>
+  </p:cSld>
+  <p:clrMapOvr>
+    <a:masterClrMapping/>
+  </p:clrMapOvr>
+</p:sld>
+</file>
+
+<file path=ppt/slides/slide17.xml><?xml version="1.0" encoding="utf-8"?>
 <p:sld xmlns:a="http://schemas.openxmlformats.org/drawingml/2006/main" xmlns:r="http://schemas.openxmlformats.org/officeDocument/2006/relationships" xmlns:p="http://schemas.openxmlformats.org/presentationml/2006/main">
   <p:cSld>
     <p:spTree>
@@ -9544,6 +7523,593 @@
   <p:clrMapOvr>
     <a:masterClrMapping/>
   </p:clrMapOvr>
+</p:sld>
+</file>
+
+<file path=ppt/slides/slide2.xml><?xml version="1.0" encoding="utf-8"?>
+<p:sld xmlns:a="http://schemas.openxmlformats.org/drawingml/2006/main" xmlns:r="http://schemas.openxmlformats.org/officeDocument/2006/relationships" xmlns:p="http://schemas.openxmlformats.org/presentationml/2006/main">
+  <p:cSld>
+    <p:spTree>
+      <p:nvGrpSpPr>
+        <p:cNvPr id="1" name=""/>
+        <p:cNvGrpSpPr/>
+        <p:nvPr/>
+      </p:nvGrpSpPr>
+      <p:grpSpPr>
+        <a:xfrm>
+          <a:off x="0" y="0"/>
+          <a:ext cx="0" cy="0"/>
+          <a:chOff x="0" y="0"/>
+          <a:chExt cx="0" cy="0"/>
+        </a:xfrm>
+      </p:grpSpPr>
+      <p:sp>
+        <p:nvSpPr>
+          <p:cNvPr id="57" name="Rectangle 56"/>
+          <p:cNvSpPr/>
+          <p:nvPr/>
+        </p:nvSpPr>
+        <p:spPr>
+          <a:xfrm>
+            <a:off x="0" y="2514600"/>
+            <a:ext cx="6172200" cy="4343400"/>
+          </a:xfrm>
+          <a:prstGeom prst="rect">
+            <a:avLst/>
+          </a:prstGeom>
+          <a:solidFill>
+            <a:schemeClr val="accent1">
+              <a:alpha val="18000"/>
+            </a:schemeClr>
+          </a:solidFill>
+          <a:ln>
+            <a:noFill/>
+          </a:ln>
+        </p:spPr>
+        <p:style>
+          <a:lnRef idx="1">
+            <a:schemeClr val="accent1"/>
+          </a:lnRef>
+          <a:fillRef idx="3">
+            <a:schemeClr val="accent1"/>
+          </a:fillRef>
+          <a:effectRef idx="2">
+            <a:schemeClr val="accent1"/>
+          </a:effectRef>
+          <a:fontRef idx="minor">
+            <a:schemeClr val="lt1"/>
+          </a:fontRef>
+        </p:style>
+        <p:txBody>
+          <a:bodyPr anchor="ctr"/>
+          <a:lstStyle/>
+          <a:p>
+            <a:pPr algn="ctr">
+              <a:defRPr/>
+            </a:pPr>
+            <a:endParaRPr lang="en-US" sz="1800">
+              <a:solidFill>
+                <a:srgbClr val="FFFFFF"/>
+              </a:solidFill>
+              <a:latin typeface="Calibri" charset="0"/>
+              <a:ea typeface="ＭＳ Ｐゴシック" charset="0"/>
+              <a:cs typeface="Calibri" charset="0"/>
+            </a:endParaRPr>
+          </a:p>
+        </p:txBody>
+      </p:sp>
+      <p:pic>
+        <p:nvPicPr>
+          <p:cNvPr id="10242" name="Picture 4" descr="TGI_logo_V_2color_bevel.tiff"/>
+          <p:cNvPicPr>
+            <a:picLocks noChangeAspect="1"/>
+          </p:cNvPicPr>
+          <p:nvPr/>
+        </p:nvPicPr>
+        <p:blipFill>
+          <a:blip r:embed="rId2">
+            <a:extLst>
+              <a:ext uri="{28A0092B-C50C-407E-A947-70E740481C1C}">
+                <a14:useLocalDpi xmlns:a14="http://schemas.microsoft.com/office/drawing/2010/main" val="0"/>
+              </a:ext>
+            </a:extLst>
+          </a:blip>
+          <a:srcRect l="31865" t="30911" r="32492" b="27831"/>
+          <a:stretch>
+            <a:fillRect/>
+          </a:stretch>
+        </p:blipFill>
+        <p:spPr bwMode="auto">
+          <a:xfrm>
+            <a:off x="6588125" y="3744913"/>
+            <a:ext cx="2181225" cy="1893887"/>
+          </a:xfrm>
+          <a:prstGeom prst="rect">
+            <a:avLst/>
+          </a:prstGeom>
+          <a:noFill/>
+          <a:ln>
+            <a:noFill/>
+          </a:ln>
+          <a:extLst>
+            <a:ext uri="{909E8E84-426E-40dd-AFC4-6F175D3DCCD1}">
+              <a14:hiddenFill xmlns:a14="http://schemas.microsoft.com/office/drawing/2010/main">
+                <a:solidFill>
+                  <a:srgbClr val="FFFFFF"/>
+                </a:solidFill>
+              </a14:hiddenFill>
+            </a:ext>
+            <a:ext uri="{91240B29-F687-4f45-9708-019B960494DF}">
+              <a14:hiddenLine xmlns:a14="http://schemas.microsoft.com/office/drawing/2010/main" w="9525">
+                <a:solidFill>
+                  <a:srgbClr val="000000"/>
+                </a:solidFill>
+                <a:miter lim="800000"/>
+                <a:headEnd/>
+                <a:tailEnd/>
+              </a14:hiddenLine>
+            </a:ext>
+          </a:extLst>
+        </p:spPr>
+      </p:pic>
+      <p:pic>
+        <p:nvPicPr>
+          <p:cNvPr id="10243" name="Picture 1" descr="RNA-Seq-alignment.png"/>
+          <p:cNvPicPr>
+            <a:picLocks noChangeAspect="1"/>
+          </p:cNvPicPr>
+          <p:nvPr/>
+        </p:nvPicPr>
+        <p:blipFill>
+          <a:blip r:embed="rId3">
+            <a:extLst>
+              <a:ext uri="{28A0092B-C50C-407E-A947-70E740481C1C}">
+                <a14:useLocalDpi xmlns:a14="http://schemas.microsoft.com/office/drawing/2010/main" val="0"/>
+              </a:ext>
+            </a:extLst>
+          </a:blip>
+          <a:srcRect/>
+          <a:stretch>
+            <a:fillRect/>
+          </a:stretch>
+        </p:blipFill>
+        <p:spPr bwMode="auto">
+          <a:xfrm>
+            <a:off x="900113" y="2636838"/>
+            <a:ext cx="4248150" cy="4068762"/>
+          </a:xfrm>
+          <a:prstGeom prst="rect">
+            <a:avLst/>
+          </a:prstGeom>
+          <a:noFill/>
+          <a:ln>
+            <a:noFill/>
+          </a:ln>
+          <a:extLst>
+            <a:ext uri="{909E8E84-426E-40dd-AFC4-6F175D3DCCD1}">
+              <a14:hiddenFill xmlns:a14="http://schemas.microsoft.com/office/drawing/2010/main">
+                <a:solidFill>
+                  <a:srgbClr val="FFFFFF"/>
+                </a:solidFill>
+              </a14:hiddenFill>
+            </a:ext>
+            <a:ext uri="{91240B29-F687-4f45-9708-019B960494DF}">
+              <a14:hiddenLine xmlns:a14="http://schemas.microsoft.com/office/drawing/2010/main" w="9525">
+                <a:solidFill>
+                  <a:srgbClr val="000000"/>
+                </a:solidFill>
+                <a:miter lim="800000"/>
+                <a:headEnd/>
+                <a:tailEnd/>
+              </a14:hiddenLine>
+            </a:ext>
+          </a:extLst>
+        </p:spPr>
+      </p:pic>
+      <p:sp>
+        <p:nvSpPr>
+          <p:cNvPr id="10244" name="Title 1"/>
+          <p:cNvSpPr txBox="1">
+            <a:spLocks/>
+          </p:cNvSpPr>
+          <p:nvPr/>
+        </p:nvSpPr>
+        <p:spPr bwMode="auto">
+          <a:xfrm>
+            <a:off x="2943225" y="365125"/>
+            <a:ext cx="6019800" cy="838200"/>
+          </a:xfrm>
+          <a:prstGeom prst="rect">
+            <a:avLst/>
+          </a:prstGeom>
+          <a:noFill/>
+          <a:ln>
+            <a:noFill/>
+          </a:ln>
+          <a:extLst>
+            <a:ext uri="{909E8E84-426E-40dd-AFC4-6F175D3DCCD1}">
+              <a14:hiddenFill xmlns:a14="http://schemas.microsoft.com/office/drawing/2010/main">
+                <a:solidFill>
+                  <a:srgbClr val="FFFFFF"/>
+                </a:solidFill>
+              </a14:hiddenFill>
+            </a:ext>
+            <a:ext uri="{91240B29-F687-4f45-9708-019B960494DF}">
+              <a14:hiddenLine xmlns:a14="http://schemas.microsoft.com/office/drawing/2010/main" w="9525">
+                <a:solidFill>
+                  <a:srgbClr val="000000"/>
+                </a:solidFill>
+                <a:miter lim="800000"/>
+                <a:headEnd/>
+                <a:tailEnd/>
+              </a14:hiddenLine>
+            </a:ext>
+          </a:extLst>
+        </p:spPr>
+        <p:txBody>
+          <a:bodyPr anchor="ctr"/>
+          <a:lstStyle>
+            <a:lvl1pPr eaLnBrk="0" hangingPunct="0">
+              <a:defRPr sz="2400">
+                <a:solidFill>
+                  <a:schemeClr val="tx1"/>
+                </a:solidFill>
+                <a:latin typeface="Arial" charset="0"/>
+                <a:ea typeface="ＭＳ Ｐゴシック" charset="0"/>
+                <a:cs typeface="ＭＳ Ｐゴシック" charset="0"/>
+              </a:defRPr>
+            </a:lvl1pPr>
+            <a:lvl2pPr marL="742950" indent="-285750" eaLnBrk="0" hangingPunct="0">
+              <a:defRPr sz="2400">
+                <a:solidFill>
+                  <a:schemeClr val="tx1"/>
+                </a:solidFill>
+                <a:latin typeface="Arial" charset="0"/>
+                <a:ea typeface="ＭＳ Ｐゴシック" charset="0"/>
+              </a:defRPr>
+            </a:lvl2pPr>
+            <a:lvl3pPr marL="1143000" indent="-228600" eaLnBrk="0" hangingPunct="0">
+              <a:defRPr sz="2400">
+                <a:solidFill>
+                  <a:schemeClr val="tx1"/>
+                </a:solidFill>
+                <a:latin typeface="Arial" charset="0"/>
+                <a:ea typeface="ＭＳ Ｐゴシック" charset="0"/>
+              </a:defRPr>
+            </a:lvl3pPr>
+            <a:lvl4pPr marL="1600200" indent="-228600" eaLnBrk="0" hangingPunct="0">
+              <a:defRPr sz="2400">
+                <a:solidFill>
+                  <a:schemeClr val="tx1"/>
+                </a:solidFill>
+                <a:latin typeface="Arial" charset="0"/>
+                <a:ea typeface="ＭＳ Ｐゴシック" charset="0"/>
+              </a:defRPr>
+            </a:lvl4pPr>
+            <a:lvl5pPr marL="2057400" indent="-228600" eaLnBrk="0" hangingPunct="0">
+              <a:defRPr sz="2400">
+                <a:solidFill>
+                  <a:schemeClr val="tx1"/>
+                </a:solidFill>
+                <a:latin typeface="Arial" charset="0"/>
+                <a:ea typeface="ＭＳ Ｐゴシック" charset="0"/>
+              </a:defRPr>
+            </a:lvl5pPr>
+            <a:lvl6pPr marL="2514600" indent="-228600" eaLnBrk="0" fontAlgn="base" hangingPunct="0">
+              <a:spcBef>
+                <a:spcPct val="0"/>
+              </a:spcBef>
+              <a:spcAft>
+                <a:spcPct val="0"/>
+              </a:spcAft>
+              <a:defRPr sz="2400">
+                <a:solidFill>
+                  <a:schemeClr val="tx1"/>
+                </a:solidFill>
+                <a:latin typeface="Arial" charset="0"/>
+                <a:ea typeface="ＭＳ Ｐゴシック" charset="0"/>
+              </a:defRPr>
+            </a:lvl6pPr>
+            <a:lvl7pPr marL="2971800" indent="-228600" eaLnBrk="0" fontAlgn="base" hangingPunct="0">
+              <a:spcBef>
+                <a:spcPct val="0"/>
+              </a:spcBef>
+              <a:spcAft>
+                <a:spcPct val="0"/>
+              </a:spcAft>
+              <a:defRPr sz="2400">
+                <a:solidFill>
+                  <a:schemeClr val="tx1"/>
+                </a:solidFill>
+                <a:latin typeface="Arial" charset="0"/>
+                <a:ea typeface="ＭＳ Ｐゴシック" charset="0"/>
+              </a:defRPr>
+            </a:lvl7pPr>
+            <a:lvl8pPr marL="3429000" indent="-228600" eaLnBrk="0" fontAlgn="base" hangingPunct="0">
+              <a:spcBef>
+                <a:spcPct val="0"/>
+              </a:spcBef>
+              <a:spcAft>
+                <a:spcPct val="0"/>
+              </a:spcAft>
+              <a:defRPr sz="2400">
+                <a:solidFill>
+                  <a:schemeClr val="tx1"/>
+                </a:solidFill>
+                <a:latin typeface="Arial" charset="0"/>
+                <a:ea typeface="ＭＳ Ｐゴシック" charset="0"/>
+              </a:defRPr>
+            </a:lvl8pPr>
+            <a:lvl9pPr marL="3886200" indent="-228600" eaLnBrk="0" fontAlgn="base" hangingPunct="0">
+              <a:spcBef>
+                <a:spcPct val="0"/>
+              </a:spcBef>
+              <a:spcAft>
+                <a:spcPct val="0"/>
+              </a:spcAft>
+              <a:defRPr sz="2400">
+                <a:solidFill>
+                  <a:schemeClr val="tx1"/>
+                </a:solidFill>
+                <a:latin typeface="Arial" charset="0"/>
+                <a:ea typeface="ＭＳ Ｐゴシック" charset="0"/>
+              </a:defRPr>
+            </a:lvl9pPr>
+          </a:lstStyle>
+          <a:p>
+            <a:pPr algn="r" eaLnBrk="1" hangingPunct="1"/>
+            <a:r>
+              <a:rPr lang="en-US" sz="2000" dirty="0" smtClean="0">
+                <a:solidFill>
+                  <a:schemeClr val="bg1"/>
+                </a:solidFill>
+                <a:latin typeface="Calibri" charset="0"/>
+                <a:cs typeface="Segoe UI" charset="0"/>
+              </a:rPr>
+              <a:t>RNA-</a:t>
+            </a:r>
+            <a:r>
+              <a:rPr lang="en-US" sz="2000" dirty="0" err="1">
+                <a:solidFill>
+                  <a:schemeClr val="bg1"/>
+                </a:solidFill>
+                <a:latin typeface="Calibri" charset="0"/>
+                <a:cs typeface="Segoe UI" charset="0"/>
+              </a:rPr>
+              <a:t>S</a:t>
+            </a:r>
+            <a:r>
+              <a:rPr lang="en-US" sz="2000" dirty="0" err="1" smtClean="0">
+                <a:solidFill>
+                  <a:schemeClr val="bg1"/>
+                </a:solidFill>
+                <a:latin typeface="Calibri" charset="0"/>
+                <a:cs typeface="Segoe UI" charset="0"/>
+              </a:rPr>
+              <a:t>eq</a:t>
+            </a:r>
+            <a:r>
+              <a:rPr lang="en-US" sz="2000" dirty="0" smtClean="0">
+                <a:solidFill>
+                  <a:schemeClr val="bg1"/>
+                </a:solidFill>
+                <a:latin typeface="Calibri" charset="0"/>
+                <a:cs typeface="Segoe UI" charset="0"/>
+              </a:rPr>
+              <a:t> Module </a:t>
+            </a:r>
+            <a:r>
+              <a:rPr lang="en-US" sz="2000" dirty="0">
+                <a:solidFill>
+                  <a:schemeClr val="bg1"/>
+                </a:solidFill>
+                <a:latin typeface="Calibri" charset="0"/>
+                <a:cs typeface="Segoe UI" charset="0"/>
+              </a:rPr>
+              <a:t>4</a:t>
+            </a:r>
+            <a:r>
+              <a:rPr lang="en-US" sz="2000" dirty="0">
+                <a:solidFill>
+                  <a:schemeClr val="bg1"/>
+                </a:solidFill>
+                <a:latin typeface="Calibri" charset="0"/>
+                <a:cs typeface="Segoe UI" charset="0"/>
+              </a:rPr>
+              <a:t/>
+            </a:r>
+            <a:br>
+              <a:rPr lang="en-US" sz="2000" dirty="0">
+                <a:solidFill>
+                  <a:schemeClr val="bg1"/>
+                </a:solidFill>
+                <a:latin typeface="Calibri" charset="0"/>
+                <a:cs typeface="Segoe UI" charset="0"/>
+              </a:rPr>
+            </a:br>
+            <a:r>
+              <a:rPr lang="en-US" sz="2000" dirty="0">
+                <a:solidFill>
+                  <a:schemeClr val="bg1"/>
+                </a:solidFill>
+                <a:latin typeface="Calibri" charset="0"/>
+                <a:cs typeface="Segoe UI" charset="0"/>
+              </a:rPr>
+              <a:t>Isoform </a:t>
+            </a:r>
+            <a:r>
+              <a:rPr lang="en-US" sz="2000" dirty="0" smtClean="0">
+                <a:solidFill>
+                  <a:schemeClr val="bg1"/>
+                </a:solidFill>
+                <a:latin typeface="Calibri" charset="0"/>
+                <a:cs typeface="Segoe UI" charset="0"/>
+              </a:rPr>
+              <a:t>Discovery </a:t>
+            </a:r>
+            <a:r>
+              <a:rPr lang="en-US" sz="2000" dirty="0">
+                <a:solidFill>
+                  <a:schemeClr val="bg1"/>
+                </a:solidFill>
+                <a:latin typeface="Calibri" charset="0"/>
+                <a:cs typeface="Segoe UI" charset="0"/>
+              </a:rPr>
+              <a:t>and </a:t>
+            </a:r>
+            <a:r>
+              <a:rPr lang="en-US" sz="2000" dirty="0" smtClean="0">
+                <a:solidFill>
+                  <a:schemeClr val="bg1"/>
+                </a:solidFill>
+                <a:latin typeface="Calibri" charset="0"/>
+                <a:cs typeface="Segoe UI" charset="0"/>
+              </a:rPr>
+              <a:t>Alternative Expression  </a:t>
+            </a:r>
+            <a:r>
+              <a:rPr lang="en-US" sz="2000" dirty="0">
+                <a:solidFill>
+                  <a:schemeClr val="bg1"/>
+                </a:solidFill>
+                <a:latin typeface="Calibri" charset="0"/>
+                <a:cs typeface="Segoe UI" charset="0"/>
+              </a:rPr>
+              <a:t>(lecture)</a:t>
+            </a:r>
+            <a:endParaRPr lang="en-US" sz="1800" b="1" dirty="0">
+              <a:solidFill>
+                <a:schemeClr val="bg1"/>
+              </a:solidFill>
+              <a:latin typeface="Calibri" charset="0"/>
+              <a:cs typeface="Segoe UI" charset="0"/>
+            </a:endParaRPr>
+          </a:p>
+        </p:txBody>
+      </p:sp>
+      <p:sp>
+        <p:nvSpPr>
+          <p:cNvPr id="8" name="Title 1"/>
+          <p:cNvSpPr txBox="1">
+            <a:spLocks/>
+          </p:cNvSpPr>
+          <p:nvPr/>
+        </p:nvSpPr>
+        <p:spPr>
+          <a:xfrm>
+            <a:off x="3854897" y="1412776"/>
+            <a:ext cx="5181599" cy="936104"/>
+          </a:xfrm>
+          <a:prstGeom prst="rect">
+            <a:avLst/>
+          </a:prstGeom>
+        </p:spPr>
+        <p:txBody>
+          <a:bodyPr anchor="ctr"/>
+          <a:lstStyle>
+            <a:lvl1pPr algn="r">
+              <a:defRPr sz="3200" baseline="0">
+                <a:solidFill>
+                  <a:schemeClr val="bg1"/>
+                </a:solidFill>
+                <a:latin typeface="Adobe Jenson Pro" pitchFamily="18" charset="0"/>
+              </a:defRPr>
+            </a:lvl1pPr>
+          </a:lstStyle>
+          <a:p>
+            <a:pPr fontAlgn="auto">
+              <a:spcAft>
+                <a:spcPts val="0"/>
+              </a:spcAft>
+              <a:defRPr/>
+            </a:pPr>
+            <a:r>
+              <a:rPr lang="en-US" sz="1600" dirty="0" smtClean="0">
+                <a:latin typeface="Calibri"/>
+                <a:ea typeface="+mj-ea"/>
+                <a:cs typeface="Calibri"/>
+              </a:rPr>
+              <a:t>Malachi Griffith, Obi Griffith, Jason Walker</a:t>
+            </a:r>
+          </a:p>
+          <a:p>
+            <a:pPr fontAlgn="auto">
+              <a:spcAft>
+                <a:spcPts val="0"/>
+              </a:spcAft>
+              <a:buFont typeface="Arial" pitchFamily="34" charset="0"/>
+              <a:buNone/>
+              <a:defRPr/>
+            </a:pPr>
+            <a:r>
+              <a:rPr lang="en-US" sz="1600" dirty="0">
+                <a:ln w="1270">
+                  <a:solidFill>
+                    <a:schemeClr val="tx1">
+                      <a:alpha val="38000"/>
+                    </a:schemeClr>
+                  </a:solidFill>
+                </a:ln>
+                <a:latin typeface="Calibri"/>
+                <a:cs typeface="Calibri"/>
+              </a:rPr>
+              <a:t>Advanced Sequencing Technologies &amp; Applications</a:t>
+            </a:r>
+          </a:p>
+          <a:p>
+            <a:pPr fontAlgn="auto">
+              <a:spcAft>
+                <a:spcPts val="0"/>
+              </a:spcAft>
+              <a:defRPr/>
+            </a:pPr>
+            <a:r>
+              <a:rPr lang="en-US" sz="1400" dirty="0">
+                <a:ln w="1270">
+                  <a:solidFill>
+                    <a:schemeClr val="tx1">
+                      <a:alpha val="38000"/>
+                    </a:schemeClr>
+                  </a:solidFill>
+                </a:ln>
+                <a:latin typeface="Calibri"/>
+                <a:ea typeface="+mn-ea"/>
+                <a:cs typeface="Calibri"/>
+              </a:rPr>
+              <a:t>November 10 - 22, 2015</a:t>
+            </a:r>
+            <a:endParaRPr lang="en-US" sz="1400" dirty="0" smtClean="0">
+              <a:ln w="1270">
+                <a:solidFill>
+                  <a:schemeClr val="tx1">
+                    <a:alpha val="38000"/>
+                  </a:schemeClr>
+                </a:solidFill>
+              </a:ln>
+              <a:latin typeface="Calibri"/>
+              <a:ea typeface="+mn-ea"/>
+              <a:cs typeface="Calibri"/>
+            </a:endParaRPr>
+          </a:p>
+        </p:txBody>
+      </p:sp>
+    </p:spTree>
+    <p:extLst>
+      <p:ext uri="{BB962C8B-B14F-4D97-AF65-F5344CB8AC3E}">
+        <p14:creationId xmlns:p14="http://schemas.microsoft.com/office/powerpoint/2010/main" val="3250606954"/>
+      </p:ext>
+    </p:extLst>
+  </p:cSld>
+  <p:clrMapOvr>
+    <a:masterClrMapping/>
+  </p:clrMapOvr>
+  <p:timing>
+    <p:tnLst>
+      <p:par>
+        <p:cTn xmlns:p14="http://schemas.microsoft.com/office/powerpoint/2010/main" id="1" dur="indefinite" restart="never" nodeType="tmRoot"/>
+      </p:par>
+    </p:tnLst>
+  </p:timing>
 </p:sld>
 </file>
 
@@ -9607,7 +8173,7 @@
         <p:spPr/>
         <p:txBody>
           <a:bodyPr>
-            <a:normAutofit fontScale="92500" lnSpcReduction="10000"/>
+            <a:normAutofit lnSpcReduction="10000"/>
           </a:bodyPr>
           <a:lstStyle/>
           <a:p>
@@ -9615,7 +8181,7 @@
               <a:defRPr/>
             </a:pPr>
             <a:r>
-              <a:rPr lang="en-US" dirty="0"/>
+              <a:rPr lang="en-US" dirty="0" smtClean="0"/>
               <a:t>Module </a:t>
             </a:r>
             <a:r>
@@ -9624,33 +8190,43 @@
             </a:r>
             <a:r>
               <a:rPr lang="en-US" dirty="0"/>
-              <a:t>Introduction to cloud </a:t>
+              <a:t>Introduction to RNA </a:t>
             </a:r>
             <a:r>
               <a:rPr lang="en-US" dirty="0" smtClean="0"/>
-              <a:t>computing</a:t>
-            </a:r>
+              <a:t>Sequencing</a:t>
+            </a:r>
+            <a:endParaRPr lang="en-US" dirty="0"/>
           </a:p>
           <a:p>
             <a:pPr>
               <a:defRPr/>
             </a:pPr>
             <a:r>
+              <a:rPr lang="en-US" dirty="0"/>
+              <a:t>Module </a:t>
+            </a:r>
+            <a:r>
               <a:rPr lang="en-US" dirty="0" smtClean="0"/>
-              <a:t>Module </a:t>
+              <a:t>2: </a:t>
             </a:r>
             <a:r>
               <a:rPr lang="en-US" dirty="0"/>
-              <a:t>2</a:t>
+              <a:t>A</a:t>
             </a:r>
             <a:r>
               <a:rPr lang="en-US" dirty="0" smtClean="0"/>
-              <a:t>: </a:t>
+              <a:t>lignment </a:t>
             </a:r>
             <a:r>
               <a:rPr lang="en-US" dirty="0"/>
-              <a:t>Introduction to RNA sequencing</a:t>
-            </a:r>
+              <a:t>and </a:t>
+            </a:r>
+            <a:r>
+              <a:rPr lang="en-US" dirty="0" smtClean="0"/>
+              <a:t>Visualization</a:t>
+            </a:r>
+            <a:endParaRPr lang="en-US" dirty="0"/>
           </a:p>
           <a:p>
             <a:pPr>
@@ -9666,7 +8242,7 @@
             </a:r>
             <a:r>
               <a:rPr lang="en-US" dirty="0"/>
-              <a:t>RNA-seq alignment and visualization</a:t>
+              <a:t>Expression and Differential Expression</a:t>
             </a:r>
           </a:p>
           <a:p>
@@ -9683,28 +8259,33 @@
             </a:r>
             <a:r>
               <a:rPr lang="en-US" b="1" dirty="0"/>
-              <a:t>Expression and Differential Expression</a:t>
-            </a:r>
-          </a:p>
-          <a:p>
-            <a:pPr>
-              <a:defRPr/>
-            </a:pPr>
-            <a:r>
-              <a:rPr lang="en-US" dirty="0"/>
-              <a:t>Module </a:t>
-            </a:r>
-            <a:r>
-              <a:rPr lang="en-US" dirty="0" smtClean="0"/>
-              <a:t>5: </a:t>
-            </a:r>
-            <a:r>
-              <a:rPr lang="en-US" dirty="0"/>
-              <a:t>Isoform discovery and alternative expression</a:t>
-            </a:r>
+              <a:t>Isoform </a:t>
+            </a:r>
+            <a:r>
+              <a:rPr lang="en-US" b="1" dirty="0" smtClean="0"/>
+              <a:t>Discovery </a:t>
+            </a:r>
+            <a:r>
+              <a:rPr lang="en-US" b="1" dirty="0"/>
+              <a:t>and </a:t>
+            </a:r>
+            <a:r>
+              <a:rPr lang="en-US" b="1" dirty="0" smtClean="0"/>
+              <a:t>Alternative </a:t>
+            </a:r>
+            <a:r>
+              <a:rPr lang="en-US" b="1" dirty="0"/>
+              <a:t>E</a:t>
+            </a:r>
+            <a:r>
+              <a:rPr lang="en-US" b="1" dirty="0" smtClean="0"/>
+              <a:t>xpression</a:t>
+            </a:r>
+            <a:endParaRPr lang="en-US" b="1" dirty="0"/>
           </a:p>
           <a:p>
             <a:pPr marL="0" indent="0">
+              <a:buFont typeface="Arial" charset="0"/>
               <a:buNone/>
               <a:defRPr/>
             </a:pPr>
@@ -9834,7 +8415,7 @@
     </p:spTree>
     <p:extLst>
       <p:ext uri="{BB962C8B-B14F-4D97-AF65-F5344CB8AC3E}">
-        <p14:creationId xmlns:p14="http://schemas.microsoft.com/office/powerpoint/2010/main" val="3967404521"/>
+        <p14:creationId xmlns:p14="http://schemas.microsoft.com/office/powerpoint/2010/main" val="897405003"/>
       </p:ext>
     </p:extLst>
   </p:cSld>
@@ -9880,7 +8461,7 @@
         </p:nvSpPr>
         <p:spPr>
           <a:xfrm>
-            <a:off x="152400" y="-27384"/>
+            <a:off x="152400" y="115888"/>
             <a:ext cx="8839200" cy="1143000"/>
           </a:xfrm>
         </p:spPr>
@@ -9889,7 +8470,7 @@
           <a:lstStyle/>
           <a:p>
             <a:r>
-              <a:rPr lang="en-US" dirty="0">
+              <a:rPr lang="en-US">
                 <a:latin typeface="Calibri" charset="0"/>
                 <a:ea typeface="ＭＳ Ｐゴシック" charset="0"/>
               </a:rPr>
@@ -9914,62 +8495,21 @@
           <a:lstStyle/>
           <a:p>
             <a:r>
-              <a:rPr lang="en-US" dirty="0">
+              <a:rPr lang="en-US">
                 <a:latin typeface="Calibri" charset="0"/>
                 <a:ea typeface="ＭＳ Ｐゴシック" charset="0"/>
               </a:rPr>
-              <a:t>Expression estimation for known genes and transcripts</a:t>
-            </a:r>
-          </a:p>
-          <a:p>
-            <a:r>
-              <a:rPr lang="en-US" dirty="0">
+              <a:t>Explore use of Cufflinks in reference annotation based transcript (RABT) assembly mode and ‘de novo’ assembly mode. </a:t>
+            </a:r>
+          </a:p>
+          <a:p>
+            <a:pPr lvl="1"/>
+            <a:r>
+              <a:rPr lang="en-US">
                 <a:latin typeface="Calibri" charset="0"/>
                 <a:ea typeface="ＭＳ Ｐゴシック" charset="0"/>
               </a:rPr>
-              <a:t>‘FPKM’ expression estimates vs. ‘raw’ counts</a:t>
-            </a:r>
-          </a:p>
-          <a:p>
-            <a:r>
-              <a:rPr lang="en-US" dirty="0">
-                <a:latin typeface="Calibri" charset="0"/>
-                <a:ea typeface="ＭＳ Ｐゴシック" charset="0"/>
-              </a:rPr>
-              <a:t>Differential expression methods</a:t>
-            </a:r>
-          </a:p>
-          <a:p>
-            <a:r>
-              <a:rPr lang="en-US" dirty="0">
-                <a:latin typeface="Calibri" charset="0"/>
-                <a:ea typeface="ＭＳ Ｐゴシック" charset="0"/>
-              </a:rPr>
-              <a:t>Downstream interpretation of expression and differential estimates</a:t>
-            </a:r>
-          </a:p>
-          <a:p>
-            <a:pPr lvl="1"/>
-            <a:r>
-              <a:rPr lang="en-US" dirty="0">
-                <a:latin typeface="Calibri" charset="0"/>
-                <a:ea typeface="ＭＳ Ｐゴシック" charset="0"/>
-              </a:rPr>
-              <a:t>multiple testing, clustering, </a:t>
-            </a:r>
-            <a:r>
-              <a:rPr lang="en-US" dirty="0" err="1">
-                <a:latin typeface="Calibri" charset="0"/>
-                <a:ea typeface="ＭＳ Ｐゴシック" charset="0"/>
-              </a:rPr>
-              <a:t>heatmaps</a:t>
-            </a:r>
-            <a:r>
-              <a:rPr lang="en-US" dirty="0">
-                <a:latin typeface="Calibri" charset="0"/>
-                <a:ea typeface="ＭＳ Ｐゴシック" charset="0"/>
-              </a:rPr>
-              <a:t>, classification, pathway analysis, etc.</a:t>
+              <a:t>Both modes require a reference genome sequence...</a:t>
             </a:r>
           </a:p>
         </p:txBody>
@@ -9977,7 +8517,7 @@
     </p:spTree>
     <p:extLst>
       <p:ext uri="{BB962C8B-B14F-4D97-AF65-F5344CB8AC3E}">
-        <p14:creationId xmlns:p14="http://schemas.microsoft.com/office/powerpoint/2010/main" val="4007140063"/>
+        <p14:creationId xmlns:p14="http://schemas.microsoft.com/office/powerpoint/2010/main" val="3855894629"/>
       </p:ext>
     </p:extLst>
   </p:cSld>
@@ -10013,7 +8553,7 @@
       </p:grpSpPr>
       <p:sp>
         <p:nvSpPr>
-          <p:cNvPr id="27649" name="Title 1"/>
+          <p:cNvPr id="15361" name="Title 1"/>
           <p:cNvSpPr>
             <a:spLocks noGrp="1"/>
           </p:cNvSpPr>
@@ -10023,8 +8563,8 @@
         </p:nvSpPr>
         <p:spPr>
           <a:xfrm>
-            <a:off x="152400" y="-18256"/>
-            <a:ext cx="8839200" cy="1143000"/>
+            <a:off x="152400" y="116632"/>
+            <a:ext cx="3411488" cy="1143001"/>
           </a:xfrm>
         </p:spPr>
         <p:txBody>
@@ -10036,441 +8576,45 @@
                 <a:latin typeface="Calibri" charset="0"/>
                 <a:ea typeface="ＭＳ Ｐゴシック" charset="0"/>
               </a:rPr>
-              <a:t>Expression estimation for known genes and transcripts</a:t>
-            </a:r>
-          </a:p>
-        </p:txBody>
-      </p:sp>
-      <p:cxnSp>
-        <p:nvCxnSpPr>
-          <p:cNvPr id="6" name="Straight Arrow Connector 5"/>
-          <p:cNvCxnSpPr/>
-          <p:nvPr/>
-        </p:nvCxnSpPr>
-        <p:spPr>
-          <a:xfrm>
-            <a:off x="8028384" y="2924696"/>
-            <a:ext cx="700955" cy="248"/>
-          </a:xfrm>
-          <a:prstGeom prst="straightConnector1">
-            <a:avLst/>
-          </a:prstGeom>
-          <a:ln w="38100" cmpd="sng">
-            <a:solidFill>
-              <a:srgbClr val="4F81BD"/>
-            </a:solidFill>
-            <a:tailEnd type="arrow"/>
-          </a:ln>
-        </p:spPr>
-        <p:style>
-          <a:lnRef idx="2">
-            <a:schemeClr val="accent1"/>
-          </a:lnRef>
-          <a:fillRef idx="0">
-            <a:schemeClr val="accent1"/>
-          </a:fillRef>
-          <a:effectRef idx="1">
-            <a:schemeClr val="accent1"/>
-          </a:effectRef>
-          <a:fontRef idx="minor">
-            <a:schemeClr val="tx1"/>
-          </a:fontRef>
-        </p:style>
-      </p:cxnSp>
-      <p:sp>
-        <p:nvSpPr>
-          <p:cNvPr id="27652" name="TextBox 6"/>
-          <p:cNvSpPr txBox="1">
-            <a:spLocks noChangeArrowheads="1"/>
-          </p:cNvSpPr>
-          <p:nvPr/>
-        </p:nvSpPr>
-        <p:spPr bwMode="auto">
-          <a:xfrm>
-            <a:off x="7884368" y="2492896"/>
-            <a:ext cx="915988" cy="400050"/>
-          </a:xfrm>
-          <a:prstGeom prst="rect">
-            <a:avLst/>
-          </a:prstGeom>
-          <a:noFill/>
-          <a:ln>
-            <a:noFill/>
-          </a:ln>
-          <a:extLst>
-            <a:ext uri="{909E8E84-426E-40dd-AFC4-6F175D3DCCD1}">
-              <a14:hiddenFill xmlns:a14="http://schemas.microsoft.com/office/drawing/2010/main">
-                <a:solidFill>
-                  <a:srgbClr val="FFFFFF"/>
-                </a:solidFill>
-              </a14:hiddenFill>
-            </a:ext>
-            <a:ext uri="{91240B29-F687-4f45-9708-019B960494DF}">
-              <a14:hiddenLine xmlns:a14="http://schemas.microsoft.com/office/drawing/2010/main" w="9525">
-                <a:solidFill>
-                  <a:srgbClr val="000000"/>
-                </a:solidFill>
-                <a:miter lim="800000"/>
-                <a:headEnd/>
-                <a:tailEnd/>
-              </a14:hiddenLine>
-            </a:ext>
-          </a:extLst>
-        </p:spPr>
-        <p:txBody>
-          <a:bodyPr wrap="none">
-            <a:spAutoFit/>
-          </a:bodyPr>
-          <a:lstStyle>
-            <a:lvl1pPr eaLnBrk="0" hangingPunct="0">
-              <a:defRPr sz="2400">
-                <a:solidFill>
-                  <a:schemeClr val="tx1"/>
-                </a:solidFill>
-                <a:latin typeface="Arial" charset="0"/>
-                <a:ea typeface="ＭＳ Ｐゴシック" charset="0"/>
-                <a:cs typeface="ＭＳ Ｐゴシック" charset="0"/>
-              </a:defRPr>
-            </a:lvl1pPr>
-            <a:lvl2pPr marL="742950" indent="-285750" eaLnBrk="0" hangingPunct="0">
-              <a:defRPr sz="2400">
-                <a:solidFill>
-                  <a:schemeClr val="tx1"/>
-                </a:solidFill>
-                <a:latin typeface="Arial" charset="0"/>
-                <a:ea typeface="ＭＳ Ｐゴシック" charset="0"/>
-              </a:defRPr>
-            </a:lvl2pPr>
-            <a:lvl3pPr marL="1143000" indent="-228600" eaLnBrk="0" hangingPunct="0">
-              <a:defRPr sz="2400">
-                <a:solidFill>
-                  <a:schemeClr val="tx1"/>
-                </a:solidFill>
-                <a:latin typeface="Arial" charset="0"/>
-                <a:ea typeface="ＭＳ Ｐゴシック" charset="0"/>
-              </a:defRPr>
-            </a:lvl3pPr>
-            <a:lvl4pPr marL="1600200" indent="-228600" eaLnBrk="0" hangingPunct="0">
-              <a:defRPr sz="2400">
-                <a:solidFill>
-                  <a:schemeClr val="tx1"/>
-                </a:solidFill>
-                <a:latin typeface="Arial" charset="0"/>
-                <a:ea typeface="ＭＳ Ｐゴシック" charset="0"/>
-              </a:defRPr>
-            </a:lvl4pPr>
-            <a:lvl5pPr marL="2057400" indent="-228600" eaLnBrk="0" hangingPunct="0">
-              <a:defRPr sz="2400">
-                <a:solidFill>
-                  <a:schemeClr val="tx1"/>
-                </a:solidFill>
-                <a:latin typeface="Arial" charset="0"/>
-                <a:ea typeface="ＭＳ Ｐゴシック" charset="0"/>
-              </a:defRPr>
-            </a:lvl5pPr>
-            <a:lvl6pPr marL="2514600" indent="-228600" eaLnBrk="0" fontAlgn="base" hangingPunct="0">
-              <a:spcBef>
-                <a:spcPct val="0"/>
-              </a:spcBef>
-              <a:spcAft>
-                <a:spcPct val="0"/>
-              </a:spcAft>
-              <a:defRPr sz="2400">
-                <a:solidFill>
-                  <a:schemeClr val="tx1"/>
-                </a:solidFill>
-                <a:latin typeface="Arial" charset="0"/>
-                <a:ea typeface="ＭＳ Ｐゴシック" charset="0"/>
-              </a:defRPr>
-            </a:lvl6pPr>
-            <a:lvl7pPr marL="2971800" indent="-228600" eaLnBrk="0" fontAlgn="base" hangingPunct="0">
-              <a:spcBef>
-                <a:spcPct val="0"/>
-              </a:spcBef>
-              <a:spcAft>
-                <a:spcPct val="0"/>
-              </a:spcAft>
-              <a:defRPr sz="2400">
-                <a:solidFill>
-                  <a:schemeClr val="tx1"/>
-                </a:solidFill>
-                <a:latin typeface="Arial" charset="0"/>
-                <a:ea typeface="ＭＳ Ｐゴシック" charset="0"/>
-              </a:defRPr>
-            </a:lvl7pPr>
-            <a:lvl8pPr marL="3429000" indent="-228600" eaLnBrk="0" fontAlgn="base" hangingPunct="0">
-              <a:spcBef>
-                <a:spcPct val="0"/>
-              </a:spcBef>
-              <a:spcAft>
-                <a:spcPct val="0"/>
-              </a:spcAft>
-              <a:defRPr sz="2400">
-                <a:solidFill>
-                  <a:schemeClr val="tx1"/>
-                </a:solidFill>
-                <a:latin typeface="Arial" charset="0"/>
-                <a:ea typeface="ＭＳ Ｐゴシック" charset="0"/>
-              </a:defRPr>
-            </a:lvl8pPr>
-            <a:lvl9pPr marL="3886200" indent="-228600" eaLnBrk="0" fontAlgn="base" hangingPunct="0">
-              <a:spcBef>
-                <a:spcPct val="0"/>
-              </a:spcBef>
-              <a:spcAft>
-                <a:spcPct val="0"/>
-              </a:spcAft>
-              <a:defRPr sz="2400">
-                <a:solidFill>
-                  <a:schemeClr val="tx1"/>
-                </a:solidFill>
-                <a:latin typeface="Arial" charset="0"/>
-                <a:ea typeface="ＭＳ Ｐゴシック" charset="0"/>
-              </a:defRPr>
-            </a:lvl9pPr>
-          </a:lstStyle>
-          <a:p>
-            <a:pPr eaLnBrk="1" hangingPunct="1"/>
-            <a:r>
-              <a:rPr lang="en-US" sz="2000"/>
-              <a:t>3’ bias</a:t>
-            </a:r>
-          </a:p>
-        </p:txBody>
-      </p:sp>
-      <p:cxnSp>
-        <p:nvCxnSpPr>
-          <p:cNvPr id="8" name="Straight Arrow Connector 7"/>
-          <p:cNvCxnSpPr/>
-          <p:nvPr/>
-        </p:nvCxnSpPr>
-        <p:spPr>
-          <a:xfrm>
-            <a:off x="7886700" y="4437112"/>
-            <a:ext cx="0" cy="647873"/>
-          </a:xfrm>
-          <a:prstGeom prst="straightConnector1">
-            <a:avLst/>
-          </a:prstGeom>
-          <a:ln w="38100" cmpd="sng">
-            <a:solidFill>
-              <a:srgbClr val="4F81BD"/>
-            </a:solidFill>
-            <a:tailEnd type="arrow"/>
-          </a:ln>
-        </p:spPr>
-        <p:style>
-          <a:lnRef idx="2">
-            <a:schemeClr val="accent1"/>
-          </a:lnRef>
-          <a:fillRef idx="0">
-            <a:schemeClr val="accent1"/>
-          </a:fillRef>
-          <a:effectRef idx="1">
-            <a:schemeClr val="accent1"/>
-          </a:effectRef>
-          <a:fontRef idx="minor">
-            <a:schemeClr val="tx1"/>
-          </a:fontRef>
-        </p:style>
-      </p:cxnSp>
-      <p:sp>
-        <p:nvSpPr>
-          <p:cNvPr id="27654" name="TextBox 9"/>
-          <p:cNvSpPr txBox="1">
-            <a:spLocks noChangeArrowheads="1"/>
-          </p:cNvSpPr>
-          <p:nvPr/>
-        </p:nvSpPr>
-        <p:spPr bwMode="auto">
-          <a:xfrm>
-            <a:off x="7812087" y="4437112"/>
-            <a:ext cx="1331913" cy="646113"/>
-          </a:xfrm>
-          <a:prstGeom prst="rect">
-            <a:avLst/>
-          </a:prstGeom>
-          <a:noFill/>
-          <a:ln>
-            <a:noFill/>
-          </a:ln>
-          <a:extLst>
-            <a:ext uri="{909E8E84-426E-40dd-AFC4-6F175D3DCCD1}">
-              <a14:hiddenFill xmlns:a14="http://schemas.microsoft.com/office/drawing/2010/main">
-                <a:solidFill>
-                  <a:srgbClr val="FFFFFF"/>
-                </a:solidFill>
-              </a14:hiddenFill>
-            </a:ext>
-            <a:ext uri="{91240B29-F687-4f45-9708-019B960494DF}">
-              <a14:hiddenLine xmlns:a14="http://schemas.microsoft.com/office/drawing/2010/main" w="9525">
-                <a:solidFill>
-                  <a:srgbClr val="000000"/>
-                </a:solidFill>
-                <a:miter lim="800000"/>
-                <a:headEnd/>
-                <a:tailEnd/>
-              </a14:hiddenLine>
-            </a:ext>
-          </a:extLst>
-        </p:spPr>
-        <p:txBody>
-          <a:bodyPr>
-            <a:spAutoFit/>
-          </a:bodyPr>
-          <a:lstStyle>
-            <a:lvl1pPr eaLnBrk="0" hangingPunct="0">
-              <a:defRPr sz="2400">
-                <a:solidFill>
-                  <a:schemeClr val="tx1"/>
-                </a:solidFill>
-                <a:latin typeface="Arial" charset="0"/>
-                <a:ea typeface="ＭＳ Ｐゴシック" charset="0"/>
-                <a:cs typeface="ＭＳ Ｐゴシック" charset="0"/>
-              </a:defRPr>
-            </a:lvl1pPr>
-            <a:lvl2pPr marL="742950" indent="-285750" eaLnBrk="0" hangingPunct="0">
-              <a:defRPr sz="2400">
-                <a:solidFill>
-                  <a:schemeClr val="tx1"/>
-                </a:solidFill>
-                <a:latin typeface="Arial" charset="0"/>
-                <a:ea typeface="ＭＳ Ｐゴシック" charset="0"/>
-              </a:defRPr>
-            </a:lvl2pPr>
-            <a:lvl3pPr marL="1143000" indent="-228600" eaLnBrk="0" hangingPunct="0">
-              <a:defRPr sz="2400">
-                <a:solidFill>
-                  <a:schemeClr val="tx1"/>
-                </a:solidFill>
-                <a:latin typeface="Arial" charset="0"/>
-                <a:ea typeface="ＭＳ Ｐゴシック" charset="0"/>
-              </a:defRPr>
-            </a:lvl3pPr>
-            <a:lvl4pPr marL="1600200" indent="-228600" eaLnBrk="0" hangingPunct="0">
-              <a:defRPr sz="2400">
-                <a:solidFill>
-                  <a:schemeClr val="tx1"/>
-                </a:solidFill>
-                <a:latin typeface="Arial" charset="0"/>
-                <a:ea typeface="ＭＳ Ｐゴシック" charset="0"/>
-              </a:defRPr>
-            </a:lvl4pPr>
-            <a:lvl5pPr marL="2057400" indent="-228600" eaLnBrk="0" hangingPunct="0">
-              <a:defRPr sz="2400">
-                <a:solidFill>
-                  <a:schemeClr val="tx1"/>
-                </a:solidFill>
-                <a:latin typeface="Arial" charset="0"/>
-                <a:ea typeface="ＭＳ Ｐゴシック" charset="0"/>
-              </a:defRPr>
-            </a:lvl5pPr>
-            <a:lvl6pPr marL="2514600" indent="-228600" eaLnBrk="0" fontAlgn="base" hangingPunct="0">
-              <a:spcBef>
-                <a:spcPct val="0"/>
-              </a:spcBef>
-              <a:spcAft>
-                <a:spcPct val="0"/>
-              </a:spcAft>
-              <a:defRPr sz="2400">
-                <a:solidFill>
-                  <a:schemeClr val="tx1"/>
-                </a:solidFill>
-                <a:latin typeface="Arial" charset="0"/>
-                <a:ea typeface="ＭＳ Ｐゴシック" charset="0"/>
-              </a:defRPr>
-            </a:lvl6pPr>
-            <a:lvl7pPr marL="2971800" indent="-228600" eaLnBrk="0" fontAlgn="base" hangingPunct="0">
-              <a:spcBef>
-                <a:spcPct val="0"/>
-              </a:spcBef>
-              <a:spcAft>
-                <a:spcPct val="0"/>
-              </a:spcAft>
-              <a:defRPr sz="2400">
-                <a:solidFill>
-                  <a:schemeClr val="tx1"/>
-                </a:solidFill>
-                <a:latin typeface="Arial" charset="0"/>
-                <a:ea typeface="ＭＳ Ｐゴシック" charset="0"/>
-              </a:defRPr>
-            </a:lvl7pPr>
-            <a:lvl8pPr marL="3429000" indent="-228600" eaLnBrk="0" fontAlgn="base" hangingPunct="0">
-              <a:spcBef>
-                <a:spcPct val="0"/>
-              </a:spcBef>
-              <a:spcAft>
-                <a:spcPct val="0"/>
-              </a:spcAft>
-              <a:defRPr sz="2400">
-                <a:solidFill>
-                  <a:schemeClr val="tx1"/>
-                </a:solidFill>
-                <a:latin typeface="Arial" charset="0"/>
-                <a:ea typeface="ＭＳ Ｐゴシック" charset="0"/>
-              </a:defRPr>
-            </a:lvl8pPr>
-            <a:lvl9pPr marL="3886200" indent="-228600" eaLnBrk="0" fontAlgn="base" hangingPunct="0">
-              <a:spcBef>
-                <a:spcPct val="0"/>
-              </a:spcBef>
-              <a:spcAft>
-                <a:spcPct val="0"/>
-              </a:spcAft>
-              <a:defRPr sz="2400">
-                <a:solidFill>
-                  <a:schemeClr val="tx1"/>
-                </a:solidFill>
-                <a:latin typeface="Arial" charset="0"/>
-                <a:ea typeface="ＭＳ Ｐゴシック" charset="0"/>
-              </a:defRPr>
-            </a:lvl9pPr>
-          </a:lstStyle>
-          <a:p>
-            <a:pPr algn="ctr" eaLnBrk="1" hangingPunct="1"/>
-            <a:r>
-              <a:rPr lang="en-US" sz="1800" dirty="0" smtClean="0"/>
-              <a:t>Down-</a:t>
-            </a:r>
-            <a:r>
-              <a:rPr lang="en-US" sz="1800" dirty="0"/>
-              <a:t>regulated</a:t>
+              <a:t>Review of gene expression</a:t>
             </a:r>
           </a:p>
         </p:txBody>
       </p:sp>
       <p:pic>
         <p:nvPicPr>
-          <p:cNvPr id="3" name="Content Placeholder 2" descr="Screen Shot 2013-05-30 at 8.54.37 PM.png"/>
+          <p:cNvPr id="3" name="Picture 2" descr="Figure1.png"/>
           <p:cNvPicPr>
-            <a:picLocks noGrp="1" noChangeAspect="1"/>
+            <a:picLocks noChangeAspect="1"/>
           </p:cNvPicPr>
-          <p:nvPr>
-            <p:ph idx="1"/>
-          </p:nvPr>
+          <p:nvPr/>
         </p:nvPicPr>
-        <p:blipFill rotWithShape="1">
-          <a:blip r:embed="rId2">
+        <p:blipFill>
+          <a:blip r:embed="rId2" cstate="print">
             <a:extLst>
               <a:ext uri="{28A0092B-C50C-407E-A947-70E740481C1C}">
                 <a14:useLocalDpi xmlns:a14="http://schemas.microsoft.com/office/drawing/2010/main" val="0"/>
               </a:ext>
             </a:extLst>
           </a:blip>
-          <a:srcRect l="-575" r="-700"/>
-          <a:stretch/>
+          <a:stretch>
+            <a:fillRect/>
+          </a:stretch>
         </p:blipFill>
         <p:spPr>
           <a:xfrm>
-            <a:off x="1322418" y="1600200"/>
-            <a:ext cx="6507347" cy="4724400"/>
+            <a:off x="3796144" y="116632"/>
+            <a:ext cx="4880312" cy="6102436"/>
           </a:xfrm>
+          <a:prstGeom prst="rect">
+            <a:avLst/>
+          </a:prstGeom>
         </p:spPr>
       </p:pic>
     </p:spTree>
     <p:extLst>
       <p:ext uri="{BB962C8B-B14F-4D97-AF65-F5344CB8AC3E}">
-        <p14:creationId xmlns:p14="http://schemas.microsoft.com/office/powerpoint/2010/main" val="4015758014"/>
+        <p14:creationId xmlns:p14="http://schemas.microsoft.com/office/powerpoint/2010/main" val="148999756"/>
       </p:ext>
     </p:extLst>
   </p:cSld>
@@ -10506,7 +8650,7 @@
       </p:grpSpPr>
       <p:sp>
         <p:nvSpPr>
-          <p:cNvPr id="28673" name="Title 1"/>
+          <p:cNvPr id="16385" name="Title 1"/>
           <p:cNvSpPr>
             <a:spLocks noGrp="1"/>
           </p:cNvSpPr>
@@ -10516,8 +8660,8 @@
         </p:nvSpPr>
         <p:spPr>
           <a:xfrm>
-            <a:off x="152400" y="-27384"/>
-            <a:ext cx="8839200" cy="1143000"/>
+            <a:off x="152400" y="-26988"/>
+            <a:ext cx="8839200" cy="1143001"/>
           </a:xfrm>
         </p:spPr>
         <p:txBody>
@@ -10525,434 +8669,223 @@
           <a:lstStyle/>
           <a:p>
             <a:r>
-              <a:rPr lang="en-US" dirty="0">
+              <a:rPr lang="en-US">
                 <a:latin typeface="Calibri" charset="0"/>
                 <a:ea typeface="ＭＳ Ｐゴシック" charset="0"/>
               </a:rPr>
-              <a:t>What is </a:t>
-            </a:r>
-            <a:r>
-              <a:rPr lang="en-US" dirty="0" smtClean="0">
-                <a:latin typeface="Calibri" charset="0"/>
-                <a:ea typeface="ＭＳ Ｐゴシック" charset="0"/>
-              </a:rPr>
-              <a:t>FPKM (RPKM)</a:t>
-            </a:r>
-            <a:endParaRPr lang="en-US" dirty="0">
-              <a:latin typeface="Calibri" charset="0"/>
-              <a:ea typeface="ＭＳ Ｐゴシック" charset="0"/>
-            </a:endParaRPr>
+              <a:t>Methods to study splicing by RNA-seq</a:t>
+            </a:r>
           </a:p>
         </p:txBody>
       </p:sp>
-      <p:sp>
-        <p:nvSpPr>
-          <p:cNvPr id="28674" name="Content Placeholder 2"/>
-          <p:cNvSpPr>
-            <a:spLocks noGrp="1"/>
-          </p:cNvSpPr>
+      <p:pic>
+        <p:nvPicPr>
+          <p:cNvPr id="16386" name="Content Placeholder 3" descr="RNAseqToolsForAlternativeSplicing.jpg"/>
+          <p:cNvPicPr>
+            <a:picLocks noGrp="1" noChangeAspect="1"/>
+          </p:cNvPicPr>
           <p:nvPr>
             <p:ph idx="1"/>
           </p:nvPr>
-        </p:nvSpPr>
+        </p:nvPicPr>
+        <p:blipFill>
+          <a:blip r:embed="rId2">
+            <a:extLst>
+              <a:ext uri="{28A0092B-C50C-407E-A947-70E740481C1C}">
+                <a14:useLocalDpi xmlns:a14="http://schemas.microsoft.com/office/drawing/2010/main" val="0"/>
+              </a:ext>
+            </a:extLst>
+          </a:blip>
+          <a:srcRect l="5405" t="1907" r="5653" b="3806"/>
+          <a:stretch>
+            <a:fillRect/>
+          </a:stretch>
+        </p:blipFill>
         <p:spPr>
           <a:xfrm>
-            <a:off x="152400" y="1340768"/>
-            <a:ext cx="8839200" cy="4983832"/>
+            <a:off x="2263775" y="981075"/>
+            <a:ext cx="4608513" cy="4884738"/>
           </a:xfrm>
         </p:spPr>
+      </p:pic>
+      <p:sp>
+        <p:nvSpPr>
+          <p:cNvPr id="16387" name="TextBox 4"/>
+          <p:cNvSpPr txBox="1">
+            <a:spLocks noChangeArrowheads="1"/>
+          </p:cNvSpPr>
+          <p:nvPr/>
+        </p:nvSpPr>
+        <p:spPr bwMode="auto">
+          <a:xfrm>
+            <a:off x="533400" y="5876925"/>
+            <a:ext cx="8070850" cy="523875"/>
+          </a:xfrm>
+          <a:prstGeom prst="rect">
+            <a:avLst/>
+          </a:prstGeom>
+          <a:noFill/>
+          <a:ln>
+            <a:noFill/>
+          </a:ln>
+          <a:extLst>
+            <a:ext uri="{909E8E84-426E-40dd-AFC4-6F175D3DCCD1}">
+              <a14:hiddenFill xmlns:a14="http://schemas.microsoft.com/office/drawing/2010/main">
+                <a:solidFill>
+                  <a:srgbClr val="FFFFFF"/>
+                </a:solidFill>
+              </a14:hiddenFill>
+            </a:ext>
+            <a:ext uri="{91240B29-F687-4f45-9708-019B960494DF}">
+              <a14:hiddenLine xmlns:a14="http://schemas.microsoft.com/office/drawing/2010/main" w="9525">
+                <a:solidFill>
+                  <a:srgbClr val="000000"/>
+                </a:solidFill>
+                <a:miter lim="800000"/>
+                <a:headEnd/>
+                <a:tailEnd/>
+              </a14:hiddenLine>
+            </a:ext>
+          </a:extLst>
+        </p:spPr>
         <p:txBody>
-          <a:bodyPr wrap="square">
-            <a:normAutofit fontScale="77500" lnSpcReduction="20000"/>
+          <a:bodyPr wrap="none">
+            <a:spAutoFit/>
           </a:bodyPr>
-          <a:lstStyle/>
-          <a:p>
-            <a:r>
-              <a:rPr lang="en-US" dirty="0">
-                <a:latin typeface="Calibri" charset="0"/>
-                <a:ea typeface="ＭＳ Ｐゴシック" charset="0"/>
-              </a:rPr>
-              <a:t>RPKM: Reads Per </a:t>
-            </a:r>
-            <a:r>
-              <a:rPr lang="en-US" dirty="0" err="1">
-                <a:latin typeface="Calibri" charset="0"/>
-                <a:ea typeface="ＭＳ Ｐゴシック" charset="0"/>
-              </a:rPr>
-              <a:t>Kilobase</a:t>
-            </a:r>
-            <a:r>
-              <a:rPr lang="en-US" dirty="0">
-                <a:latin typeface="Calibri" charset="0"/>
-                <a:ea typeface="ＭＳ Ｐゴシック" charset="0"/>
-              </a:rPr>
-              <a:t> of transcript per Million mapped reads. </a:t>
-            </a:r>
-          </a:p>
-          <a:p>
-            <a:r>
-              <a:rPr lang="en-US" dirty="0">
-                <a:latin typeface="Calibri" charset="0"/>
-                <a:ea typeface="ＭＳ Ｐゴシック" charset="0"/>
-              </a:rPr>
-              <a:t>FPKM: Fragments Per </a:t>
-            </a:r>
-            <a:r>
-              <a:rPr lang="en-US" dirty="0" err="1">
-                <a:latin typeface="Calibri" charset="0"/>
-                <a:ea typeface="ＭＳ Ｐゴシック" charset="0"/>
-              </a:rPr>
-              <a:t>Kilobase</a:t>
-            </a:r>
-            <a:r>
-              <a:rPr lang="en-US" dirty="0">
-                <a:latin typeface="Calibri" charset="0"/>
-                <a:ea typeface="ＭＳ Ｐゴシック" charset="0"/>
-              </a:rPr>
-              <a:t> of transcript per Million mapped reads.</a:t>
-            </a:r>
-          </a:p>
-          <a:p>
-            <a:r>
-              <a:rPr lang="en-US" dirty="0" smtClean="0">
-                <a:latin typeface="Calibri" charset="0"/>
-                <a:ea typeface="ＭＳ Ｐゴシック" charset="0"/>
-              </a:rPr>
-              <a:t>In </a:t>
-            </a:r>
-            <a:r>
-              <a:rPr lang="en-US" dirty="0">
-                <a:latin typeface="Calibri" charset="0"/>
-                <a:ea typeface="ＭＳ Ｐゴシック" charset="0"/>
-              </a:rPr>
-              <a:t>RNA-</a:t>
-            </a:r>
-            <a:r>
-              <a:rPr lang="en-US" dirty="0" err="1">
-                <a:latin typeface="Calibri" charset="0"/>
-                <a:ea typeface="ＭＳ Ｐゴシック" charset="0"/>
-              </a:rPr>
-              <a:t>Seq</a:t>
-            </a:r>
-            <a:r>
-              <a:rPr lang="en-US" dirty="0">
-                <a:latin typeface="Calibri" charset="0"/>
-                <a:ea typeface="ＭＳ Ｐゴシック" charset="0"/>
-              </a:rPr>
-              <a:t>, the relative expression of a transcript is proportional to the number of </a:t>
-            </a:r>
-            <a:r>
-              <a:rPr lang="en-US" dirty="0" err="1">
-                <a:latin typeface="Calibri" charset="0"/>
-                <a:ea typeface="ＭＳ Ｐゴシック" charset="0"/>
-              </a:rPr>
-              <a:t>cDNA</a:t>
-            </a:r>
-            <a:r>
-              <a:rPr lang="en-US" dirty="0">
-                <a:latin typeface="Calibri" charset="0"/>
-                <a:ea typeface="ＭＳ Ｐゴシック" charset="0"/>
-              </a:rPr>
-              <a:t> fragments that originate from it</a:t>
-            </a:r>
-            <a:r>
-              <a:rPr lang="en-US" dirty="0" smtClean="0">
-                <a:latin typeface="Calibri" charset="0"/>
-                <a:ea typeface="ＭＳ Ｐゴシック" charset="0"/>
-              </a:rPr>
-              <a:t>. However: </a:t>
-            </a:r>
-          </a:p>
-          <a:p>
-            <a:pPr lvl="1"/>
-            <a:r>
-              <a:rPr lang="en-US" dirty="0" smtClean="0">
-                <a:latin typeface="Calibri" charset="0"/>
-                <a:ea typeface="ＭＳ Ｐゴシック" charset="0"/>
-              </a:rPr>
-              <a:t>The number of fragments is also biased towards larger genes</a:t>
-            </a:r>
-          </a:p>
-          <a:p>
-            <a:pPr lvl="1"/>
-            <a:r>
-              <a:rPr lang="en-US" dirty="0" smtClean="0">
-                <a:latin typeface="Calibri" charset="0"/>
-                <a:ea typeface="ＭＳ Ｐゴシック" charset="0"/>
-              </a:rPr>
-              <a:t>The total number of fragments is related to total library depth</a:t>
-            </a:r>
-          </a:p>
-          <a:p>
-            <a:r>
-              <a:rPr lang="en-US" dirty="0" smtClean="0">
-                <a:latin typeface="Calibri" charset="0"/>
-                <a:ea typeface="ＭＳ Ｐゴシック" charset="0"/>
-              </a:rPr>
-              <a:t>FPKM (or RPKM) </a:t>
-            </a:r>
-            <a:r>
-              <a:rPr lang="en-US" dirty="0" smtClean="0">
-                <a:latin typeface="Calibri" charset="0"/>
-                <a:ea typeface="ＭＳ Ｐゴシック" charset="0"/>
-              </a:rPr>
-              <a:t>attempt to normalize for gene size and library depth</a:t>
-            </a:r>
-          </a:p>
-          <a:p>
-            <a:endParaRPr lang="en-US" dirty="0">
-              <a:latin typeface="Calibri" charset="0"/>
-              <a:ea typeface="ＭＳ Ｐゴシック" charset="0"/>
-            </a:endParaRPr>
-          </a:p>
-          <a:p>
-            <a:r>
-              <a:rPr lang="nl-NL" dirty="0" smtClean="0">
-                <a:latin typeface="Calibri" charset="0"/>
-                <a:ea typeface="ＭＳ Ｐゴシック" charset="0"/>
-              </a:rPr>
-              <a:t>RPKM (or FPKM) </a:t>
-            </a:r>
-            <a:r>
-              <a:rPr lang="nl-NL" dirty="0" smtClean="0">
-                <a:latin typeface="Calibri" charset="0"/>
-                <a:ea typeface="ＭＳ Ｐゴシック" charset="0"/>
-              </a:rPr>
-              <a:t>= (10</a:t>
-            </a:r>
-            <a:r>
-              <a:rPr lang="nl-NL" dirty="0">
-                <a:latin typeface="Calibri" charset="0"/>
-                <a:ea typeface="ＭＳ Ｐゴシック" charset="0"/>
-              </a:rPr>
-              <a:t>^9 * </a:t>
-            </a:r>
-            <a:r>
-              <a:rPr lang="nl-NL" dirty="0" smtClean="0">
-                <a:latin typeface="Calibri" charset="0"/>
-                <a:ea typeface="ＭＳ Ｐゴシック" charset="0"/>
-              </a:rPr>
-              <a:t>C) </a:t>
-            </a:r>
-            <a:r>
-              <a:rPr lang="nl-NL" dirty="0">
-                <a:latin typeface="Calibri" charset="0"/>
-                <a:ea typeface="ＭＳ Ｐゴシック" charset="0"/>
-              </a:rPr>
-              <a:t>/ (N * L)</a:t>
-            </a:r>
-            <a:r>
-              <a:rPr lang="en-US" dirty="0" smtClean="0">
-                <a:latin typeface="Calibri" charset="0"/>
-                <a:ea typeface="ＭＳ Ｐゴシック" charset="0"/>
-              </a:rPr>
-              <a:t> </a:t>
-            </a:r>
-          </a:p>
-          <a:p>
-            <a:pPr lvl="1"/>
-            <a:r>
-              <a:rPr lang="en-US" dirty="0" smtClean="0">
-                <a:latin typeface="Calibri" charset="0"/>
-                <a:ea typeface="ＭＳ Ｐゴシック" charset="0"/>
-              </a:rPr>
-              <a:t>C = number </a:t>
-            </a:r>
-            <a:r>
-              <a:rPr lang="en-US" dirty="0">
-                <a:latin typeface="Calibri" charset="0"/>
-                <a:ea typeface="ＭＳ Ｐゴシック" charset="0"/>
-              </a:rPr>
-              <a:t>of </a:t>
-            </a:r>
-            <a:r>
-              <a:rPr lang="en-US" dirty="0" err="1">
-                <a:latin typeface="Calibri" charset="0"/>
-                <a:ea typeface="ＭＳ Ｐゴシック" charset="0"/>
-              </a:rPr>
-              <a:t>mappable</a:t>
-            </a:r>
-            <a:r>
-              <a:rPr lang="en-US" dirty="0">
-                <a:latin typeface="Calibri" charset="0"/>
-                <a:ea typeface="ＭＳ Ｐゴシック" charset="0"/>
-              </a:rPr>
-              <a:t> </a:t>
-            </a:r>
-            <a:r>
-              <a:rPr lang="en-US" dirty="0" smtClean="0">
-                <a:latin typeface="Calibri" charset="0"/>
-                <a:ea typeface="ＭＳ Ｐゴシック" charset="0"/>
-              </a:rPr>
-              <a:t>reads/fragments for a gene/transcript/exon/</a:t>
-            </a:r>
-            <a:r>
-              <a:rPr lang="en-US" dirty="0" err="1" smtClean="0">
-                <a:latin typeface="Calibri" charset="0"/>
-                <a:ea typeface="ＭＳ Ｐゴシック" charset="0"/>
-              </a:rPr>
-              <a:t>etc</a:t>
-            </a:r>
-            <a:endParaRPr lang="en-US" dirty="0" smtClean="0">
-              <a:latin typeface="Calibri" charset="0"/>
-              <a:ea typeface="ＭＳ Ｐゴシック" charset="0"/>
-            </a:endParaRPr>
-          </a:p>
-          <a:p>
-            <a:pPr lvl="1"/>
-            <a:r>
-              <a:rPr lang="en-US" dirty="0" smtClean="0">
-                <a:latin typeface="Calibri" charset="0"/>
-                <a:ea typeface="ＭＳ Ｐゴシック" charset="0"/>
-              </a:rPr>
-              <a:t>N = </a:t>
-            </a:r>
-            <a:r>
-              <a:rPr lang="en-US" dirty="0">
-                <a:latin typeface="Calibri" charset="0"/>
-                <a:ea typeface="ＭＳ Ｐゴシック" charset="0"/>
-              </a:rPr>
-              <a:t>total number of </a:t>
-            </a:r>
-            <a:r>
-              <a:rPr lang="en-US" dirty="0" err="1">
-                <a:latin typeface="Calibri" charset="0"/>
-                <a:ea typeface="ＭＳ Ｐゴシック" charset="0"/>
-              </a:rPr>
-              <a:t>mappable</a:t>
-            </a:r>
-            <a:r>
-              <a:rPr lang="en-US" dirty="0">
-                <a:latin typeface="Calibri" charset="0"/>
-                <a:ea typeface="ＭＳ Ｐゴシック" charset="0"/>
-              </a:rPr>
-              <a:t> </a:t>
-            </a:r>
-            <a:r>
-              <a:rPr lang="en-US" dirty="0" smtClean="0">
-                <a:latin typeface="Calibri" charset="0"/>
-                <a:ea typeface="ＭＳ Ｐゴシック" charset="0"/>
-              </a:rPr>
-              <a:t>reads/fragments </a:t>
-            </a:r>
-            <a:r>
-              <a:rPr lang="en-US" dirty="0">
-                <a:latin typeface="Calibri" charset="0"/>
-                <a:ea typeface="ＭＳ Ｐゴシック" charset="0"/>
-              </a:rPr>
-              <a:t>in the </a:t>
-            </a:r>
-            <a:r>
-              <a:rPr lang="en-US" dirty="0" smtClean="0">
-                <a:latin typeface="Calibri" charset="0"/>
-                <a:ea typeface="ＭＳ Ｐゴシック" charset="0"/>
-              </a:rPr>
-              <a:t>library </a:t>
-            </a:r>
-          </a:p>
-          <a:p>
-            <a:pPr lvl="1"/>
-            <a:r>
-              <a:rPr lang="en-US" dirty="0" smtClean="0">
-                <a:latin typeface="Calibri" charset="0"/>
-                <a:ea typeface="ＭＳ Ｐゴシック" charset="0"/>
-              </a:rPr>
-              <a:t>L = </a:t>
-            </a:r>
-            <a:r>
-              <a:rPr lang="en-US" dirty="0">
-                <a:latin typeface="Calibri" charset="0"/>
-                <a:ea typeface="ＭＳ Ｐゴシック" charset="0"/>
-              </a:rPr>
-              <a:t>number of base pairs in the </a:t>
-            </a:r>
-            <a:r>
-              <a:rPr lang="en-US" dirty="0" smtClean="0">
-                <a:latin typeface="Calibri" charset="0"/>
-                <a:ea typeface="ＭＳ Ｐゴシック" charset="0"/>
-              </a:rPr>
-              <a:t>gene/transcript/exon/</a:t>
-            </a:r>
-            <a:r>
-              <a:rPr lang="en-US" dirty="0" err="1" smtClean="0">
-                <a:latin typeface="Calibri" charset="0"/>
-                <a:ea typeface="ＭＳ Ｐゴシック" charset="0"/>
-              </a:rPr>
-              <a:t>etc</a:t>
-            </a:r>
-            <a:endParaRPr lang="en-US" dirty="0" smtClean="0">
-              <a:latin typeface="Calibri" charset="0"/>
-              <a:ea typeface="ＭＳ Ｐゴシック" charset="0"/>
-            </a:endParaRPr>
-          </a:p>
-          <a:p>
-            <a:endParaRPr lang="en-US" dirty="0">
-              <a:latin typeface="Calibri" charset="0"/>
-              <a:ea typeface="ＭＳ Ｐゴシック" charset="0"/>
-            </a:endParaRPr>
-          </a:p>
-          <a:p>
-            <a:r>
-              <a:rPr lang="en-US" dirty="0">
-                <a:latin typeface="Calibri" charset="0"/>
-                <a:ea typeface="ＭＳ Ｐゴシック" charset="0"/>
-                <a:hlinkClick r:id="rId2"/>
-              </a:rPr>
-              <a:t>http://www.biostars.org/p/11378</a:t>
-            </a:r>
-            <a:r>
-              <a:rPr lang="en-US" dirty="0" smtClean="0">
-                <a:latin typeface="Calibri" charset="0"/>
-                <a:ea typeface="ＭＳ Ｐゴシック" charset="0"/>
-                <a:hlinkClick r:id="rId2"/>
-              </a:rPr>
-              <a:t>/</a:t>
-            </a:r>
-            <a:endParaRPr lang="en-US" dirty="0" smtClean="0">
-              <a:latin typeface="Calibri" charset="0"/>
-              <a:ea typeface="ＭＳ Ｐゴシック" charset="0"/>
-            </a:endParaRPr>
-          </a:p>
-          <a:p>
-            <a:r>
-              <a:rPr lang="en-US" dirty="0">
-                <a:latin typeface="Calibri" charset="0"/>
-                <a:ea typeface="ＭＳ Ｐゴシック" charset="0"/>
+          <a:lstStyle>
+            <a:lvl1pPr eaLnBrk="0" hangingPunct="0">
+              <a:defRPr sz="2400">
+                <a:solidFill>
+                  <a:schemeClr val="tx1"/>
+                </a:solidFill>
+                <a:latin typeface="Arial" charset="0"/>
+                <a:ea typeface="ＭＳ Ｐゴシック" charset="0"/>
+                <a:cs typeface="ＭＳ Ｐゴシック" charset="0"/>
+              </a:defRPr>
+            </a:lvl1pPr>
+            <a:lvl2pPr marL="742950" indent="-285750" eaLnBrk="0" hangingPunct="0">
+              <a:defRPr sz="2400">
+                <a:solidFill>
+                  <a:schemeClr val="tx1"/>
+                </a:solidFill>
+                <a:latin typeface="Arial" charset="0"/>
+                <a:ea typeface="ＭＳ Ｐゴシック" charset="0"/>
+              </a:defRPr>
+            </a:lvl2pPr>
+            <a:lvl3pPr marL="1143000" indent="-228600" eaLnBrk="0" hangingPunct="0">
+              <a:defRPr sz="2400">
+                <a:solidFill>
+                  <a:schemeClr val="tx1"/>
+                </a:solidFill>
+                <a:latin typeface="Arial" charset="0"/>
+                <a:ea typeface="ＭＳ Ｐゴシック" charset="0"/>
+              </a:defRPr>
+            </a:lvl3pPr>
+            <a:lvl4pPr marL="1600200" indent="-228600" eaLnBrk="0" hangingPunct="0">
+              <a:defRPr sz="2400">
+                <a:solidFill>
+                  <a:schemeClr val="tx1"/>
+                </a:solidFill>
+                <a:latin typeface="Arial" charset="0"/>
+                <a:ea typeface="ＭＳ Ｐゴシック" charset="0"/>
+              </a:defRPr>
+            </a:lvl4pPr>
+            <a:lvl5pPr marL="2057400" indent="-228600" eaLnBrk="0" hangingPunct="0">
+              <a:defRPr sz="2400">
+                <a:solidFill>
+                  <a:schemeClr val="tx1"/>
+                </a:solidFill>
+                <a:latin typeface="Arial" charset="0"/>
+                <a:ea typeface="ＭＳ Ｐゴシック" charset="0"/>
+              </a:defRPr>
+            </a:lvl5pPr>
+            <a:lvl6pPr marL="2514600" indent="-228600" eaLnBrk="0" fontAlgn="base" hangingPunct="0">
+              <a:spcBef>
+                <a:spcPct val="0"/>
+              </a:spcBef>
+              <a:spcAft>
+                <a:spcPct val="0"/>
+              </a:spcAft>
+              <a:defRPr sz="2400">
+                <a:solidFill>
+                  <a:schemeClr val="tx1"/>
+                </a:solidFill>
+                <a:latin typeface="Arial" charset="0"/>
+                <a:ea typeface="ＭＳ Ｐゴシック" charset="0"/>
+              </a:defRPr>
+            </a:lvl6pPr>
+            <a:lvl7pPr marL="2971800" indent="-228600" eaLnBrk="0" fontAlgn="base" hangingPunct="0">
+              <a:spcBef>
+                <a:spcPct val="0"/>
+              </a:spcBef>
+              <a:spcAft>
+                <a:spcPct val="0"/>
+              </a:spcAft>
+              <a:defRPr sz="2400">
+                <a:solidFill>
+                  <a:schemeClr val="tx1"/>
+                </a:solidFill>
+                <a:latin typeface="Arial" charset="0"/>
+                <a:ea typeface="ＭＳ Ｐゴシック" charset="0"/>
+              </a:defRPr>
+            </a:lvl7pPr>
+            <a:lvl8pPr marL="3429000" indent="-228600" eaLnBrk="0" fontAlgn="base" hangingPunct="0">
+              <a:spcBef>
+                <a:spcPct val="0"/>
+              </a:spcBef>
+              <a:spcAft>
+                <a:spcPct val="0"/>
+              </a:spcAft>
+              <a:defRPr sz="2400">
+                <a:solidFill>
+                  <a:schemeClr val="tx1"/>
+                </a:solidFill>
+                <a:latin typeface="Arial" charset="0"/>
+                <a:ea typeface="ＭＳ Ｐゴシック" charset="0"/>
+              </a:defRPr>
+            </a:lvl8pPr>
+            <a:lvl9pPr marL="3886200" indent="-228600" eaLnBrk="0" fontAlgn="base" hangingPunct="0">
+              <a:spcBef>
+                <a:spcPct val="0"/>
+              </a:spcBef>
+              <a:spcAft>
+                <a:spcPct val="0"/>
+              </a:spcAft>
+              <a:defRPr sz="2400">
+                <a:solidFill>
+                  <a:schemeClr val="tx1"/>
+                </a:solidFill>
+                <a:latin typeface="Arial" charset="0"/>
+                <a:ea typeface="ＭＳ Ｐゴシック" charset="0"/>
+              </a:defRPr>
+            </a:lvl9pPr>
+          </a:lstStyle>
+          <a:p>
+            <a:pPr eaLnBrk="1" hangingPunct="1"/>
+            <a:r>
+              <a:rPr lang="en-US" sz="1400">
                 <a:hlinkClick r:id="rId3"/>
               </a:rPr>
-              <a:t>http://www.biostars.org/p/68126</a:t>
-            </a:r>
-            <a:r>
-              <a:rPr lang="en-US" dirty="0" smtClean="0">
-                <a:latin typeface="Calibri" charset="0"/>
-                <a:ea typeface="ＭＳ Ｐゴシック" charset="0"/>
-                <a:hlinkClick r:id="rId3"/>
+              <a:t>http://www.rna-seqblog.com/data-analysis/splicing-junction/methods-to-study-splicing-from-rna-seq/</a:t>
+            </a:r>
+            <a:endParaRPr lang="en-US" sz="1400"/>
+          </a:p>
+          <a:p>
+            <a:pPr eaLnBrk="1" hangingPunct="1"/>
+            <a:r>
+              <a:rPr lang="en-US" sz="1400">
+                <a:hlinkClick r:id="rId4"/>
               </a:rPr>
-              <a:t>/</a:t>
-            </a:r>
-            <a:endParaRPr lang="en-US" dirty="0" smtClean="0">
-              <a:latin typeface="Calibri" charset="0"/>
-              <a:ea typeface="ＭＳ Ｐゴシック" charset="0"/>
-            </a:endParaRPr>
-          </a:p>
-          <a:p>
-            <a:endParaRPr lang="en-US" dirty="0" smtClean="0">
-              <a:latin typeface="Calibri" charset="0"/>
-              <a:ea typeface="ＭＳ Ｐゴシック" charset="0"/>
-            </a:endParaRPr>
-          </a:p>
-          <a:p>
-            <a:endParaRPr lang="en-US" dirty="0">
-              <a:latin typeface="Calibri" charset="0"/>
-              <a:ea typeface="ＭＳ Ｐゴシック" charset="0"/>
-            </a:endParaRPr>
+              <a:t>http://arxiv.org/ftp/arxiv/papers/1304/1304.5952.pdf</a:t>
+            </a:r>
+            <a:endParaRPr lang="en-US" sz="1400"/>
           </a:p>
         </p:txBody>
       </p:sp>
     </p:spTree>
     <p:extLst>
       <p:ext uri="{BB962C8B-B14F-4D97-AF65-F5344CB8AC3E}">
-        <p14:creationId xmlns:p14="http://schemas.microsoft.com/office/powerpoint/2010/main" val="4252138146"/>
+        <p14:creationId xmlns:p14="http://schemas.microsoft.com/office/powerpoint/2010/main" val="1496897438"/>
       </p:ext>
     </p:extLst>
   </p:cSld>
@@ -10988,7 +8921,7 @@
       </p:grpSpPr>
       <p:sp>
         <p:nvSpPr>
-          <p:cNvPr id="29697" name="Title 1"/>
+          <p:cNvPr id="17409" name="Title 1"/>
           <p:cNvSpPr>
             <a:spLocks noGrp="1"/>
           </p:cNvSpPr>
@@ -10998,8 +8931,8 @@
         </p:nvSpPr>
         <p:spPr>
           <a:xfrm>
-            <a:off x="179512" y="44624"/>
-            <a:ext cx="5040560" cy="1296144"/>
+            <a:off x="152400" y="-26988"/>
+            <a:ext cx="8839200" cy="1143001"/>
           </a:xfrm>
         </p:spPr>
         <p:txBody>
@@ -11007,337 +8940,261 @@
           <a:lstStyle/>
           <a:p>
             <a:r>
-              <a:rPr lang="en-US" dirty="0">
+              <a:rPr lang="en-US">
                 <a:latin typeface="Calibri" charset="0"/>
                 <a:ea typeface="ＭＳ Ｐゴシック" charset="0"/>
               </a:rPr>
-              <a:t>How does cufflinks work?</a:t>
+              <a:t>Useful resources and discussion</a:t>
             </a:r>
           </a:p>
         </p:txBody>
       </p:sp>
-      <p:pic>
-        <p:nvPicPr>
-          <p:cNvPr id="2" name="Content Placeholder 1" descr="cufflinks_overview.jpg"/>
-          <p:cNvPicPr>
-            <a:picLocks noGrp="1" noChangeAspect="1"/>
-          </p:cNvPicPr>
+      <p:sp>
+        <p:nvSpPr>
+          <p:cNvPr id="3" name="Content Placeholder 2"/>
+          <p:cNvSpPr>
+            <a:spLocks noGrp="1"/>
+          </p:cNvSpPr>
           <p:nvPr>
             <p:ph idx="1"/>
           </p:nvPr>
-        </p:nvPicPr>
-        <p:blipFill rotWithShape="1">
-          <a:blip r:embed="rId2">
-            <a:extLst>
-              <a:ext uri="{28A0092B-C50C-407E-A947-70E740481C1C}">
-                <a14:useLocalDpi xmlns:a14="http://schemas.microsoft.com/office/drawing/2010/main" val="0"/>
-              </a:ext>
-            </a:extLst>
-          </a:blip>
-          <a:srcRect l="-1406" r="-1406"/>
-          <a:stretch/>
-        </p:blipFill>
+        </p:nvSpPr>
         <p:spPr>
           <a:xfrm>
-            <a:off x="5220072" y="28622"/>
-            <a:ext cx="3679304" cy="6336579"/>
+            <a:off x="152400" y="1341438"/>
+            <a:ext cx="8839200" cy="4724400"/>
           </a:xfrm>
         </p:spPr>
-      </p:pic>
-      <p:sp>
-        <p:nvSpPr>
-          <p:cNvPr id="4" name="Content Placeholder 2"/>
-          <p:cNvSpPr txBox="1">
-            <a:spLocks/>
-          </p:cNvSpPr>
-          <p:nvPr/>
-        </p:nvSpPr>
-        <p:spPr bwMode="auto">
-          <a:xfrm>
-            <a:off x="152400" y="1340768"/>
-            <a:ext cx="4707632" cy="4983832"/>
-          </a:xfrm>
-          <a:prstGeom prst="rect">
-            <a:avLst/>
-          </a:prstGeom>
-          <a:noFill/>
-          <a:ln>
-            <a:noFill/>
-          </a:ln>
-          <a:extLst>
-            <a:ext uri="{909E8E84-426E-40dd-AFC4-6F175D3DCCD1}">
-              <a14:hiddenFill xmlns:a14="http://schemas.microsoft.com/office/drawing/2010/main">
-                <a:solidFill>
-                  <a:srgbClr val="FFFFFF"/>
-                </a:solidFill>
-              </a14:hiddenFill>
-            </a:ext>
-            <a:ext uri="{91240B29-F687-4f45-9708-019B960494DF}">
-              <a14:hiddenLine xmlns:a14="http://schemas.microsoft.com/office/drawing/2010/main" w="9525">
-                <a:solidFill>
-                  <a:srgbClr val="000000"/>
-                </a:solidFill>
-                <a:miter lim="800000"/>
-                <a:headEnd/>
-                <a:tailEnd/>
-              </a14:hiddenLine>
-            </a:ext>
-            <a:ext uri="{FAA26D3D-D897-4be2-8F04-BA451C77F1D7}">
-              <ma14:placeholderFlag xmlns:ma14="http://schemas.microsoft.com/office/mac/drawingml/2011/main" val="1"/>
-            </a:ext>
-          </a:extLst>
-        </p:spPr>
         <p:txBody>
-          <a:bodyPr vert="horz" wrap="square" lIns="91440" tIns="45720" rIns="91440" bIns="45720" numCol="1" anchor="t" anchorCtr="0" compatLnSpc="1">
-            <a:prstTxWarp prst="textNoShape">
-              <a:avLst/>
-            </a:prstTxWarp>
-            <a:normAutofit fontScale="85000" lnSpcReduction="10000"/>
+          <a:bodyPr>
+            <a:normAutofit fontScale="85000" lnSpcReduction="20000"/>
           </a:bodyPr>
-          <a:lstStyle>
-            <a:lvl1pPr marL="342900" indent="-342900" algn="l" rtl="0" eaLnBrk="0" fontAlgn="base" hangingPunct="0">
-              <a:spcBef>
-                <a:spcPct val="20000"/>
-              </a:spcBef>
-              <a:spcAft>
-                <a:spcPct val="0"/>
-              </a:spcAft>
-              <a:buFont typeface="Arial" charset="0"/>
-              <a:buChar char="•"/>
-              <a:defRPr sz="2800" kern="1200">
-                <a:solidFill>
-                  <a:schemeClr val="tx1"/>
-                </a:solidFill>
-                <a:latin typeface="Calibri"/>
-                <a:ea typeface="ＭＳ Ｐゴシック" pitchFamily="-28" charset="-128"/>
-                <a:cs typeface="Calibri"/>
-              </a:defRPr>
-            </a:lvl1pPr>
-            <a:lvl2pPr marL="742950" indent="-285750" algn="l" rtl="0" eaLnBrk="0" fontAlgn="base" hangingPunct="0">
-              <a:spcBef>
-                <a:spcPct val="20000"/>
-              </a:spcBef>
-              <a:spcAft>
-                <a:spcPct val="0"/>
-              </a:spcAft>
-              <a:buFont typeface="Arial" charset="0"/>
-              <a:buChar char="–"/>
-              <a:defRPr sz="2400" kern="1200">
-                <a:solidFill>
-                  <a:schemeClr val="tx1"/>
-                </a:solidFill>
-                <a:latin typeface="Calibri"/>
-                <a:ea typeface="ＭＳ Ｐゴシック" pitchFamily="-28" charset="-128"/>
-                <a:cs typeface="Calibri"/>
-              </a:defRPr>
-            </a:lvl2pPr>
-            <a:lvl3pPr marL="1143000" indent="-228600" algn="l" rtl="0" eaLnBrk="0" fontAlgn="base" hangingPunct="0">
-              <a:spcBef>
-                <a:spcPct val="20000"/>
-              </a:spcBef>
-              <a:spcAft>
-                <a:spcPct val="0"/>
-              </a:spcAft>
-              <a:buFont typeface="Arial" charset="0"/>
-              <a:buChar char="•"/>
-              <a:defRPr sz="2000" kern="1200">
-                <a:solidFill>
-                  <a:schemeClr val="tx1"/>
-                </a:solidFill>
-                <a:latin typeface="Calibri"/>
-                <a:ea typeface="ＭＳ Ｐゴシック" pitchFamily="-28" charset="-128"/>
-                <a:cs typeface="Calibri"/>
-              </a:defRPr>
-            </a:lvl3pPr>
-            <a:lvl4pPr marL="1600200" indent="-228600" algn="l" rtl="0" eaLnBrk="0" fontAlgn="base" hangingPunct="0">
-              <a:spcBef>
-                <a:spcPct val="20000"/>
-              </a:spcBef>
-              <a:spcAft>
-                <a:spcPct val="0"/>
-              </a:spcAft>
-              <a:buFont typeface="Arial" charset="0"/>
-              <a:buChar char="–"/>
-              <a:defRPr kern="1200">
-                <a:solidFill>
-                  <a:schemeClr val="tx1"/>
-                </a:solidFill>
-                <a:latin typeface="Calibri"/>
-                <a:ea typeface="ＭＳ Ｐゴシック" pitchFamily="-28" charset="-128"/>
-                <a:cs typeface="Calibri"/>
-              </a:defRPr>
-            </a:lvl4pPr>
-            <a:lvl5pPr marL="2057400" indent="-228600" algn="l" rtl="0" eaLnBrk="0" fontAlgn="base" hangingPunct="0">
-              <a:spcBef>
-                <a:spcPct val="20000"/>
-              </a:spcBef>
-              <a:spcAft>
-                <a:spcPct val="0"/>
-              </a:spcAft>
-              <a:buFont typeface="Arial" charset="0"/>
-              <a:buChar char="»"/>
-              <a:defRPr kern="1200">
-                <a:solidFill>
-                  <a:schemeClr val="tx1"/>
-                </a:solidFill>
-                <a:latin typeface="Calibri"/>
-                <a:ea typeface="ＭＳ Ｐゴシック" pitchFamily="-28" charset="-128"/>
-                <a:cs typeface="Calibri"/>
-              </a:defRPr>
-            </a:lvl5pPr>
-            <a:lvl6pPr marL="2514600" indent="-228600" algn="l" defTabSz="914400" rtl="0" eaLnBrk="1" latinLnBrk="0" hangingPunct="1">
-              <a:spcBef>
-                <a:spcPct val="20000"/>
-              </a:spcBef>
-              <a:buFont typeface="Arial" pitchFamily="34" charset="0"/>
-              <a:buChar char="•"/>
-              <a:defRPr sz="2000" kern="1200">
-                <a:solidFill>
-                  <a:schemeClr val="tx1"/>
-                </a:solidFill>
-                <a:latin typeface="+mn-lt"/>
-                <a:ea typeface="+mn-ea"/>
-                <a:cs typeface="+mn-cs"/>
-              </a:defRPr>
-            </a:lvl6pPr>
-            <a:lvl7pPr marL="2971800" indent="-228600" algn="l" defTabSz="914400" rtl="0" eaLnBrk="1" latinLnBrk="0" hangingPunct="1">
-              <a:spcBef>
-                <a:spcPct val="20000"/>
-              </a:spcBef>
-              <a:buFont typeface="Arial" pitchFamily="34" charset="0"/>
-              <a:buChar char="•"/>
-              <a:defRPr sz="2000" kern="1200">
-                <a:solidFill>
-                  <a:schemeClr val="tx1"/>
-                </a:solidFill>
-                <a:latin typeface="+mn-lt"/>
-                <a:ea typeface="+mn-ea"/>
-                <a:cs typeface="+mn-cs"/>
-              </a:defRPr>
-            </a:lvl7pPr>
-            <a:lvl8pPr marL="3429000" indent="-228600" algn="l" defTabSz="914400" rtl="0" eaLnBrk="1" latinLnBrk="0" hangingPunct="1">
-              <a:spcBef>
-                <a:spcPct val="20000"/>
-              </a:spcBef>
-              <a:buFont typeface="Arial" pitchFamily="34" charset="0"/>
-              <a:buChar char="•"/>
-              <a:defRPr sz="2000" kern="1200">
-                <a:solidFill>
-                  <a:schemeClr val="tx1"/>
-                </a:solidFill>
-                <a:latin typeface="+mn-lt"/>
-                <a:ea typeface="+mn-ea"/>
-                <a:cs typeface="+mn-cs"/>
-              </a:defRPr>
-            </a:lvl8pPr>
-            <a:lvl9pPr marL="3886200" indent="-228600" algn="l" defTabSz="914400" rtl="0" eaLnBrk="1" latinLnBrk="0" hangingPunct="1">
-              <a:spcBef>
-                <a:spcPct val="20000"/>
-              </a:spcBef>
-              <a:buFont typeface="Arial" pitchFamily="34" charset="0"/>
-              <a:buChar char="•"/>
-              <a:defRPr sz="2000" kern="1200">
-                <a:solidFill>
-                  <a:schemeClr val="tx1"/>
-                </a:solidFill>
-                <a:latin typeface="+mn-lt"/>
-                <a:ea typeface="+mn-ea"/>
-                <a:cs typeface="+mn-cs"/>
-              </a:defRPr>
-            </a:lvl9pPr>
-          </a:lstStyle>
-          <a:p>
+          <a:lstStyle/>
+          <a:p>
+            <a:pPr>
+              <a:defRPr/>
+            </a:pPr>
+            <a:r>
+              <a:rPr lang="en-US" dirty="0"/>
+              <a:t>Best approach to predict novel and alternative splicing events from RNA-seq </a:t>
+            </a:r>
             <a:r>
               <a:rPr lang="en-US" dirty="0" smtClean="0"/>
-              <a:t>Overlapping </a:t>
-            </a:r>
-            <a:r>
-              <a:rPr lang="en-US" dirty="0"/>
-              <a:t>'bundles' of fragment </a:t>
-            </a:r>
-            <a:r>
-              <a:rPr lang="en-US" dirty="0" smtClean="0"/>
-              <a:t>alignments are assembled, fragments are connected in an overlap graph, transcript isoforms are inferred from the minimum paths required to cover the graph</a:t>
-            </a:r>
-          </a:p>
-          <a:p>
+              <a:t>data</a:t>
+            </a:r>
+          </a:p>
+          <a:p>
+            <a:pPr lvl="1">
+              <a:defRPr/>
+            </a:pPr>
+            <a:r>
+              <a:rPr lang="en-US" dirty="0">
+                <a:hlinkClick r:id="rId2"/>
+              </a:rPr>
+              <a:t>http://www.biostars.org/p/68966</a:t>
+            </a:r>
             <a:r>
               <a:rPr lang="en-US" dirty="0" smtClean="0">
-                <a:latin typeface="Calibri" charset="0"/>
-                <a:ea typeface="ＭＳ Ｐゴシック" charset="0"/>
+                <a:hlinkClick r:id="rId2"/>
               </a:rPr>
-              <a:t>Abundance of each isoform is estimated with a maximum likelihood probabilistic model </a:t>
-            </a:r>
-          </a:p>
-          <a:p>
-            <a:pPr lvl="1"/>
-            <a:r>
-              <a:rPr lang="en-US" dirty="0" smtClean="0">
-                <a:latin typeface="Calibri" charset="0"/>
-                <a:ea typeface="ＭＳ Ｐゴシック" charset="0"/>
-              </a:rPr>
-              <a:t>makes use of information such as fragment length </a:t>
-            </a:r>
+              <a:t>/</a:t>
+            </a:r>
+            <a:endParaRPr lang="en-US" dirty="0" smtClean="0"/>
+          </a:p>
+          <a:p>
+            <a:pPr lvl="1">
+              <a:defRPr/>
+            </a:pPr>
             <a:r>
               <a:rPr lang="en-US" dirty="0">
-                <a:latin typeface="Calibri" charset="0"/>
-                <a:ea typeface="ＭＳ Ｐゴシック" charset="0"/>
-              </a:rPr>
-              <a:t>distribution</a:t>
-            </a:r>
-            <a:br>
-              <a:rPr lang="en-US" dirty="0">
-                <a:latin typeface="Calibri" charset="0"/>
-                <a:ea typeface="ＭＳ Ｐゴシック" charset="0"/>
-              </a:rPr>
-            </a:br>
-            <a:endParaRPr lang="en-US" dirty="0">
-              <a:latin typeface="Calibri" charset="0"/>
-              <a:ea typeface="ＭＳ Ｐゴシック" charset="0"/>
-            </a:endParaRPr>
-          </a:p>
-          <a:p>
-            <a:pPr marL="457200" lvl="1" indent="0">
-              <a:buNone/>
-            </a:pPr>
-            <a:r>
-              <a:rPr lang="en-US" dirty="0" smtClean="0">
-                <a:latin typeface="Calibri" charset="0"/>
-                <a:ea typeface="ＭＳ Ｐゴシック" charset="0"/>
                 <a:hlinkClick r:id="rId3"/>
               </a:rPr>
-              <a:t>http</a:t>
-            </a:r>
-            <a:r>
-              <a:rPr lang="en-US" dirty="0">
-                <a:latin typeface="Calibri" charset="0"/>
-                <a:ea typeface="ＭＳ Ｐゴシック" charset="0"/>
+              <a:t>http://www.biostars.org/p/62728</a:t>
+            </a:r>
+            <a:r>
+              <a:rPr lang="en-US" dirty="0" smtClean="0">
                 <a:hlinkClick r:id="rId3"/>
               </a:rPr>
-              <a:t>://cufflinks.cbcb.umd.edu/</a:t>
+              <a:t>/</a:t>
+            </a:r>
+            <a:endParaRPr lang="en-US" dirty="0" smtClean="0"/>
+          </a:p>
+          <a:p>
+            <a:pPr>
+              <a:defRPr/>
+            </a:pPr>
+            <a:r>
+              <a:rPr lang="en-US" dirty="0"/>
+              <a:t>Alternative splicing </a:t>
+            </a:r>
+            <a:r>
+              <a:rPr lang="en-US" dirty="0" smtClean="0"/>
+              <a:t>detection</a:t>
+            </a:r>
+          </a:p>
+          <a:p>
+            <a:pPr lvl="1">
+              <a:defRPr/>
+            </a:pPr>
+            <a:r>
+              <a:rPr lang="en-US" dirty="0">
+                <a:hlinkClick r:id="rId4"/>
+              </a:rPr>
+              <a:t>http://www.biostars.org/p/65617</a:t>
             </a:r>
             <a:r>
               <a:rPr lang="en-US" dirty="0" smtClean="0">
-                <a:latin typeface="Calibri" charset="0"/>
-                <a:ea typeface="ＭＳ Ｐゴシック" charset="0"/>
-                <a:hlinkClick r:id="rId3"/>
+                <a:hlinkClick r:id="rId4"/>
               </a:rPr>
-              <a:t>howitworks.html</a:t>
+              <a:t>/</a:t>
+            </a:r>
+            <a:endParaRPr lang="en-US" dirty="0" smtClean="0"/>
+          </a:p>
+          <a:p>
+            <a:pPr lvl="1">
+              <a:defRPr/>
+            </a:pPr>
+            <a:r>
+              <a:rPr lang="en-US" dirty="0">
+                <a:hlinkClick r:id="rId5"/>
+              </a:rPr>
+              <a:t>http://www.biostars.org/p/11695</a:t>
             </a:r>
             <a:r>
               <a:rPr lang="en-US" dirty="0" smtClean="0">
-                <a:latin typeface="Calibri" charset="0"/>
-                <a:ea typeface="ＭＳ Ｐゴシック" charset="0"/>
+                <a:hlinkClick r:id="rId5"/>
               </a:rPr>
-              <a:t> </a:t>
-            </a:r>
+              <a:t>/</a:t>
+            </a:r>
+            <a:endParaRPr lang="en-US" dirty="0" smtClean="0"/>
+          </a:p>
+          <a:p>
+            <a:pPr>
+              <a:defRPr/>
+            </a:pPr>
+            <a:r>
+              <a:rPr lang="en-US" dirty="0"/>
+              <a:t>Identifying genes that express different isoforms in cancer </a:t>
+            </a:r>
+            <a:r>
+              <a:rPr lang="en-US" dirty="0" err="1"/>
+              <a:t>vs</a:t>
+            </a:r>
+            <a:r>
+              <a:rPr lang="en-US" dirty="0"/>
+              <a:t> normal RNA-seq data</a:t>
+            </a:r>
+          </a:p>
+          <a:p>
+            <a:pPr lvl="1">
+              <a:defRPr/>
+            </a:pPr>
+            <a:r>
+              <a:rPr lang="en-US" dirty="0">
+                <a:hlinkClick r:id="rId6"/>
+              </a:rPr>
+              <a:t>http://www.biostars.org/p/50365</a:t>
+            </a:r>
+            <a:r>
+              <a:rPr lang="en-US" dirty="0" smtClean="0">
+                <a:hlinkClick r:id="rId6"/>
+              </a:rPr>
+              <a:t>/</a:t>
+            </a:r>
+            <a:endParaRPr lang="en-US" dirty="0" smtClean="0"/>
+          </a:p>
+          <a:p>
+            <a:pPr>
+              <a:defRPr/>
+            </a:pPr>
+            <a:r>
+              <a:rPr lang="en-US" dirty="0" smtClean="0"/>
+              <a:t>Cufflinks </a:t>
+            </a:r>
+            <a:r>
+              <a:rPr lang="en-US" dirty="0"/>
+              <a:t>/ </a:t>
+            </a:r>
+            <a:r>
+              <a:rPr lang="en-US" dirty="0" err="1"/>
+              <a:t>Cuffdiff</a:t>
+            </a:r>
+            <a:r>
+              <a:rPr lang="en-US" dirty="0"/>
+              <a:t> Output - How are tests different</a:t>
+            </a:r>
+            <a:r>
+              <a:rPr lang="en-US" dirty="0" smtClean="0"/>
+              <a:t>?</a:t>
+            </a:r>
+          </a:p>
+          <a:p>
+            <a:pPr lvl="1">
+              <a:defRPr/>
+            </a:pPr>
+            <a:r>
+              <a:rPr lang="en-US" dirty="0">
+                <a:hlinkClick r:id="rId7"/>
+              </a:rPr>
+              <a:t>http://www.biostars.org/p/13525</a:t>
+            </a:r>
+            <a:r>
+              <a:rPr lang="en-US" dirty="0" smtClean="0">
+                <a:hlinkClick r:id="rId7"/>
+              </a:rPr>
+              <a:t>/</a:t>
+            </a:r>
+            <a:endParaRPr lang="en-US" dirty="0" smtClean="0"/>
+          </a:p>
+          <a:p>
+            <a:pPr>
+              <a:defRPr/>
+            </a:pPr>
+            <a:r>
+              <a:rPr lang="en-US" dirty="0" smtClean="0"/>
+              <a:t>Visualization </a:t>
+            </a:r>
+            <a:r>
+              <a:rPr lang="en-US" dirty="0"/>
+              <a:t>of </a:t>
+            </a:r>
+            <a:r>
+              <a:rPr lang="en-US" dirty="0" smtClean="0"/>
+              <a:t>alternative </a:t>
+            </a:r>
+            <a:r>
+              <a:rPr lang="en-US" dirty="0"/>
+              <a:t>splicing events using RNA-seq </a:t>
+            </a:r>
+            <a:r>
+              <a:rPr lang="en-US" dirty="0" smtClean="0"/>
+              <a:t>data</a:t>
+            </a:r>
+          </a:p>
+          <a:p>
+            <a:pPr lvl="1">
+              <a:defRPr/>
+            </a:pPr>
+            <a:r>
+              <a:rPr lang="en-US" dirty="0">
+                <a:hlinkClick r:id="rId8"/>
+              </a:rPr>
+              <a:t>http://www.biostars.org/p/8979</a:t>
+            </a:r>
+            <a:r>
+              <a:rPr lang="en-US" dirty="0" smtClean="0">
+                <a:hlinkClick r:id="rId8"/>
+              </a:rPr>
+              <a:t>/</a:t>
+            </a:r>
+            <a:endParaRPr lang="en-US" dirty="0" smtClean="0"/>
           </a:p>
         </p:txBody>
       </p:sp>
     </p:spTree>
     <p:extLst>
       <p:ext uri="{BB962C8B-B14F-4D97-AF65-F5344CB8AC3E}">
-        <p14:creationId xmlns:p14="http://schemas.microsoft.com/office/powerpoint/2010/main" val="764700539"/>
+        <p14:creationId xmlns:p14="http://schemas.microsoft.com/office/powerpoint/2010/main" val="972629451"/>
       </p:ext>
     </p:extLst>
   </p:cSld>
@@ -11371,37 +9228,9 @@
           <a:chExt cx="0" cy="0"/>
         </a:xfrm>
       </p:grpSpPr>
-      <p:pic>
-        <p:nvPicPr>
-          <p:cNvPr id="4" name="Content Placeholder 3" descr="cuffdiff_overview.jpg"/>
-          <p:cNvPicPr>
-            <a:picLocks noGrp="1" noChangeAspect="1"/>
-          </p:cNvPicPr>
-          <p:nvPr>
-            <p:ph idx="1"/>
-          </p:nvPr>
-        </p:nvPicPr>
-        <p:blipFill rotWithShape="1">
-          <a:blip r:embed="rId2">
-            <a:extLst>
-              <a:ext uri="{28A0092B-C50C-407E-A947-70E740481C1C}">
-                <a14:useLocalDpi xmlns:a14="http://schemas.microsoft.com/office/drawing/2010/main" val="0"/>
-              </a:ext>
-            </a:extLst>
-          </a:blip>
-          <a:srcRect l="-2624" r="-3487"/>
-          <a:stretch/>
-        </p:blipFill>
-        <p:spPr>
-          <a:xfrm>
-            <a:off x="5220072" y="188640"/>
-            <a:ext cx="3386920" cy="6110461"/>
-          </a:xfrm>
-        </p:spPr>
-      </p:pic>
       <p:sp>
         <p:nvSpPr>
-          <p:cNvPr id="7" name="Title 1"/>
+          <p:cNvPr id="18433" name="Title 1"/>
           <p:cNvSpPr>
             <a:spLocks noGrp="1"/>
           </p:cNvSpPr>
@@ -11411,8 +9240,8 @@
         </p:nvSpPr>
         <p:spPr>
           <a:xfrm>
-            <a:off x="179512" y="44624"/>
-            <a:ext cx="5040560" cy="1296144"/>
+            <a:off x="152400" y="-26988"/>
+            <a:ext cx="8839200" cy="1143001"/>
           </a:xfrm>
         </p:spPr>
         <p:txBody>
@@ -11420,328 +9249,49 @@
           <a:lstStyle/>
           <a:p>
             <a:r>
-              <a:rPr lang="en-US" dirty="0">
+              <a:rPr lang="en-US">
                 <a:latin typeface="Calibri" charset="0"/>
                 <a:ea typeface="ＭＳ Ｐゴシック" charset="0"/>
               </a:rPr>
-              <a:t>How does </a:t>
-            </a:r>
-            <a:r>
-              <a:rPr lang="en-US" dirty="0" err="1" smtClean="0">
-                <a:latin typeface="Calibri" charset="0"/>
-                <a:ea typeface="ＭＳ Ｐゴシック" charset="0"/>
-              </a:rPr>
-              <a:t>cuffdiff</a:t>
-            </a:r>
-            <a:r>
-              <a:rPr lang="en-US" dirty="0" smtClean="0">
-                <a:latin typeface="Calibri" charset="0"/>
-                <a:ea typeface="ＭＳ Ｐゴシック" charset="0"/>
-              </a:rPr>
-              <a:t> work</a:t>
-            </a:r>
-            <a:r>
-              <a:rPr lang="en-US" dirty="0">
-                <a:latin typeface="Calibri" charset="0"/>
-                <a:ea typeface="ＭＳ Ｐゴシック" charset="0"/>
-              </a:rPr>
-              <a:t>?</a:t>
+              <a:t>Types of alternative expression - part 1</a:t>
             </a:r>
           </a:p>
         </p:txBody>
       </p:sp>
-      <p:sp>
-        <p:nvSpPr>
-          <p:cNvPr id="5" name="Content Placeholder 2"/>
-          <p:cNvSpPr txBox="1">
-            <a:spLocks/>
-          </p:cNvSpPr>
-          <p:nvPr/>
-        </p:nvSpPr>
-        <p:spPr bwMode="auto">
+      <p:pic>
+        <p:nvPicPr>
+          <p:cNvPr id="18434" name="Content Placeholder 3" descr="Figure2.png"/>
+          <p:cNvPicPr>
+            <a:picLocks noGrp="1" noChangeAspect="1"/>
+          </p:cNvPicPr>
+          <p:nvPr>
+            <p:ph idx="1"/>
+          </p:nvPr>
+        </p:nvPicPr>
+        <p:blipFill>
+          <a:blip r:embed="rId2">
+            <a:extLst>
+              <a:ext uri="{28A0092B-C50C-407E-A947-70E740481C1C}">
+                <a14:useLocalDpi xmlns:a14="http://schemas.microsoft.com/office/drawing/2010/main" val="0"/>
+              </a:ext>
+            </a:extLst>
+          </a:blip>
+          <a:srcRect l="-249" r="-1949" b="48083"/>
+          <a:stretch>
+            <a:fillRect/>
+          </a:stretch>
+        </p:blipFill>
+        <p:spPr>
           <a:xfrm>
-            <a:off x="152400" y="1340768"/>
-            <a:ext cx="4707632" cy="4983832"/>
+            <a:off x="1277938" y="1341438"/>
+            <a:ext cx="7129462" cy="4611687"/>
           </a:xfrm>
-          <a:prstGeom prst="rect">
-            <a:avLst/>
-          </a:prstGeom>
-          <a:noFill/>
-          <a:ln>
-            <a:noFill/>
-          </a:ln>
-          <a:extLst>
-            <a:ext uri="{909E8E84-426E-40dd-AFC4-6F175D3DCCD1}">
-              <a14:hiddenFill xmlns:a14="http://schemas.microsoft.com/office/drawing/2010/main">
-                <a:solidFill>
-                  <a:srgbClr val="FFFFFF"/>
-                </a:solidFill>
-              </a14:hiddenFill>
-            </a:ext>
-            <a:ext uri="{91240B29-F687-4f45-9708-019B960494DF}">
-              <a14:hiddenLine xmlns:a14="http://schemas.microsoft.com/office/drawing/2010/main" w="9525">
-                <a:solidFill>
-                  <a:srgbClr val="000000"/>
-                </a:solidFill>
-                <a:miter lim="800000"/>
-                <a:headEnd/>
-                <a:tailEnd/>
-              </a14:hiddenLine>
-            </a:ext>
-            <a:ext uri="{FAA26D3D-D897-4be2-8F04-BA451C77F1D7}">
-              <ma14:placeholderFlag xmlns:ma14="http://schemas.microsoft.com/office/mac/drawingml/2011/main" val="1"/>
-            </a:ext>
-          </a:extLst>
         </p:spPr>
-        <p:txBody>
-          <a:bodyPr vert="horz" wrap="square" lIns="91440" tIns="45720" rIns="91440" bIns="45720" numCol="1" anchor="t" anchorCtr="0" compatLnSpc="1">
-            <a:prstTxWarp prst="textNoShape">
-              <a:avLst/>
-            </a:prstTxWarp>
-            <a:normAutofit fontScale="62500" lnSpcReduction="20000"/>
-          </a:bodyPr>
-          <a:lstStyle>
-            <a:lvl1pPr marL="342900" indent="-342900" algn="l" rtl="0" eaLnBrk="0" fontAlgn="base" hangingPunct="0">
-              <a:spcBef>
-                <a:spcPct val="20000"/>
-              </a:spcBef>
-              <a:spcAft>
-                <a:spcPct val="0"/>
-              </a:spcAft>
-              <a:buFont typeface="Arial" charset="0"/>
-              <a:buChar char="•"/>
-              <a:defRPr sz="2800" kern="1200">
-                <a:solidFill>
-                  <a:schemeClr val="tx1"/>
-                </a:solidFill>
-                <a:latin typeface="Calibri"/>
-                <a:ea typeface="ＭＳ Ｐゴシック" pitchFamily="-28" charset="-128"/>
-                <a:cs typeface="Calibri"/>
-              </a:defRPr>
-            </a:lvl1pPr>
-            <a:lvl2pPr marL="742950" indent="-285750" algn="l" rtl="0" eaLnBrk="0" fontAlgn="base" hangingPunct="0">
-              <a:spcBef>
-                <a:spcPct val="20000"/>
-              </a:spcBef>
-              <a:spcAft>
-                <a:spcPct val="0"/>
-              </a:spcAft>
-              <a:buFont typeface="Arial" charset="0"/>
-              <a:buChar char="–"/>
-              <a:defRPr sz="2400" kern="1200">
-                <a:solidFill>
-                  <a:schemeClr val="tx1"/>
-                </a:solidFill>
-                <a:latin typeface="Calibri"/>
-                <a:ea typeface="ＭＳ Ｐゴシック" pitchFamily="-28" charset="-128"/>
-                <a:cs typeface="Calibri"/>
-              </a:defRPr>
-            </a:lvl2pPr>
-            <a:lvl3pPr marL="1143000" indent="-228600" algn="l" rtl="0" eaLnBrk="0" fontAlgn="base" hangingPunct="0">
-              <a:spcBef>
-                <a:spcPct val="20000"/>
-              </a:spcBef>
-              <a:spcAft>
-                <a:spcPct val="0"/>
-              </a:spcAft>
-              <a:buFont typeface="Arial" charset="0"/>
-              <a:buChar char="•"/>
-              <a:defRPr sz="2000" kern="1200">
-                <a:solidFill>
-                  <a:schemeClr val="tx1"/>
-                </a:solidFill>
-                <a:latin typeface="Calibri"/>
-                <a:ea typeface="ＭＳ Ｐゴシック" pitchFamily="-28" charset="-128"/>
-                <a:cs typeface="Calibri"/>
-              </a:defRPr>
-            </a:lvl3pPr>
-            <a:lvl4pPr marL="1600200" indent="-228600" algn="l" rtl="0" eaLnBrk="0" fontAlgn="base" hangingPunct="0">
-              <a:spcBef>
-                <a:spcPct val="20000"/>
-              </a:spcBef>
-              <a:spcAft>
-                <a:spcPct val="0"/>
-              </a:spcAft>
-              <a:buFont typeface="Arial" charset="0"/>
-              <a:buChar char="–"/>
-              <a:defRPr kern="1200">
-                <a:solidFill>
-                  <a:schemeClr val="tx1"/>
-                </a:solidFill>
-                <a:latin typeface="Calibri"/>
-                <a:ea typeface="ＭＳ Ｐゴシック" pitchFamily="-28" charset="-128"/>
-                <a:cs typeface="Calibri"/>
-              </a:defRPr>
-            </a:lvl4pPr>
-            <a:lvl5pPr marL="2057400" indent="-228600" algn="l" rtl="0" eaLnBrk="0" fontAlgn="base" hangingPunct="0">
-              <a:spcBef>
-                <a:spcPct val="20000"/>
-              </a:spcBef>
-              <a:spcAft>
-                <a:spcPct val="0"/>
-              </a:spcAft>
-              <a:buFont typeface="Arial" charset="0"/>
-              <a:buChar char="»"/>
-              <a:defRPr kern="1200">
-                <a:solidFill>
-                  <a:schemeClr val="tx1"/>
-                </a:solidFill>
-                <a:latin typeface="Calibri"/>
-                <a:ea typeface="ＭＳ Ｐゴシック" pitchFamily="-28" charset="-128"/>
-                <a:cs typeface="Calibri"/>
-              </a:defRPr>
-            </a:lvl5pPr>
-            <a:lvl6pPr marL="2514600" indent="-228600" algn="l" defTabSz="914400" rtl="0" eaLnBrk="1" latinLnBrk="0" hangingPunct="1">
-              <a:spcBef>
-                <a:spcPct val="20000"/>
-              </a:spcBef>
-              <a:buFont typeface="Arial" pitchFamily="34" charset="0"/>
-              <a:buChar char="•"/>
-              <a:defRPr sz="2000" kern="1200">
-                <a:solidFill>
-                  <a:schemeClr val="tx1"/>
-                </a:solidFill>
-                <a:latin typeface="+mn-lt"/>
-                <a:ea typeface="+mn-ea"/>
-                <a:cs typeface="+mn-cs"/>
-              </a:defRPr>
-            </a:lvl6pPr>
-            <a:lvl7pPr marL="2971800" indent="-228600" algn="l" defTabSz="914400" rtl="0" eaLnBrk="1" latinLnBrk="0" hangingPunct="1">
-              <a:spcBef>
-                <a:spcPct val="20000"/>
-              </a:spcBef>
-              <a:buFont typeface="Arial" pitchFamily="34" charset="0"/>
-              <a:buChar char="•"/>
-              <a:defRPr sz="2000" kern="1200">
-                <a:solidFill>
-                  <a:schemeClr val="tx1"/>
-                </a:solidFill>
-                <a:latin typeface="+mn-lt"/>
-                <a:ea typeface="+mn-ea"/>
-                <a:cs typeface="+mn-cs"/>
-              </a:defRPr>
-            </a:lvl7pPr>
-            <a:lvl8pPr marL="3429000" indent="-228600" algn="l" defTabSz="914400" rtl="0" eaLnBrk="1" latinLnBrk="0" hangingPunct="1">
-              <a:spcBef>
-                <a:spcPct val="20000"/>
-              </a:spcBef>
-              <a:buFont typeface="Arial" pitchFamily="34" charset="0"/>
-              <a:buChar char="•"/>
-              <a:defRPr sz="2000" kern="1200">
-                <a:solidFill>
-                  <a:schemeClr val="tx1"/>
-                </a:solidFill>
-                <a:latin typeface="+mn-lt"/>
-                <a:ea typeface="+mn-ea"/>
-                <a:cs typeface="+mn-cs"/>
-              </a:defRPr>
-            </a:lvl8pPr>
-            <a:lvl9pPr marL="3886200" indent="-228600" algn="l" defTabSz="914400" rtl="0" eaLnBrk="1" latinLnBrk="0" hangingPunct="1">
-              <a:spcBef>
-                <a:spcPct val="20000"/>
-              </a:spcBef>
-              <a:buFont typeface="Arial" pitchFamily="34" charset="0"/>
-              <a:buChar char="•"/>
-              <a:defRPr sz="2000" kern="1200">
-                <a:solidFill>
-                  <a:schemeClr val="tx1"/>
-                </a:solidFill>
-                <a:latin typeface="+mn-lt"/>
-                <a:ea typeface="+mn-ea"/>
-                <a:cs typeface="+mn-cs"/>
-              </a:defRPr>
-            </a:lvl9pPr>
-          </a:lstStyle>
-          <a:p>
-            <a:r>
-              <a:rPr lang="en-US" dirty="0" smtClean="0"/>
-              <a:t>The </a:t>
-            </a:r>
-            <a:r>
-              <a:rPr lang="en-US" dirty="0"/>
-              <a:t>variability in fragment count for each gene across replicates is modeled</a:t>
-            </a:r>
-            <a:r>
-              <a:rPr lang="en-US" dirty="0" smtClean="0"/>
-              <a:t>.</a:t>
-            </a:r>
-          </a:p>
-          <a:p>
-            <a:r>
-              <a:rPr lang="en-US" dirty="0" smtClean="0"/>
-              <a:t>The </a:t>
-            </a:r>
-            <a:r>
-              <a:rPr lang="en-US" dirty="0"/>
-              <a:t>fragment count for each isoform is estimated in each </a:t>
-            </a:r>
-            <a:r>
-              <a:rPr lang="en-US" dirty="0" smtClean="0"/>
-              <a:t>replicate (as before), </a:t>
-            </a:r>
-            <a:r>
-              <a:rPr lang="en-US" dirty="0"/>
-              <a:t>along </a:t>
-            </a:r>
-            <a:r>
-              <a:rPr lang="en-US" dirty="0" smtClean="0"/>
-              <a:t>with </a:t>
-            </a:r>
-            <a:r>
-              <a:rPr lang="en-US" dirty="0"/>
-              <a:t>a measure of uncertainty in this estimate arising from ambiguously mapped </a:t>
-            </a:r>
-            <a:r>
-              <a:rPr lang="en-US" dirty="0" smtClean="0"/>
-              <a:t>reads</a:t>
-            </a:r>
-          </a:p>
-          <a:p>
-            <a:pPr lvl="1"/>
-            <a:r>
-              <a:rPr lang="en-US" dirty="0" smtClean="0"/>
-              <a:t>transcripts </a:t>
-            </a:r>
-            <a:r>
-              <a:rPr lang="en-US" dirty="0"/>
-              <a:t>with more shared exons and few uniquely assigned fragments will have greater uncertainty</a:t>
-            </a:r>
-            <a:endParaRPr lang="en-US" dirty="0" smtClean="0"/>
-          </a:p>
-          <a:p>
-            <a:r>
-              <a:rPr lang="en-US" dirty="0" smtClean="0"/>
-              <a:t>The </a:t>
-            </a:r>
-            <a:r>
-              <a:rPr lang="en-US" dirty="0"/>
-              <a:t>algorithm combines estimates of uncertainty and cross-replicate variability under a beta negative binomial model of fragment count variability to estimate count variances for each transcript in each </a:t>
-            </a:r>
-            <a:r>
-              <a:rPr lang="en-US" dirty="0" smtClean="0"/>
-              <a:t>library</a:t>
-            </a:r>
-          </a:p>
-          <a:p>
-            <a:r>
-              <a:rPr lang="en-US" dirty="0" smtClean="0"/>
-              <a:t>These </a:t>
-            </a:r>
-            <a:r>
-              <a:rPr lang="en-US" dirty="0"/>
-              <a:t>variance estimates are used during statistical testing to report significantly differentially expressed genes and transcripts.</a:t>
-            </a:r>
-            <a:endParaRPr lang="en-US" dirty="0" smtClean="0">
-              <a:latin typeface="Calibri" charset="0"/>
-              <a:ea typeface="ＭＳ Ｐゴシック" charset="0"/>
-            </a:endParaRPr>
-          </a:p>
-        </p:txBody>
-      </p:sp>
+      </p:pic>
     </p:spTree>
     <p:extLst>
       <p:ext uri="{BB962C8B-B14F-4D97-AF65-F5344CB8AC3E}">
-        <p14:creationId xmlns:p14="http://schemas.microsoft.com/office/powerpoint/2010/main" val="1214623248"/>
+        <p14:creationId xmlns:p14="http://schemas.microsoft.com/office/powerpoint/2010/main" val="2257662863"/>
       </p:ext>
     </p:extLst>
   </p:cSld>
@@ -11777,7 +9327,7 @@
       </p:grpSpPr>
       <p:sp>
         <p:nvSpPr>
-          <p:cNvPr id="33793" name="Title 1"/>
+          <p:cNvPr id="19457" name="Title 1"/>
           <p:cNvSpPr>
             <a:spLocks noGrp="1"/>
           </p:cNvSpPr>
@@ -11787,8 +9337,8 @@
         </p:nvSpPr>
         <p:spPr>
           <a:xfrm>
-            <a:off x="152400" y="-27384"/>
-            <a:ext cx="8839200" cy="1143000"/>
+            <a:off x="152400" y="-26988"/>
+            <a:ext cx="8839200" cy="1143001"/>
           </a:xfrm>
         </p:spPr>
         <p:txBody>
@@ -11796,227 +9346,55 @@
           <a:lstStyle/>
           <a:p>
             <a:r>
-              <a:rPr lang="en-US" dirty="0" smtClean="0">
+              <a:rPr lang="en-US">
                 <a:latin typeface="Calibri" charset="0"/>
                 <a:ea typeface="ＭＳ Ｐゴシック" charset="0"/>
               </a:rPr>
-              <a:t>Why is </a:t>
-            </a:r>
-            <a:r>
-              <a:rPr lang="en-US" dirty="0" err="1" smtClean="0">
-                <a:latin typeface="Calibri" charset="0"/>
-                <a:ea typeface="ＭＳ Ｐゴシック" charset="0"/>
-              </a:rPr>
-              <a:t>cuffmerge</a:t>
-            </a:r>
-            <a:r>
-              <a:rPr lang="en-US" dirty="0" smtClean="0">
-                <a:latin typeface="Calibri" charset="0"/>
-                <a:ea typeface="ＭＳ Ｐゴシック" charset="0"/>
-              </a:rPr>
-              <a:t> necessary?</a:t>
-            </a:r>
-            <a:endParaRPr lang="en-US" dirty="0">
-              <a:latin typeface="Calibri" charset="0"/>
-              <a:ea typeface="ＭＳ Ｐゴシック" charset="0"/>
-            </a:endParaRPr>
+              <a:t>Types of alternative expression – part 2</a:t>
+            </a:r>
           </a:p>
         </p:txBody>
       </p:sp>
-      <p:sp>
-        <p:nvSpPr>
-          <p:cNvPr id="33794" name="Content Placeholder 2"/>
-          <p:cNvSpPr>
-            <a:spLocks noGrp="1"/>
-          </p:cNvSpPr>
+      <p:pic>
+        <p:nvPicPr>
+          <p:cNvPr id="19458" name="Content Placeholder 3" descr="Figure2.png"/>
+          <p:cNvPicPr>
+            <a:picLocks noGrp="1" noChangeAspect="1"/>
+          </p:cNvPicPr>
           <p:nvPr>
             <p:ph idx="1"/>
           </p:nvPr>
-        </p:nvSpPr>
-        <p:spPr/>
-        <p:txBody>
-          <a:bodyPr/>
-          <a:lstStyle/>
-          <a:p>
-            <a:r>
-              <a:rPr lang="en-US" dirty="0" err="1" smtClean="0">
-                <a:latin typeface="Calibri" charset="0"/>
-                <a:ea typeface="ＭＳ Ｐゴシック" charset="0"/>
-              </a:rPr>
-              <a:t>Cuffmerge</a:t>
-            </a:r>
-            <a:endParaRPr lang="en-US" dirty="0" smtClean="0">
-              <a:latin typeface="Calibri" charset="0"/>
-              <a:ea typeface="ＭＳ Ｐゴシック" charset="0"/>
-            </a:endParaRPr>
-          </a:p>
-          <a:p>
-            <a:pPr lvl="1"/>
-            <a:r>
-              <a:rPr lang="en-US" dirty="0" smtClean="0">
-                <a:latin typeface="Calibri" charset="0"/>
-                <a:ea typeface="ＭＳ Ｐゴシック" charset="0"/>
-              </a:rPr>
-              <a:t>Allows merge of several </a:t>
-            </a:r>
-            <a:r>
-              <a:rPr lang="en-US" dirty="0">
-                <a:latin typeface="Calibri" charset="0"/>
-                <a:ea typeface="ＭＳ Ｐゴシック" charset="0"/>
-              </a:rPr>
-              <a:t>Cufflinks </a:t>
-            </a:r>
-            <a:r>
-              <a:rPr lang="en-US" dirty="0" smtClean="0">
-                <a:latin typeface="Calibri" charset="0"/>
-                <a:ea typeface="ＭＳ Ｐゴシック" charset="0"/>
-              </a:rPr>
-              <a:t>assemblies together</a:t>
-            </a:r>
-          </a:p>
-          <a:p>
-            <a:pPr lvl="2"/>
-            <a:r>
-              <a:rPr lang="en-US" dirty="0" smtClean="0">
-                <a:latin typeface="Calibri" charset="0"/>
-                <a:ea typeface="ＭＳ Ｐゴシック" charset="0"/>
-              </a:rPr>
-              <a:t>Necessary because even with replicates cufflinks will not necessarily assemble the same numbers and structures of transcripts</a:t>
-            </a:r>
-          </a:p>
-          <a:p>
-            <a:pPr lvl="1"/>
-            <a:r>
-              <a:rPr lang="en-US" dirty="0" smtClean="0">
-                <a:latin typeface="Calibri" charset="0"/>
-                <a:ea typeface="ＭＳ Ｐゴシック" charset="0"/>
-              </a:rPr>
-              <a:t>Filters </a:t>
-            </a:r>
-            <a:r>
-              <a:rPr lang="en-US" dirty="0">
-                <a:latin typeface="Calibri" charset="0"/>
-                <a:ea typeface="ＭＳ Ｐゴシック" charset="0"/>
-              </a:rPr>
-              <a:t>a number of </a:t>
-            </a:r>
-            <a:r>
-              <a:rPr lang="en-US" dirty="0" err="1">
-                <a:latin typeface="Calibri" charset="0"/>
-                <a:ea typeface="ＭＳ Ｐゴシック" charset="0"/>
-              </a:rPr>
-              <a:t>transfrags</a:t>
-            </a:r>
-            <a:r>
-              <a:rPr lang="en-US" dirty="0">
-                <a:latin typeface="Calibri" charset="0"/>
-                <a:ea typeface="ＭＳ Ｐゴシック" charset="0"/>
-              </a:rPr>
-              <a:t> that are probably </a:t>
-            </a:r>
-            <a:r>
-              <a:rPr lang="en-US" dirty="0" smtClean="0">
-                <a:latin typeface="Calibri" charset="0"/>
-                <a:ea typeface="ＭＳ Ｐゴシック" charset="0"/>
-              </a:rPr>
-              <a:t>artifacts.</a:t>
-            </a:r>
-          </a:p>
-          <a:p>
-            <a:pPr lvl="1"/>
-            <a:r>
-              <a:rPr lang="en-US" dirty="0" smtClean="0">
-                <a:latin typeface="Calibri" charset="0"/>
-                <a:ea typeface="ＭＳ Ｐゴシック" charset="0"/>
-              </a:rPr>
-              <a:t>Optional: provide </a:t>
-            </a:r>
-            <a:r>
-              <a:rPr lang="en-US" dirty="0">
-                <a:latin typeface="Calibri" charset="0"/>
-                <a:ea typeface="ＭＳ Ｐゴシック" charset="0"/>
-              </a:rPr>
-              <a:t>reference </a:t>
-            </a:r>
-            <a:r>
-              <a:rPr lang="en-US" dirty="0" smtClean="0">
-                <a:latin typeface="Calibri" charset="0"/>
-                <a:ea typeface="ＭＳ Ｐゴシック" charset="0"/>
-              </a:rPr>
-              <a:t>GTF to merge </a:t>
-            </a:r>
-            <a:r>
-              <a:rPr lang="en-US" dirty="0">
-                <a:latin typeface="Calibri" charset="0"/>
-                <a:ea typeface="ＭＳ Ｐゴシック" charset="0"/>
-              </a:rPr>
-              <a:t>novel isoforms and known isoforms and maximize overall assembly </a:t>
-            </a:r>
-            <a:r>
-              <a:rPr lang="en-US" dirty="0" smtClean="0">
-                <a:latin typeface="Calibri" charset="0"/>
-                <a:ea typeface="ＭＳ Ｐゴシック" charset="0"/>
-              </a:rPr>
-              <a:t>quality.</a:t>
-            </a:r>
-          </a:p>
-          <a:p>
-            <a:pPr lvl="1"/>
-            <a:r>
-              <a:rPr lang="en-US" dirty="0" smtClean="0">
-                <a:latin typeface="Calibri" charset="0"/>
-                <a:ea typeface="ＭＳ Ｐゴシック" charset="0"/>
-              </a:rPr>
-              <a:t>Make </a:t>
-            </a:r>
-            <a:r>
-              <a:rPr lang="en-US" dirty="0">
-                <a:latin typeface="Calibri" charset="0"/>
-                <a:ea typeface="ＭＳ Ｐゴシック" charset="0"/>
-              </a:rPr>
-              <a:t>an assembly GTF file suitable for use with </a:t>
-            </a:r>
-            <a:r>
-              <a:rPr lang="en-US" dirty="0" err="1" smtClean="0">
-                <a:latin typeface="Calibri" charset="0"/>
-                <a:ea typeface="ＭＳ Ｐゴシック" charset="0"/>
-              </a:rPr>
-              <a:t>Cuffdiff</a:t>
-            </a:r>
-            <a:endParaRPr lang="en-US" dirty="0" smtClean="0">
-              <a:latin typeface="Calibri" charset="0"/>
-              <a:ea typeface="ＭＳ Ｐゴシック" charset="0"/>
-            </a:endParaRPr>
-          </a:p>
-          <a:p>
-            <a:pPr lvl="2"/>
-            <a:r>
-              <a:rPr lang="en-US" dirty="0" smtClean="0">
-                <a:latin typeface="Calibri" charset="0"/>
-                <a:ea typeface="ＭＳ Ｐゴシック" charset="0"/>
-              </a:rPr>
-              <a:t>Compare apples to apples</a:t>
-            </a:r>
-          </a:p>
-        </p:txBody>
-      </p:sp>
+        </p:nvPicPr>
+        <p:blipFill>
+          <a:blip r:embed="rId2">
+            <a:extLst>
+              <a:ext uri="{28A0092B-C50C-407E-A947-70E740481C1C}">
+                <a14:useLocalDpi xmlns:a14="http://schemas.microsoft.com/office/drawing/2010/main" val="0"/>
+              </a:ext>
+            </a:extLst>
+          </a:blip>
+          <a:srcRect l="-500" t="52509" r="-2956"/>
+          <a:stretch>
+            <a:fillRect/>
+          </a:stretch>
+        </p:blipFill>
+        <p:spPr>
+          <a:xfrm>
+            <a:off x="900113" y="1341438"/>
+            <a:ext cx="7654925" cy="4475162"/>
+          </a:xfrm>
+        </p:spPr>
+      </p:pic>
     </p:spTree>
     <p:extLst>
       <p:ext uri="{BB962C8B-B14F-4D97-AF65-F5344CB8AC3E}">
-        <p14:creationId xmlns:p14="http://schemas.microsoft.com/office/powerpoint/2010/main" val="3148951378"/>
+        <p14:creationId xmlns:p14="http://schemas.microsoft.com/office/powerpoint/2010/main" val="17302498"/>
       </p:ext>
     </p:extLst>
   </p:cSld>
   <p:clrMapOvr>
     <a:masterClrMapping/>
   </p:clrMapOvr>
-  <p:timing>
-    <p:tnLst>
-      <p:par>
-        <p:cTn xmlns:p14="http://schemas.microsoft.com/office/powerpoint/2010/main" id="1" dur="indefinite" restart="never" nodeType="tmRoot"/>
-      </p:par>
-    </p:tnLst>
-  </p:timing>
 </p:sld>
 </file>
 
